--- a/initial_presentation.pptx
+++ b/initial_presentation.pptx
@@ -21,16 +21,18 @@
     <p:sldId id="266" r:id="rId15"/>
     <p:sldId id="267" r:id="rId16"/>
     <p:sldId id="268" r:id="rId17"/>
+    <p:sldId id="269" r:id="rId18"/>
+    <p:sldId id="270" r:id="rId19"/>
   </p:sldIdLst>
   <p:sldSz cy="5143500" cx="9144000"/>
   <p:notesSz cx="6858000" cy="9144000"/>
   <p:embeddedFontLst>
     <p:embeddedFont>
       <p:font typeface="Roboto"/>
-      <p:regular r:id="rId18"/>
-      <p:bold r:id="rId19"/>
-      <p:italic r:id="rId20"/>
-      <p:boldItalic r:id="rId21"/>
+      <p:regular r:id="rId20"/>
+      <p:bold r:id="rId21"/>
+      <p:italic r:id="rId22"/>
+      <p:boldItalic r:id="rId23"/>
     </p:embeddedFont>
   </p:embeddedFontLst>
   <p:defaultTextStyle>
@@ -487,7 +489,7 @@
   <p:cSld>
     <p:spTree>
       <p:nvGrpSpPr>
-        <p:cNvPr id="123" name="Shape 123"/>
+        <p:cNvPr id="125" name="Shape 125"/>
         <p:cNvGrpSpPr/>
         <p:nvPr/>
       </p:nvGrpSpPr>
@@ -501,7 +503,7 @@
       </p:grpSpPr>
       <p:sp>
         <p:nvSpPr>
-          <p:cNvPr id="124" name="Shape 124"/>
+          <p:cNvPr id="126" name="Shape 126"/>
           <p:cNvSpPr/>
           <p:nvPr>
             <p:ph idx="2" type="sldImg"/>
@@ -535,7 +537,7 @@
       </p:sp>
       <p:sp>
         <p:nvSpPr>
-          <p:cNvPr id="125" name="Shape 125"/>
+          <p:cNvPr id="127" name="Shape 127"/>
           <p:cNvSpPr txBox="1"/>
           <p:nvPr>
             <p:ph idx="1" type="body"/>
@@ -582,7 +584,7 @@
   <p:cSld>
     <p:spTree>
       <p:nvGrpSpPr>
-        <p:cNvPr id="129" name="Shape 129"/>
+        <p:cNvPr id="138" name="Shape 138"/>
         <p:cNvGrpSpPr/>
         <p:nvPr/>
       </p:nvGrpSpPr>
@@ -596,7 +598,7 @@
       </p:grpSpPr>
       <p:sp>
         <p:nvSpPr>
-          <p:cNvPr id="130" name="Shape 130"/>
+          <p:cNvPr id="139" name="Shape 139"/>
           <p:cNvSpPr/>
           <p:nvPr>
             <p:ph idx="2" type="sldImg"/>
@@ -630,7 +632,7 @@
       </p:sp>
       <p:sp>
         <p:nvSpPr>
-          <p:cNvPr id="131" name="Shape 131"/>
+          <p:cNvPr id="140" name="Shape 140"/>
           <p:cNvSpPr txBox="1"/>
           <p:nvPr>
             <p:ph idx="1" type="body"/>
@@ -677,7 +679,7 @@
   <p:cSld>
     <p:spTree>
       <p:nvGrpSpPr>
-        <p:cNvPr id="135" name="Shape 135"/>
+        <p:cNvPr id="151" name="Shape 151"/>
         <p:cNvGrpSpPr/>
         <p:nvPr/>
       </p:nvGrpSpPr>
@@ -691,7 +693,7 @@
       </p:grpSpPr>
       <p:sp>
         <p:nvSpPr>
-          <p:cNvPr id="136" name="Shape 136"/>
+          <p:cNvPr id="152" name="Shape 152"/>
           <p:cNvSpPr/>
           <p:nvPr>
             <p:ph idx="2" type="sldImg"/>
@@ -725,7 +727,7 @@
       </p:sp>
       <p:sp>
         <p:nvSpPr>
-          <p:cNvPr id="137" name="Shape 137"/>
+          <p:cNvPr id="153" name="Shape 153"/>
           <p:cNvSpPr txBox="1"/>
           <p:nvPr>
             <p:ph idx="1" type="body"/>
@@ -752,10 +754,9 @@
               </a:spcBef>
               <a:buNone/>
             </a:pPr>
-            <a:r>
-              <a:t/>
-            </a:r>
-            <a:endParaRPr/>
+            <a:br>
+              <a:rPr lang="en"/>
+            </a:br>
           </a:p>
         </p:txBody>
       </p:sp>
@@ -772,7 +773,7 @@
   <p:cSld>
     <p:spTree>
       <p:nvGrpSpPr>
-        <p:cNvPr id="141" name="Shape 141"/>
+        <p:cNvPr id="157" name="Shape 157"/>
         <p:cNvGrpSpPr/>
         <p:nvPr/>
       </p:nvGrpSpPr>
@@ -786,7 +787,7 @@
       </p:grpSpPr>
       <p:sp>
         <p:nvSpPr>
-          <p:cNvPr id="142" name="Shape 142"/>
+          <p:cNvPr id="158" name="Shape 158"/>
           <p:cNvSpPr/>
           <p:nvPr>
             <p:ph idx="2" type="sldImg"/>
@@ -820,7 +821,197 @@
       </p:sp>
       <p:sp>
         <p:nvSpPr>
-          <p:cNvPr id="143" name="Shape 143"/>
+          <p:cNvPr id="159" name="Shape 159"/>
+          <p:cNvSpPr txBox="1"/>
+          <p:nvPr>
+            <p:ph idx="1" type="body"/>
+          </p:nvPr>
+        </p:nvSpPr>
+        <p:spPr>
+          <a:xfrm>
+            <a:off x="685800" y="4343400"/>
+            <a:ext cx="5486400" cy="4114800"/>
+          </a:xfrm>
+          <a:prstGeom prst="rect">
+            <a:avLst/>
+          </a:prstGeom>
+        </p:spPr>
+        <p:txBody>
+          <a:bodyPr anchorCtr="0" anchor="t" bIns="91425" lIns="91425" rIns="91425" tIns="91425">
+            <a:noAutofit/>
+          </a:bodyPr>
+          <a:lstStyle/>
+          <a:p>
+            <a:pPr lvl="0" rtl="0">
+              <a:spcBef>
+                <a:spcPts val="0"/>
+              </a:spcBef>
+              <a:buNone/>
+            </a:pPr>
+            <a:r>
+              <a:t/>
+            </a:r>
+            <a:endParaRPr/>
+          </a:p>
+        </p:txBody>
+      </p:sp>
+    </p:spTree>
+  </p:cSld>
+  <p:clrMapOvr>
+    <a:masterClrMapping/>
+  </p:clrMapOvr>
+</p:notes>
+</file>
+
+<file path=ppt/notesSlides/notesSlide14.xml><?xml version="1.0" encoding="utf-8"?>
+<p:notes xmlns:a="http://schemas.openxmlformats.org/drawingml/2006/main" xmlns:r="http://schemas.openxmlformats.org/officeDocument/2006/relationships" xmlns:mc="http://schemas.openxmlformats.org/markup-compatibility/2006" xmlns:mv="urn:schemas-microsoft-com:mac:vml" xmlns:p="http://schemas.openxmlformats.org/presentationml/2006/main" xmlns:c="http://schemas.openxmlformats.org/drawingml/2006/chart" xmlns:dgm="http://schemas.openxmlformats.org/drawingml/2006/diagram" xmlns:o="urn:schemas-microsoft-com:office:office" xmlns:v="urn:schemas-microsoft-com:vml" xmlns:pvml="urn:schemas-microsoft-com:office:powerpoint" xmlns:com="http://schemas.openxmlformats.org/drawingml/2006/compatibility" xmlns:p14="http://schemas.microsoft.com/office/powerpoint/2010/main" showMasterPhAnim="0" showMasterSp="0">
+  <p:cSld>
+    <p:spTree>
+      <p:nvGrpSpPr>
+        <p:cNvPr id="163" name="Shape 163"/>
+        <p:cNvGrpSpPr/>
+        <p:nvPr/>
+      </p:nvGrpSpPr>
+      <p:grpSpPr>
+        <a:xfrm>
+          <a:off x="0" y="0"/>
+          <a:ext cx="0" cy="0"/>
+          <a:chOff x="0" y="0"/>
+          <a:chExt cx="0" cy="0"/>
+        </a:xfrm>
+      </p:grpSpPr>
+      <p:sp>
+        <p:nvSpPr>
+          <p:cNvPr id="164" name="Shape 164"/>
+          <p:cNvSpPr/>
+          <p:nvPr>
+            <p:ph idx="2" type="sldImg"/>
+          </p:nvPr>
+        </p:nvSpPr>
+        <p:spPr>
+          <a:xfrm>
+            <a:off x="381300" y="685800"/>
+            <a:ext cx="6096000" cy="3429000"/>
+          </a:xfrm>
+          <a:custGeom>
+            <a:pathLst>
+              <a:path extrusionOk="0" h="120000" w="120000">
+                <a:moveTo>
+                  <a:pt x="0" y="0"/>
+                </a:moveTo>
+                <a:lnTo>
+                  <a:pt x="120000" y="0"/>
+                </a:lnTo>
+                <a:lnTo>
+                  <a:pt x="120000" y="120000"/>
+                </a:lnTo>
+                <a:lnTo>
+                  <a:pt x="0" y="120000"/>
+                </a:lnTo>
+                <a:close/>
+              </a:path>
+            </a:pathLst>
+          </a:custGeom>
+        </p:spPr>
+      </p:sp>
+      <p:sp>
+        <p:nvSpPr>
+          <p:cNvPr id="165" name="Shape 165"/>
+          <p:cNvSpPr txBox="1"/>
+          <p:nvPr>
+            <p:ph idx="1" type="body"/>
+          </p:nvPr>
+        </p:nvSpPr>
+        <p:spPr>
+          <a:xfrm>
+            <a:off x="685800" y="4343400"/>
+            <a:ext cx="5486400" cy="4114800"/>
+          </a:xfrm>
+          <a:prstGeom prst="rect">
+            <a:avLst/>
+          </a:prstGeom>
+        </p:spPr>
+        <p:txBody>
+          <a:bodyPr anchorCtr="0" anchor="t" bIns="91425" lIns="91425" rIns="91425" tIns="91425">
+            <a:noAutofit/>
+          </a:bodyPr>
+          <a:lstStyle/>
+          <a:p>
+            <a:pPr lvl="0" rtl="0">
+              <a:spcBef>
+                <a:spcPts val="0"/>
+              </a:spcBef>
+              <a:buNone/>
+            </a:pPr>
+            <a:r>
+              <a:t/>
+            </a:r>
+            <a:endParaRPr/>
+          </a:p>
+        </p:txBody>
+      </p:sp>
+    </p:spTree>
+  </p:cSld>
+  <p:clrMapOvr>
+    <a:masterClrMapping/>
+  </p:clrMapOvr>
+</p:notes>
+</file>
+
+<file path=ppt/notesSlides/notesSlide15.xml><?xml version="1.0" encoding="utf-8"?>
+<p:notes xmlns:a="http://schemas.openxmlformats.org/drawingml/2006/main" xmlns:r="http://schemas.openxmlformats.org/officeDocument/2006/relationships" xmlns:mc="http://schemas.openxmlformats.org/markup-compatibility/2006" xmlns:mv="urn:schemas-microsoft-com:mac:vml" xmlns:p="http://schemas.openxmlformats.org/presentationml/2006/main" xmlns:c="http://schemas.openxmlformats.org/drawingml/2006/chart" xmlns:dgm="http://schemas.openxmlformats.org/drawingml/2006/diagram" xmlns:o="urn:schemas-microsoft-com:office:office" xmlns:v="urn:schemas-microsoft-com:vml" xmlns:pvml="urn:schemas-microsoft-com:office:powerpoint" xmlns:com="http://schemas.openxmlformats.org/drawingml/2006/compatibility" xmlns:p14="http://schemas.microsoft.com/office/powerpoint/2010/main" showMasterPhAnim="0" showMasterSp="0">
+  <p:cSld>
+    <p:spTree>
+      <p:nvGrpSpPr>
+        <p:cNvPr id="169" name="Shape 169"/>
+        <p:cNvGrpSpPr/>
+        <p:nvPr/>
+      </p:nvGrpSpPr>
+      <p:grpSpPr>
+        <a:xfrm>
+          <a:off x="0" y="0"/>
+          <a:ext cx="0" cy="0"/>
+          <a:chOff x="0" y="0"/>
+          <a:chExt cx="0" cy="0"/>
+        </a:xfrm>
+      </p:grpSpPr>
+      <p:sp>
+        <p:nvSpPr>
+          <p:cNvPr id="170" name="Shape 170"/>
+          <p:cNvSpPr/>
+          <p:nvPr>
+            <p:ph idx="2" type="sldImg"/>
+          </p:nvPr>
+        </p:nvSpPr>
+        <p:spPr>
+          <a:xfrm>
+            <a:off x="381300" y="685800"/>
+            <a:ext cx="6096000" cy="3429000"/>
+          </a:xfrm>
+          <a:custGeom>
+            <a:pathLst>
+              <a:path extrusionOk="0" h="120000" w="120000">
+                <a:moveTo>
+                  <a:pt x="0" y="0"/>
+                </a:moveTo>
+                <a:lnTo>
+                  <a:pt x="120000" y="0"/>
+                </a:lnTo>
+                <a:lnTo>
+                  <a:pt x="120000" y="120000"/>
+                </a:lnTo>
+                <a:lnTo>
+                  <a:pt x="0" y="120000"/>
+                </a:lnTo>
+                <a:close/>
+              </a:path>
+            </a:pathLst>
+          </a:custGeom>
+        </p:spPr>
+      </p:sp>
+      <p:sp>
+        <p:nvSpPr>
+          <p:cNvPr id="171" name="Shape 171"/>
           <p:cNvSpPr txBox="1"/>
           <p:nvPr>
             <p:ph idx="1" type="body"/>
@@ -1221,7 +1412,7 @@
           </a:bodyPr>
           <a:lstStyle/>
           <a:p>
-            <a:pPr lvl="0">
+            <a:pPr lvl="0" rtl="0">
               <a:spcBef>
                 <a:spcPts val="0"/>
               </a:spcBef>
@@ -1247,7 +1438,7 @@
   <p:cSld>
     <p:spTree>
       <p:nvGrpSpPr>
-        <p:cNvPr id="94" name="Shape 94"/>
+        <p:cNvPr id="101" name="Shape 101"/>
         <p:cNvGrpSpPr/>
         <p:nvPr/>
       </p:nvGrpSpPr>
@@ -1261,7 +1452,7 @@
       </p:grpSpPr>
       <p:sp>
         <p:nvSpPr>
-          <p:cNvPr id="95" name="Shape 95"/>
+          <p:cNvPr id="102" name="Shape 102"/>
           <p:cNvSpPr/>
           <p:nvPr>
             <p:ph idx="2" type="sldImg"/>
@@ -1295,7 +1486,7 @@
       </p:sp>
       <p:sp>
         <p:nvSpPr>
-          <p:cNvPr id="96" name="Shape 96"/>
+          <p:cNvPr id="103" name="Shape 103"/>
           <p:cNvSpPr txBox="1"/>
           <p:nvPr>
             <p:ph idx="1" type="body"/>
@@ -1316,7 +1507,7 @@
           </a:bodyPr>
           <a:lstStyle/>
           <a:p>
-            <a:pPr lvl="0" rtl="0">
+            <a:pPr lvl="0">
               <a:spcBef>
                 <a:spcPts val="0"/>
               </a:spcBef>
@@ -1342,7 +1533,7 @@
   <p:cSld>
     <p:spTree>
       <p:nvGrpSpPr>
-        <p:cNvPr id="100" name="Shape 100"/>
+        <p:cNvPr id="107" name="Shape 107"/>
         <p:cNvGrpSpPr/>
         <p:nvPr/>
       </p:nvGrpSpPr>
@@ -1356,7 +1547,7 @@
       </p:grpSpPr>
       <p:sp>
         <p:nvSpPr>
-          <p:cNvPr id="101" name="Shape 101"/>
+          <p:cNvPr id="108" name="Shape 108"/>
           <p:cNvSpPr/>
           <p:nvPr>
             <p:ph idx="2" type="sldImg"/>
@@ -1390,7 +1581,7 @@
       </p:sp>
       <p:sp>
         <p:nvSpPr>
-          <p:cNvPr id="102" name="Shape 102"/>
+          <p:cNvPr id="109" name="Shape 109"/>
           <p:cNvSpPr txBox="1"/>
           <p:nvPr>
             <p:ph idx="1" type="body"/>
@@ -1437,7 +1628,7 @@
   <p:cSld>
     <p:spTree>
       <p:nvGrpSpPr>
-        <p:cNvPr id="106" name="Shape 106"/>
+        <p:cNvPr id="113" name="Shape 113"/>
         <p:cNvGrpSpPr/>
         <p:nvPr/>
       </p:nvGrpSpPr>
@@ -1451,7 +1642,7 @@
       </p:grpSpPr>
       <p:sp>
         <p:nvSpPr>
-          <p:cNvPr id="107" name="Shape 107"/>
+          <p:cNvPr id="114" name="Shape 114"/>
           <p:cNvSpPr/>
           <p:nvPr>
             <p:ph idx="2" type="sldImg"/>
@@ -1485,7 +1676,7 @@
       </p:sp>
       <p:sp>
         <p:nvSpPr>
-          <p:cNvPr id="108" name="Shape 108"/>
+          <p:cNvPr id="115" name="Shape 115"/>
           <p:cNvSpPr txBox="1"/>
           <p:nvPr>
             <p:ph idx="1" type="body"/>
@@ -1532,7 +1723,7 @@
   <p:cSld>
     <p:spTree>
       <p:nvGrpSpPr>
-        <p:cNvPr id="112" name="Shape 112"/>
+        <p:cNvPr id="119" name="Shape 119"/>
         <p:cNvGrpSpPr/>
         <p:nvPr/>
       </p:nvGrpSpPr>
@@ -1546,7 +1737,7 @@
       </p:grpSpPr>
       <p:sp>
         <p:nvSpPr>
-          <p:cNvPr id="113" name="Shape 113"/>
+          <p:cNvPr id="120" name="Shape 120"/>
           <p:cNvSpPr/>
           <p:nvPr>
             <p:ph idx="2" type="sldImg"/>
@@ -1580,7 +1771,7 @@
       </p:sp>
       <p:sp>
         <p:nvSpPr>
-          <p:cNvPr id="114" name="Shape 114"/>
+          <p:cNvPr id="121" name="Shape 121"/>
           <p:cNvSpPr txBox="1"/>
           <p:nvPr>
             <p:ph idx="1" type="body"/>
@@ -6076,7 +6267,7 @@
   <p:cSld>
     <p:spTree>
       <p:nvGrpSpPr>
-        <p:cNvPr id="126" name="Shape 126"/>
+        <p:cNvPr id="128" name="Shape 128"/>
         <p:cNvGrpSpPr/>
         <p:nvPr/>
       </p:nvGrpSpPr>
@@ -6090,7 +6281,7 @@
       </p:grpSpPr>
       <p:sp>
         <p:nvSpPr>
-          <p:cNvPr id="127" name="Shape 127"/>
+          <p:cNvPr id="129" name="Shape 129"/>
           <p:cNvSpPr txBox="1"/>
           <p:nvPr>
             <p:ph type="title"/>
@@ -6119,27 +6310,292 @@
             </a:pPr>
             <a:r>
               <a:rPr lang="en"/>
-              <a:t>Motivations (1)</a:t>
-            </a:r>
-          </a:p>
-        </p:txBody>
-      </p:sp>
-      <p:sp>
-        <p:nvSpPr>
-          <p:cNvPr id="128" name="Shape 128"/>
+              <a:t>Tomcat Native</a:t>
+            </a:r>
+          </a:p>
+        </p:txBody>
+      </p:sp>
+      <p:sp>
+        <p:nvSpPr>
+          <p:cNvPr id="130" name="Shape 130"/>
+          <p:cNvSpPr/>
+          <p:nvPr/>
+        </p:nvSpPr>
+        <p:spPr>
+          <a:xfrm>
+            <a:off x="5021862" y="2505825"/>
+            <a:ext cx="1736400" cy="648300"/>
+          </a:xfrm>
+          <a:prstGeom prst="rect">
+            <a:avLst/>
+          </a:prstGeom>
+          <a:solidFill>
+            <a:schemeClr val="accent5"/>
+          </a:solidFill>
+          <a:ln>
+            <a:noFill/>
+          </a:ln>
+        </p:spPr>
+        <p:txBody>
+          <a:bodyPr anchorCtr="0" anchor="ctr" bIns="91425" lIns="91425" rIns="91425" tIns="91425">
+            <a:noAutofit/>
+          </a:bodyPr>
+          <a:lstStyle/>
+          <a:p>
+            <a:pPr lvl="0" rtl="0" algn="ctr">
+              <a:spcBef>
+                <a:spcPts val="0"/>
+              </a:spcBef>
+              <a:buNone/>
+            </a:pPr>
+            <a:r>
+              <a:rPr lang="en">
+                <a:solidFill>
+                  <a:schemeClr val="lt1"/>
+                </a:solidFill>
+              </a:rPr>
+              <a:t>Undertow</a:t>
+            </a:r>
+          </a:p>
+        </p:txBody>
+      </p:sp>
+      <p:sp>
+        <p:nvSpPr>
+          <p:cNvPr id="131" name="Shape 131"/>
+          <p:cNvSpPr/>
+          <p:nvPr/>
+        </p:nvSpPr>
+        <p:spPr>
+          <a:xfrm>
+            <a:off x="2407637" y="2505825"/>
+            <a:ext cx="1736400" cy="648300"/>
+          </a:xfrm>
+          <a:prstGeom prst="rect">
+            <a:avLst/>
+          </a:prstGeom>
+          <a:solidFill>
+            <a:schemeClr val="accent5"/>
+          </a:solidFill>
+          <a:ln>
+            <a:noFill/>
+          </a:ln>
+        </p:spPr>
+        <p:txBody>
+          <a:bodyPr anchorCtr="0" anchor="ctr" bIns="91425" lIns="91425" rIns="91425" tIns="91425">
+            <a:noAutofit/>
+          </a:bodyPr>
+          <a:lstStyle/>
+          <a:p>
+            <a:pPr lvl="0" rtl="0" algn="ctr">
+              <a:spcBef>
+                <a:spcPts val="0"/>
+              </a:spcBef>
+              <a:buNone/>
+            </a:pPr>
+            <a:r>
+              <a:rPr lang="en">
+                <a:solidFill>
+                  <a:schemeClr val="lt1"/>
+                </a:solidFill>
+              </a:rPr>
+              <a:t>Tomcat</a:t>
+            </a:r>
+          </a:p>
+        </p:txBody>
+      </p:sp>
+      <p:sp>
+        <p:nvSpPr>
+          <p:cNvPr id="132" name="Shape 132"/>
+          <p:cNvSpPr/>
+          <p:nvPr/>
+        </p:nvSpPr>
+        <p:spPr>
+          <a:xfrm>
+            <a:off x="2407637" y="3878750"/>
+            <a:ext cx="1736400" cy="648300"/>
+          </a:xfrm>
+          <a:prstGeom prst="rect">
+            <a:avLst/>
+          </a:prstGeom>
+          <a:solidFill>
+            <a:schemeClr val="accent1"/>
+          </a:solidFill>
+          <a:ln>
+            <a:noFill/>
+          </a:ln>
+        </p:spPr>
+        <p:txBody>
+          <a:bodyPr anchorCtr="0" anchor="ctr" bIns="91425" lIns="91425" rIns="91425" tIns="91425">
+            <a:noAutofit/>
+          </a:bodyPr>
+          <a:lstStyle/>
+          <a:p>
+            <a:pPr lvl="0" rtl="0" algn="ctr">
+              <a:spcBef>
+                <a:spcPts val="0"/>
+              </a:spcBef>
+              <a:buNone/>
+            </a:pPr>
+            <a:r>
+              <a:rPr lang="en">
+                <a:solidFill>
+                  <a:schemeClr val="lt1"/>
+                </a:solidFill>
+              </a:rPr>
+              <a:t>tc-native</a:t>
+            </a:r>
+          </a:p>
+        </p:txBody>
+      </p:sp>
+      <p:sp>
+        <p:nvSpPr>
+          <p:cNvPr id="133" name="Shape 133"/>
+          <p:cNvSpPr/>
+          <p:nvPr/>
+        </p:nvSpPr>
+        <p:spPr>
+          <a:xfrm>
+            <a:off x="5021862" y="3878750"/>
+            <a:ext cx="1736400" cy="648300"/>
+          </a:xfrm>
+          <a:prstGeom prst="rect">
+            <a:avLst/>
+          </a:prstGeom>
+          <a:solidFill>
+            <a:schemeClr val="accent1"/>
+          </a:solidFill>
+          <a:ln>
+            <a:noFill/>
+          </a:ln>
+        </p:spPr>
+        <p:txBody>
+          <a:bodyPr anchorCtr="0" anchor="ctr" bIns="91425" lIns="91425" rIns="91425" tIns="91425">
+            <a:noAutofit/>
+          </a:bodyPr>
+          <a:lstStyle/>
+          <a:p>
+            <a:pPr lvl="0" rtl="0" algn="ctr">
+              <a:spcBef>
+                <a:spcPts val="0"/>
+              </a:spcBef>
+              <a:buNone/>
+            </a:pPr>
+            <a:r>
+              <a:rPr lang="en">
+                <a:solidFill>
+                  <a:schemeClr val="lt1"/>
+                </a:solidFill>
+              </a:rPr>
+              <a:t>JSSE</a:t>
+            </a:r>
+          </a:p>
+        </p:txBody>
+      </p:sp>
+      <p:cxnSp>
+        <p:nvCxnSpPr>
+          <p:cNvPr id="134" name="Shape 134"/>
+          <p:cNvCxnSpPr>
+            <a:stCxn id="133" idx="0"/>
+            <a:endCxn id="130" idx="2"/>
+          </p:cNvCxnSpPr>
+          <p:nvPr/>
+        </p:nvCxnSpPr>
+        <p:spPr>
+          <a:xfrm rot="10800000">
+            <a:off x="5890062" y="3154250"/>
+            <a:ext cx="0" cy="724500"/>
+          </a:xfrm>
+          <a:prstGeom prst="straightConnector1">
+            <a:avLst/>
+          </a:prstGeom>
+          <a:noFill/>
+          <a:ln cap="flat" cmpd="sng" w="9525">
+            <a:solidFill>
+              <a:schemeClr val="dk2"/>
+            </a:solidFill>
+            <a:prstDash val="solid"/>
+            <a:round/>
+            <a:headEnd len="lg" w="lg" type="none"/>
+            <a:tailEnd len="lg" w="lg" type="triangle"/>
+          </a:ln>
+        </p:spPr>
+      </p:cxnSp>
+      <p:cxnSp>
+        <p:nvCxnSpPr>
+          <p:cNvPr id="135" name="Shape 135"/>
+          <p:cNvCxnSpPr>
+            <a:stCxn id="133" idx="0"/>
+            <a:endCxn id="131" idx="2"/>
+          </p:cNvCxnSpPr>
+          <p:nvPr/>
+        </p:nvCxnSpPr>
+        <p:spPr>
+          <a:xfrm rot="10800000">
+            <a:off x="3275862" y="3154250"/>
+            <a:ext cx="2614200" cy="724500"/>
+          </a:xfrm>
+          <a:prstGeom prst="straightConnector1">
+            <a:avLst/>
+          </a:prstGeom>
+          <a:noFill/>
+          <a:ln cap="flat" cmpd="sng" w="9525">
+            <a:solidFill>
+              <a:schemeClr val="dk2"/>
+            </a:solidFill>
+            <a:prstDash val="solid"/>
+            <a:round/>
+            <a:headEnd len="lg" w="lg" type="none"/>
+            <a:tailEnd len="lg" w="lg" type="triangle"/>
+          </a:ln>
+        </p:spPr>
+      </p:cxnSp>
+      <p:cxnSp>
+        <p:nvCxnSpPr>
+          <p:cNvPr id="136" name="Shape 136"/>
+          <p:cNvCxnSpPr>
+            <a:stCxn id="132" idx="0"/>
+            <a:endCxn id="131" idx="2"/>
+          </p:cNvCxnSpPr>
+          <p:nvPr/>
+        </p:nvCxnSpPr>
+        <p:spPr>
+          <a:xfrm rot="10800000">
+            <a:off x="3275837" y="3154250"/>
+            <a:ext cx="0" cy="724500"/>
+          </a:xfrm>
+          <a:prstGeom prst="straightConnector1">
+            <a:avLst/>
+          </a:prstGeom>
+          <a:noFill/>
+          <a:ln cap="flat" cmpd="sng" w="9525">
+            <a:solidFill>
+              <a:schemeClr val="dk2"/>
+            </a:solidFill>
+            <a:prstDash val="solid"/>
+            <a:round/>
+            <a:headEnd len="lg" w="lg" type="none"/>
+            <a:tailEnd len="lg" w="lg" type="triangle"/>
+          </a:ln>
+        </p:spPr>
+      </p:cxnSp>
+      <p:sp>
+        <p:nvSpPr>
+          <p:cNvPr id="137" name="Shape 137"/>
           <p:cNvSpPr txBox="1"/>
-          <p:nvPr>
-            <p:ph idx="1" type="body"/>
-          </p:nvPr>
-        </p:nvSpPr>
-        <p:spPr>
-          <a:xfrm>
-            <a:off x="471900" y="1919075"/>
-            <a:ext cx="8222100" cy="2710200"/>
-          </a:xfrm>
-          <a:prstGeom prst="rect">
-            <a:avLst/>
-          </a:prstGeom>
+          <p:nvPr/>
+        </p:nvSpPr>
+        <p:spPr>
+          <a:xfrm>
+            <a:off x="384675" y="1868375"/>
+            <a:ext cx="1538700" cy="738600"/>
+          </a:xfrm>
+          <a:prstGeom prst="rect">
+            <a:avLst/>
+          </a:prstGeom>
+          <a:noFill/>
+          <a:ln>
+            <a:noFill/>
+          </a:ln>
         </p:spPr>
         <p:txBody>
           <a:bodyPr anchorCtr="0" anchor="t" bIns="91425" lIns="91425" rIns="91425" tIns="91425">
@@ -6147,39 +6603,6 @@
           </a:bodyPr>
           <a:lstStyle/>
           <a:p>
-            <a:pPr indent="-228600" lvl="0" marL="457200" rtl="0">
-              <a:spcBef>
-                <a:spcPts val="0"/>
-              </a:spcBef>
-            </a:pPr>
-            <a:r>
-              <a:rPr lang="en"/>
-              <a:t>APR has a lot of C code and is hard to maintain</a:t>
-            </a:r>
-          </a:p>
-          <a:p>
-            <a:pPr indent="-228600" lvl="0" marL="457200" rtl="0">
-              <a:spcBef>
-                <a:spcPts val="0"/>
-              </a:spcBef>
-            </a:pPr>
-            <a:r>
-              <a:rPr lang="en"/>
-              <a:t>Undertow is using JSSE which performs poorly</a:t>
-            </a:r>
-          </a:p>
-          <a:p>
-            <a:pPr indent="-228600" lvl="0" marL="457200" rtl="0">
-              <a:spcBef>
-                <a:spcPts val="0"/>
-              </a:spcBef>
-            </a:pPr>
-            <a:r>
-              <a:rPr lang="en"/>
-              <a:t>OpenSSL is efficient, active and cross-platform</a:t>
-            </a:r>
-          </a:p>
-          <a:p>
             <a:pPr lvl="0" rtl="0">
               <a:spcBef>
                 <a:spcPts val="0"/>
@@ -6187,21 +6610,17 @@
               <a:buNone/>
             </a:pPr>
             <a:r>
-              <a:rPr lang="en"/>
-              <a:t>Using Undertow directly with OpenSSL should perform better and be easier to maintain</a:t>
-            </a:r>
-          </a:p>
-          <a:p>
-            <a:pPr lvl="0" rtl="0">
-              <a:spcBef>
-                <a:spcPts val="0"/>
-              </a:spcBef>
-              <a:buNone/>
-            </a:pPr>
-            <a:r>
-              <a:t/>
-            </a:r>
-            <a:endParaRPr/>
+              <a:rPr lang="en" sz="1800">
+                <a:solidFill>
+                  <a:schemeClr val="lt2"/>
+                </a:solidFill>
+                <a:latin typeface="Roboto"/>
+                <a:ea typeface="Roboto"/>
+                <a:cs typeface="Roboto"/>
+                <a:sym typeface="Roboto"/>
+              </a:rPr>
+              <a:t>Right Now :</a:t>
+            </a:r>
           </a:p>
         </p:txBody>
       </p:sp>
@@ -6221,7 +6640,7 @@
   <p:cSld>
     <p:spTree>
       <p:nvGrpSpPr>
-        <p:cNvPr id="132" name="Shape 132"/>
+        <p:cNvPr id="141" name="Shape 141"/>
         <p:cNvGrpSpPr/>
         <p:nvPr/>
       </p:nvGrpSpPr>
@@ -6235,7 +6654,7 @@
       </p:grpSpPr>
       <p:sp>
         <p:nvSpPr>
-          <p:cNvPr id="133" name="Shape 133"/>
+          <p:cNvPr id="142" name="Shape 142"/>
           <p:cNvSpPr txBox="1"/>
           <p:nvPr>
             <p:ph type="title"/>
@@ -6264,35 +6683,39 @@
             </a:pPr>
             <a:r>
               <a:rPr lang="en"/>
-              <a:t>Motivations (2)</a:t>
-            </a:r>
-          </a:p>
-        </p:txBody>
-      </p:sp>
-      <p:sp>
-        <p:nvSpPr>
-          <p:cNvPr id="134" name="Shape 134"/>
-          <p:cNvSpPr txBox="1"/>
-          <p:nvPr>
-            <p:ph idx="1" type="body"/>
-          </p:nvPr>
-        </p:nvSpPr>
-        <p:spPr>
-          <a:xfrm>
-            <a:off x="471900" y="1919075"/>
-            <a:ext cx="8222100" cy="2710200"/>
-          </a:xfrm>
-          <a:prstGeom prst="rect">
-            <a:avLst/>
-          </a:prstGeom>
-        </p:spPr>
-        <p:txBody>
-          <a:bodyPr anchorCtr="0" anchor="t" bIns="91425" lIns="91425" rIns="91425" tIns="91425">
+              <a:t>Project Goals (2)</a:t>
+            </a:r>
+          </a:p>
+        </p:txBody>
+      </p:sp>
+      <p:sp>
+        <p:nvSpPr>
+          <p:cNvPr id="143" name="Shape 143"/>
+          <p:cNvSpPr/>
+          <p:nvPr/>
+        </p:nvSpPr>
+        <p:spPr>
+          <a:xfrm>
+            <a:off x="5021862" y="2505825"/>
+            <a:ext cx="1736400" cy="648300"/>
+          </a:xfrm>
+          <a:prstGeom prst="rect">
+            <a:avLst/>
+          </a:prstGeom>
+          <a:solidFill>
+            <a:schemeClr val="accent5"/>
+          </a:solidFill>
+          <a:ln>
+            <a:noFill/>
+          </a:ln>
+        </p:spPr>
+        <p:txBody>
+          <a:bodyPr anchorCtr="0" anchor="ctr" bIns="91425" lIns="91425" rIns="91425" tIns="91425">
             <a:noAutofit/>
           </a:bodyPr>
           <a:lstStyle/>
           <a:p>
-            <a:pPr lvl="0" rtl="0">
+            <a:pPr lvl="0" rtl="0" algn="ctr">
               <a:spcBef>
                 <a:spcPts val="0"/>
               </a:spcBef>
@@ -6301,14 +6724,262 @@
             <a:r>
               <a:rPr lang="en">
                 <a:solidFill>
-                  <a:srgbClr val="FF0000"/>
+                  <a:schemeClr val="lt1"/>
                 </a:solidFill>
               </a:rPr>
-              <a:t>MAYBE ADD DIAGRAM THROUGHPUT DIFFERENT CONNECTORS</a:t>
-            </a:r>
-          </a:p>
-        </p:txBody>
-      </p:sp>
+              <a:t>Undertow</a:t>
+            </a:r>
+          </a:p>
+        </p:txBody>
+      </p:sp>
+      <p:sp>
+        <p:nvSpPr>
+          <p:cNvPr id="144" name="Shape 144"/>
+          <p:cNvSpPr/>
+          <p:nvPr/>
+        </p:nvSpPr>
+        <p:spPr>
+          <a:xfrm>
+            <a:off x="2407637" y="2505825"/>
+            <a:ext cx="1736400" cy="648300"/>
+          </a:xfrm>
+          <a:prstGeom prst="rect">
+            <a:avLst/>
+          </a:prstGeom>
+          <a:solidFill>
+            <a:schemeClr val="accent5"/>
+          </a:solidFill>
+          <a:ln>
+            <a:noFill/>
+          </a:ln>
+        </p:spPr>
+        <p:txBody>
+          <a:bodyPr anchorCtr="0" anchor="ctr" bIns="91425" lIns="91425" rIns="91425" tIns="91425">
+            <a:noAutofit/>
+          </a:bodyPr>
+          <a:lstStyle/>
+          <a:p>
+            <a:pPr lvl="0" rtl="0" algn="ctr">
+              <a:spcBef>
+                <a:spcPts val="0"/>
+              </a:spcBef>
+              <a:buNone/>
+            </a:pPr>
+            <a:r>
+              <a:rPr lang="en">
+                <a:solidFill>
+                  <a:schemeClr val="lt1"/>
+                </a:solidFill>
+              </a:rPr>
+              <a:t>Tomcat</a:t>
+            </a:r>
+          </a:p>
+        </p:txBody>
+      </p:sp>
+      <p:sp>
+        <p:nvSpPr>
+          <p:cNvPr id="145" name="Shape 145"/>
+          <p:cNvSpPr/>
+          <p:nvPr/>
+        </p:nvSpPr>
+        <p:spPr>
+          <a:xfrm>
+            <a:off x="2407637" y="3878750"/>
+            <a:ext cx="1736400" cy="648300"/>
+          </a:xfrm>
+          <a:prstGeom prst="rect">
+            <a:avLst/>
+          </a:prstGeom>
+          <a:solidFill>
+            <a:schemeClr val="accent1"/>
+          </a:solidFill>
+          <a:ln>
+            <a:noFill/>
+          </a:ln>
+        </p:spPr>
+        <p:txBody>
+          <a:bodyPr anchorCtr="0" anchor="ctr" bIns="91425" lIns="91425" rIns="91425" tIns="91425">
+            <a:noAutofit/>
+          </a:bodyPr>
+          <a:lstStyle/>
+          <a:p>
+            <a:pPr lvl="0" rtl="0" algn="ctr">
+              <a:spcBef>
+                <a:spcPts val="0"/>
+              </a:spcBef>
+              <a:buNone/>
+            </a:pPr>
+            <a:r>
+              <a:rPr lang="en">
+                <a:solidFill>
+                  <a:schemeClr val="lt1"/>
+                </a:solidFill>
+              </a:rPr>
+              <a:t>Subset of tc-native</a:t>
+            </a:r>
+          </a:p>
+        </p:txBody>
+      </p:sp>
+      <p:sp>
+        <p:nvSpPr>
+          <p:cNvPr id="146" name="Shape 146"/>
+          <p:cNvSpPr/>
+          <p:nvPr/>
+        </p:nvSpPr>
+        <p:spPr>
+          <a:xfrm>
+            <a:off x="5021862" y="3878750"/>
+            <a:ext cx="1736400" cy="648300"/>
+          </a:xfrm>
+          <a:prstGeom prst="rect">
+            <a:avLst/>
+          </a:prstGeom>
+          <a:solidFill>
+            <a:schemeClr val="accent1"/>
+          </a:solidFill>
+          <a:ln>
+            <a:noFill/>
+          </a:ln>
+        </p:spPr>
+        <p:txBody>
+          <a:bodyPr anchorCtr="0" anchor="ctr" bIns="91425" lIns="91425" rIns="91425" tIns="91425">
+            <a:noAutofit/>
+          </a:bodyPr>
+          <a:lstStyle/>
+          <a:p>
+            <a:pPr lvl="0" rtl="0" algn="ctr">
+              <a:spcBef>
+                <a:spcPts val="0"/>
+              </a:spcBef>
+              <a:buNone/>
+            </a:pPr>
+            <a:r>
+              <a:rPr lang="en">
+                <a:solidFill>
+                  <a:schemeClr val="lt1"/>
+                </a:solidFill>
+              </a:rPr>
+              <a:t>JSSE</a:t>
+            </a:r>
+          </a:p>
+        </p:txBody>
+      </p:sp>
+      <p:cxnSp>
+        <p:nvCxnSpPr>
+          <p:cNvPr id="147" name="Shape 147"/>
+          <p:cNvCxnSpPr>
+            <a:stCxn id="146" idx="0"/>
+            <a:endCxn id="143" idx="2"/>
+          </p:cNvCxnSpPr>
+          <p:nvPr/>
+        </p:nvCxnSpPr>
+        <p:spPr>
+          <a:xfrm rot="10800000">
+            <a:off x="5890062" y="3154250"/>
+            <a:ext cx="0" cy="724500"/>
+          </a:xfrm>
+          <a:prstGeom prst="straightConnector1">
+            <a:avLst/>
+          </a:prstGeom>
+          <a:noFill/>
+          <a:ln cap="flat" cmpd="sng" w="9525">
+            <a:solidFill>
+              <a:schemeClr val="dk2"/>
+            </a:solidFill>
+            <a:prstDash val="solid"/>
+            <a:round/>
+            <a:headEnd len="lg" w="lg" type="none"/>
+            <a:tailEnd len="lg" w="lg" type="triangle"/>
+          </a:ln>
+        </p:spPr>
+      </p:cxnSp>
+      <p:cxnSp>
+        <p:nvCxnSpPr>
+          <p:cNvPr id="148" name="Shape 148"/>
+          <p:cNvCxnSpPr>
+            <a:stCxn id="146" idx="0"/>
+            <a:endCxn id="144" idx="2"/>
+          </p:cNvCxnSpPr>
+          <p:nvPr/>
+        </p:nvCxnSpPr>
+        <p:spPr>
+          <a:xfrm rot="10800000">
+            <a:off x="3275862" y="3154250"/>
+            <a:ext cx="2614200" cy="724500"/>
+          </a:xfrm>
+          <a:prstGeom prst="straightConnector1">
+            <a:avLst/>
+          </a:prstGeom>
+          <a:noFill/>
+          <a:ln cap="flat" cmpd="sng" w="9525">
+            <a:solidFill>
+              <a:schemeClr val="dk2"/>
+            </a:solidFill>
+            <a:prstDash val="solid"/>
+            <a:round/>
+            <a:headEnd len="lg" w="lg" type="none"/>
+            <a:tailEnd len="lg" w="lg" type="triangle"/>
+          </a:ln>
+        </p:spPr>
+      </p:cxnSp>
+      <p:cxnSp>
+        <p:nvCxnSpPr>
+          <p:cNvPr id="149" name="Shape 149"/>
+          <p:cNvCxnSpPr>
+            <a:stCxn id="145" idx="0"/>
+            <a:endCxn id="144" idx="2"/>
+          </p:cNvCxnSpPr>
+          <p:nvPr/>
+        </p:nvCxnSpPr>
+        <p:spPr>
+          <a:xfrm rot="10800000">
+            <a:off x="3275837" y="3154250"/>
+            <a:ext cx="0" cy="724500"/>
+          </a:xfrm>
+          <a:prstGeom prst="straightConnector1">
+            <a:avLst/>
+          </a:prstGeom>
+          <a:noFill/>
+          <a:ln cap="flat" cmpd="sng" w="9525">
+            <a:solidFill>
+              <a:schemeClr val="dk2"/>
+            </a:solidFill>
+            <a:prstDash val="solid"/>
+            <a:round/>
+            <a:headEnd len="lg" w="lg" type="none"/>
+            <a:tailEnd len="lg" w="lg" type="triangle"/>
+          </a:ln>
+        </p:spPr>
+      </p:cxnSp>
+      <p:cxnSp>
+        <p:nvCxnSpPr>
+          <p:cNvPr id="150" name="Shape 150"/>
+          <p:cNvCxnSpPr>
+            <a:stCxn id="145" idx="0"/>
+            <a:endCxn id="143" idx="2"/>
+          </p:cNvCxnSpPr>
+          <p:nvPr/>
+        </p:nvCxnSpPr>
+        <p:spPr>
+          <a:xfrm flipH="1" rot="10800000">
+            <a:off x="3275837" y="3154250"/>
+            <a:ext cx="2614200" cy="724500"/>
+          </a:xfrm>
+          <a:prstGeom prst="straightConnector1">
+            <a:avLst/>
+          </a:prstGeom>
+          <a:noFill/>
+          <a:ln cap="flat" cmpd="sng" w="28575">
+            <a:solidFill>
+              <a:schemeClr val="accent6"/>
+            </a:solidFill>
+            <a:prstDash val="solid"/>
+            <a:round/>
+            <a:headEnd len="lg" w="lg" type="none"/>
+            <a:tailEnd len="lg" w="lg" type="triangle"/>
+          </a:ln>
+        </p:spPr>
+      </p:cxnSp>
     </p:spTree>
   </p:cSld>
   <p:clrMapOvr>
@@ -6325,7 +6996,7 @@
   <p:cSld>
     <p:spTree>
       <p:nvGrpSpPr>
-        <p:cNvPr id="138" name="Shape 138"/>
+        <p:cNvPr id="154" name="Shape 154"/>
         <p:cNvGrpSpPr/>
         <p:nvPr/>
       </p:nvGrpSpPr>
@@ -6339,7 +7010,7 @@
       </p:grpSpPr>
       <p:sp>
         <p:nvSpPr>
-          <p:cNvPr id="139" name="Shape 139"/>
+          <p:cNvPr id="155" name="Shape 155"/>
           <p:cNvSpPr txBox="1"/>
           <p:nvPr>
             <p:ph type="title"/>
@@ -6368,14 +7039,14 @@
             </a:pPr>
             <a:r>
               <a:rPr lang="en"/>
-              <a:t>Conclusion</a:t>
-            </a:r>
-          </a:p>
-        </p:txBody>
-      </p:sp>
-      <p:sp>
-        <p:nvSpPr>
-          <p:cNvPr id="140" name="Shape 140"/>
+              <a:t>Tentative Schedule</a:t>
+            </a:r>
+          </a:p>
+        </p:txBody>
+      </p:sp>
+      <p:sp>
+        <p:nvSpPr>
+          <p:cNvPr id="156" name="Shape 156"/>
           <p:cNvSpPr txBox="1"/>
           <p:nvPr>
             <p:ph idx="1" type="body"/>
@@ -6396,37 +7067,104 @@
           </a:bodyPr>
           <a:lstStyle/>
           <a:p>
-            <a:pPr lvl="0" rtl="0">
-              <a:spcBef>
-                <a:spcPts val="0"/>
-              </a:spcBef>
-              <a:buNone/>
+            <a:pPr indent="-228600" lvl="0" marL="457200" rtl="0">
+              <a:spcBef>
+                <a:spcPts val="0"/>
+              </a:spcBef>
             </a:pPr>
             <a:r>
               <a:rPr lang="en"/>
-              <a:t>The main challenges of this project will be :</a:t>
-            </a:r>
-          </a:p>
-          <a:p>
-            <a:pPr indent="-228600" lvl="0" marL="914400" rtl="0">
+              <a:t>Study the source code (</a:t>
+            </a:r>
+            <a:r>
+              <a:rPr b="1" lang="en"/>
+              <a:t>~26.03)</a:t>
+            </a:r>
+          </a:p>
+          <a:p>
+            <a:pPr indent="-228600" lvl="0" marL="457200" rtl="0">
               <a:spcBef>
                 <a:spcPts val="0"/>
               </a:spcBef>
             </a:pPr>
             <a:r>
               <a:rPr lang="en"/>
-              <a:t>Understand the different projects and how they work together </a:t>
-            </a:r>
-          </a:p>
-          <a:p>
-            <a:pPr indent="-228600" lvl="0" marL="914400" rtl="0">
+              <a:t>Remove unneeded code from Tomcat Native (</a:t>
+            </a:r>
+            <a:r>
+              <a:rPr b="1" lang="en"/>
+              <a:t>~10.04)</a:t>
+            </a:r>
+          </a:p>
+          <a:p>
+            <a:pPr indent="-228600" lvl="0" marL="457200" rtl="0">
               <a:spcBef>
                 <a:spcPts val="0"/>
               </a:spcBef>
             </a:pPr>
             <a:r>
               <a:rPr lang="en"/>
-              <a:t>Adapt Tomcat Native and Undertow to work with OpenSSL</a:t>
+              <a:t>Modify Tomcat Native (</a:t>
+            </a:r>
+            <a:r>
+              <a:rPr b="1" lang="en"/>
+              <a:t>~08.05</a:t>
+            </a:r>
+            <a:r>
+              <a:rPr lang="en"/>
+              <a:t>)</a:t>
+            </a:r>
+          </a:p>
+          <a:p>
+            <a:pPr indent="-228600" lvl="1" marL="914400" rtl="0">
+              <a:spcBef>
+                <a:spcPts val="0"/>
+              </a:spcBef>
+            </a:pPr>
+            <a:r>
+              <a:rPr lang="en"/>
+              <a:t>Make it compatible with Undertow </a:t>
+            </a:r>
+          </a:p>
+          <a:p>
+            <a:pPr indent="-228600" lvl="1" marL="914400" rtl="0">
+              <a:spcBef>
+                <a:spcPts val="0"/>
+              </a:spcBef>
+            </a:pPr>
+            <a:r>
+              <a:rPr lang="en"/>
+              <a:t>Keep compatibility with Tomcat </a:t>
+            </a:r>
+          </a:p>
+          <a:p>
+            <a:pPr indent="-228600" lvl="0" marL="457200" rtl="0">
+              <a:spcBef>
+                <a:spcPts val="0"/>
+              </a:spcBef>
+            </a:pPr>
+            <a:r>
+              <a:rPr lang="en"/>
+              <a:t>Run Benchmarks in Red Hat to test performance (Possibly done by Red Hat) (</a:t>
+            </a:r>
+            <a:r>
+              <a:rPr b="1" lang="en"/>
+              <a:t>~15.05)</a:t>
+            </a:r>
+          </a:p>
+          <a:p>
+            <a:pPr indent="-228600" lvl="0" marL="457200" rtl="0">
+              <a:spcBef>
+                <a:spcPts val="0"/>
+              </a:spcBef>
+            </a:pPr>
+            <a:r>
+              <a:rPr lang="en"/>
+              <a:t>Implement JNI calls to make more OpenSSL features available in Tomcat Native (</a:t>
+            </a:r>
+            <a:r>
+              <a:rPr b="1" lang="en"/>
+              <a:t>~29.05)</a:t>
             </a:r>
           </a:p>
         </p:txBody>
@@ -6447,7 +7185,7 @@
   <p:cSld>
     <p:spTree>
       <p:nvGrpSpPr>
-        <p:cNvPr id="144" name="Shape 144"/>
+        <p:cNvPr id="160" name="Shape 160"/>
         <p:cNvGrpSpPr/>
         <p:nvPr/>
       </p:nvGrpSpPr>
@@ -6461,7 +7199,7 @@
       </p:grpSpPr>
       <p:sp>
         <p:nvSpPr>
-          <p:cNvPr id="145" name="Shape 145"/>
+          <p:cNvPr id="161" name="Shape 161"/>
           <p:cNvSpPr txBox="1"/>
           <p:nvPr>
             <p:ph type="title"/>
@@ -6482,6 +7220,328 @@
           </a:bodyPr>
           <a:lstStyle/>
           <a:p>
+            <a:pPr lvl="0" rtl="0">
+              <a:spcBef>
+                <a:spcPts val="0"/>
+              </a:spcBef>
+              <a:buNone/>
+            </a:pPr>
+            <a:r>
+              <a:rPr lang="en"/>
+              <a:t>Motivations (1)</a:t>
+            </a:r>
+          </a:p>
+        </p:txBody>
+      </p:sp>
+      <p:sp>
+        <p:nvSpPr>
+          <p:cNvPr id="162" name="Shape 162"/>
+          <p:cNvSpPr txBox="1"/>
+          <p:nvPr>
+            <p:ph idx="1" type="body"/>
+          </p:nvPr>
+        </p:nvSpPr>
+        <p:spPr>
+          <a:xfrm>
+            <a:off x="471900" y="1919075"/>
+            <a:ext cx="8222100" cy="2710200"/>
+          </a:xfrm>
+          <a:prstGeom prst="rect">
+            <a:avLst/>
+          </a:prstGeom>
+        </p:spPr>
+        <p:txBody>
+          <a:bodyPr anchorCtr="0" anchor="t" bIns="91425" lIns="91425" rIns="91425" tIns="91425">
+            <a:noAutofit/>
+          </a:bodyPr>
+          <a:lstStyle/>
+          <a:p>
+            <a:pPr indent="-228600" lvl="0" marL="457200" rtl="0">
+              <a:spcBef>
+                <a:spcPts val="0"/>
+              </a:spcBef>
+            </a:pPr>
+            <a:r>
+              <a:rPr lang="en"/>
+              <a:t>Tomcat Native has JNI interfaces for most of the APR APIs</a:t>
+            </a:r>
+          </a:p>
+          <a:p>
+            <a:pPr indent="-228600" lvl="1" marL="914400" rtl="0">
+              <a:spcBef>
+                <a:spcPts val="0"/>
+              </a:spcBef>
+            </a:pPr>
+            <a:r>
+              <a:rPr lang="en"/>
+              <a:t>We only want a subset that focuses on OpenSSL</a:t>
+            </a:r>
+          </a:p>
+          <a:p>
+            <a:pPr indent="-228600" lvl="0" marL="457200" rtl="0">
+              <a:spcBef>
+                <a:spcPts val="0"/>
+              </a:spcBef>
+            </a:pPr>
+            <a:r>
+              <a:rPr lang="en"/>
+              <a:t>Undertow is using JSSE which performs poorly</a:t>
+            </a:r>
+          </a:p>
+          <a:p>
+            <a:pPr indent="-228600" lvl="0" marL="457200" rtl="0">
+              <a:spcBef>
+                <a:spcPts val="0"/>
+              </a:spcBef>
+            </a:pPr>
+            <a:r>
+              <a:rPr lang="en"/>
+              <a:t>OpenSSL is efficient, active and cross-platform</a:t>
+            </a:r>
+          </a:p>
+          <a:p>
+            <a:pPr indent="-228600" lvl="0" marL="457200" rtl="0">
+              <a:spcBef>
+                <a:spcPts val="0"/>
+              </a:spcBef>
+            </a:pPr>
+            <a:r>
+              <a:rPr lang="en"/>
+              <a:t>Ability to use Tomcat with OpenSSL without loading APR</a:t>
+            </a:r>
+          </a:p>
+          <a:p>
+            <a:pPr lvl="0" rtl="0">
+              <a:spcBef>
+                <a:spcPts val="0"/>
+              </a:spcBef>
+              <a:buNone/>
+            </a:pPr>
+            <a:r>
+              <a:rPr lang="en"/>
+              <a:t>Using Undertow directly with OpenSSL should perform better and be easier to maintain</a:t>
+            </a:r>
+          </a:p>
+          <a:p>
+            <a:pPr lvl="0" rtl="0">
+              <a:spcBef>
+                <a:spcPts val="0"/>
+              </a:spcBef>
+              <a:buNone/>
+            </a:pPr>
+            <a:r>
+              <a:t/>
+            </a:r>
+            <a:endParaRPr/>
+          </a:p>
+        </p:txBody>
+      </p:sp>
+    </p:spTree>
+  </p:cSld>
+  <p:clrMapOvr>
+    <a:masterClrMapping/>
+  </p:clrMapOvr>
+  <p:transition spd="slow">
+    <p:cut/>
+  </p:transition>
+</p:sld>
+</file>
+
+<file path=ppt/slides/slide14.xml><?xml version="1.0" encoding="utf-8"?>
+<p:sld xmlns:a="http://schemas.openxmlformats.org/drawingml/2006/main" xmlns:r="http://schemas.openxmlformats.org/officeDocument/2006/relationships" xmlns:mc="http://schemas.openxmlformats.org/markup-compatibility/2006" xmlns:mv="urn:schemas-microsoft-com:mac:vml" xmlns:p="http://schemas.openxmlformats.org/presentationml/2006/main" xmlns:c="http://schemas.openxmlformats.org/drawingml/2006/chart" xmlns:dgm="http://schemas.openxmlformats.org/drawingml/2006/diagram" xmlns:o="urn:schemas-microsoft-com:office:office" xmlns:v="urn:schemas-microsoft-com:vml" xmlns:pvml="urn:schemas-microsoft-com:office:powerpoint" xmlns:com="http://schemas.openxmlformats.org/drawingml/2006/compatibility" xmlns:p14="http://schemas.microsoft.com/office/powerpoint/2010/main">
+  <p:cSld>
+    <p:spTree>
+      <p:nvGrpSpPr>
+        <p:cNvPr id="166" name="Shape 166"/>
+        <p:cNvGrpSpPr/>
+        <p:nvPr/>
+      </p:nvGrpSpPr>
+      <p:grpSpPr>
+        <a:xfrm>
+          <a:off x="0" y="0"/>
+          <a:ext cx="0" cy="0"/>
+          <a:chOff x="0" y="0"/>
+          <a:chExt cx="0" cy="0"/>
+        </a:xfrm>
+      </p:grpSpPr>
+      <p:sp>
+        <p:nvSpPr>
+          <p:cNvPr id="167" name="Shape 167"/>
+          <p:cNvSpPr txBox="1"/>
+          <p:nvPr>
+            <p:ph type="title"/>
+          </p:nvPr>
+        </p:nvSpPr>
+        <p:spPr>
+          <a:xfrm>
+            <a:off x="471900" y="738725"/>
+            <a:ext cx="8222100" cy="767700"/>
+          </a:xfrm>
+          <a:prstGeom prst="rect">
+            <a:avLst/>
+          </a:prstGeom>
+        </p:spPr>
+        <p:txBody>
+          <a:bodyPr anchorCtr="0" anchor="b" bIns="91425" lIns="91425" rIns="91425" tIns="91425">
+            <a:noAutofit/>
+          </a:bodyPr>
+          <a:lstStyle/>
+          <a:p>
+            <a:pPr lvl="0" rtl="0">
+              <a:spcBef>
+                <a:spcPts val="0"/>
+              </a:spcBef>
+              <a:buNone/>
+            </a:pPr>
+            <a:r>
+              <a:rPr lang="en"/>
+              <a:t>Challenges</a:t>
+            </a:r>
+          </a:p>
+        </p:txBody>
+      </p:sp>
+      <p:sp>
+        <p:nvSpPr>
+          <p:cNvPr id="168" name="Shape 168"/>
+          <p:cNvSpPr txBox="1"/>
+          <p:nvPr>
+            <p:ph idx="1" type="body"/>
+          </p:nvPr>
+        </p:nvSpPr>
+        <p:spPr>
+          <a:xfrm>
+            <a:off x="471900" y="1919075"/>
+            <a:ext cx="8222100" cy="2710200"/>
+          </a:xfrm>
+          <a:prstGeom prst="rect">
+            <a:avLst/>
+          </a:prstGeom>
+        </p:spPr>
+        <p:txBody>
+          <a:bodyPr anchorCtr="0" anchor="t" bIns="91425" lIns="91425" rIns="91425" tIns="91425">
+            <a:noAutofit/>
+          </a:bodyPr>
+          <a:lstStyle/>
+          <a:p>
+            <a:pPr lvl="0" rtl="0">
+              <a:spcBef>
+                <a:spcPts val="0"/>
+              </a:spcBef>
+              <a:buNone/>
+            </a:pPr>
+            <a:r>
+              <a:rPr lang="en"/>
+              <a:t>The main challenges of this project will be :</a:t>
+            </a:r>
+          </a:p>
+          <a:p>
+            <a:pPr indent="-228600" lvl="0" marL="914400" rtl="0">
+              <a:spcBef>
+                <a:spcPts val="0"/>
+              </a:spcBef>
+            </a:pPr>
+            <a:r>
+              <a:rPr lang="en"/>
+              <a:t>Understand the different projects and how they work together </a:t>
+            </a:r>
+          </a:p>
+          <a:p>
+            <a:pPr indent="-228600" lvl="1" marL="1371600" rtl="0">
+              <a:spcBef>
+                <a:spcPts val="0"/>
+              </a:spcBef>
+            </a:pPr>
+            <a:r>
+              <a:rPr lang="en"/>
+              <a:t>Red Hat can help</a:t>
+            </a:r>
+          </a:p>
+          <a:p>
+            <a:pPr indent="-228600" lvl="0" marL="914400" rtl="0">
+              <a:spcBef>
+                <a:spcPts val="0"/>
+              </a:spcBef>
+            </a:pPr>
+            <a:r>
+              <a:rPr lang="en"/>
+              <a:t>Adapt Tomcat Native and Undertow to work with OpenSSL natively</a:t>
+            </a:r>
+          </a:p>
+          <a:p>
+            <a:pPr indent="-228600" lvl="1" marL="1371600" rtl="0">
+              <a:spcBef>
+                <a:spcPts val="0"/>
+              </a:spcBef>
+            </a:pPr>
+            <a:r>
+              <a:rPr lang="en"/>
+              <a:t>Numa’s code as well as Stuart’s code can help</a:t>
+            </a:r>
+          </a:p>
+          <a:p>
+            <a:pPr indent="-228600" lvl="0" marL="914400" rtl="0">
+              <a:spcBef>
+                <a:spcPts val="0"/>
+              </a:spcBef>
+            </a:pPr>
+            <a:r>
+              <a:rPr lang="en"/>
+              <a:t>Adapting Tomcat Native to Undertow might not be the best solution</a:t>
+            </a:r>
+          </a:p>
+        </p:txBody>
+      </p:sp>
+    </p:spTree>
+  </p:cSld>
+  <p:clrMapOvr>
+    <a:masterClrMapping/>
+  </p:clrMapOvr>
+  <p:transition spd="slow">
+    <p:cut/>
+  </p:transition>
+</p:sld>
+</file>
+
+<file path=ppt/slides/slide15.xml><?xml version="1.0" encoding="utf-8"?>
+<p:sld xmlns:a="http://schemas.openxmlformats.org/drawingml/2006/main" xmlns:r="http://schemas.openxmlformats.org/officeDocument/2006/relationships" xmlns:mc="http://schemas.openxmlformats.org/markup-compatibility/2006" xmlns:mv="urn:schemas-microsoft-com:mac:vml" xmlns:p="http://schemas.openxmlformats.org/presentationml/2006/main" xmlns:c="http://schemas.openxmlformats.org/drawingml/2006/chart" xmlns:dgm="http://schemas.openxmlformats.org/drawingml/2006/diagram" xmlns:o="urn:schemas-microsoft-com:office:office" xmlns:v="urn:schemas-microsoft-com:vml" xmlns:pvml="urn:schemas-microsoft-com:office:powerpoint" xmlns:com="http://schemas.openxmlformats.org/drawingml/2006/compatibility" xmlns:p14="http://schemas.microsoft.com/office/powerpoint/2010/main">
+  <p:cSld>
+    <p:spTree>
+      <p:nvGrpSpPr>
+        <p:cNvPr id="172" name="Shape 172"/>
+        <p:cNvGrpSpPr/>
+        <p:nvPr/>
+      </p:nvGrpSpPr>
+      <p:grpSpPr>
+        <a:xfrm>
+          <a:off x="0" y="0"/>
+          <a:ext cx="0" cy="0"/>
+          <a:chOff x="0" y="0"/>
+          <a:chExt cx="0" cy="0"/>
+        </a:xfrm>
+      </p:grpSpPr>
+      <p:sp>
+        <p:nvSpPr>
+          <p:cNvPr id="173" name="Shape 173"/>
+          <p:cNvSpPr txBox="1"/>
+          <p:nvPr>
+            <p:ph type="title"/>
+          </p:nvPr>
+        </p:nvSpPr>
+        <p:spPr>
+          <a:xfrm>
+            <a:off x="471900" y="738725"/>
+            <a:ext cx="8222100" cy="767700"/>
+          </a:xfrm>
+          <a:prstGeom prst="rect">
+            <a:avLst/>
+          </a:prstGeom>
+        </p:spPr>
+        <p:txBody>
+          <a:bodyPr anchorCtr="0" anchor="b" bIns="91425" lIns="91425" rIns="91425" tIns="91425">
+            <a:noAutofit/>
+          </a:bodyPr>
+          <a:lstStyle/>
+          <a:p>
             <a:pPr lvl="0">
               <a:spcBef>
                 <a:spcPts val="0"/>
@@ -6497,7 +7557,7 @@
       </p:sp>
       <p:pic>
         <p:nvPicPr>
-          <p:cNvPr id="146" name="Shape 146"/>
+          <p:cNvPr id="174" name="Shape 174"/>
           <p:cNvPicPr preferRelativeResize="0"/>
           <p:nvPr/>
         </p:nvPicPr>
@@ -6758,7 +7818,7 @@
             </a:pPr>
             <a:r>
               <a:rPr lang="en"/>
-              <a:t>Undertow</a:t>
+              <a:t>Undertow &amp; Tomcat</a:t>
             </a:r>
           </a:p>
         </p:txBody>
@@ -6794,11 +7854,52 @@
             </a:pPr>
             <a:r>
               <a:rPr lang="en"/>
-              <a:t>Undertow is a flexible performant web server integrated into </a:t>
+              <a:t>Undertow and Tomcat are very similar, they:</a:t>
+            </a:r>
+          </a:p>
+          <a:p>
+            <a:pPr indent="-228600" lvl="0" marL="914400" rtl="0">
+              <a:spcBef>
+                <a:spcPts val="0"/>
+              </a:spcBef>
+            </a:pPr>
+            <a:r>
+              <a:rPr lang="en"/>
+              <a:t>Are Web servers</a:t>
+            </a:r>
+          </a:p>
+          <a:p>
+            <a:pPr indent="-228600" lvl="0" marL="914400" rtl="0">
+              <a:spcBef>
+                <a:spcPts val="0"/>
+              </a:spcBef>
+            </a:pPr>
+            <a:r>
+              <a:rPr lang="en"/>
+              <a:t>Are Servlet containers using </a:t>
             </a:r>
             <a:r>
               <a:rPr b="1" lang="en"/>
-              <a:t>Wildfly Application Server </a:t>
+              <a:t>JSSE</a:t>
+            </a:r>
+          </a:p>
+          <a:p>
+            <a:pPr indent="-228600" lvl="0" marL="914400" rtl="0">
+              <a:spcBef>
+                <a:spcPts val="0"/>
+              </a:spcBef>
+            </a:pPr>
+            <a:r>
+              <a:rPr lang="en"/>
+              <a:t>Use SSL </a:t>
+            </a:r>
+            <a:r>
+              <a:rPr b="1" lang="en"/>
+              <a:t>JSSE</a:t>
+            </a:r>
+            <a:r>
+              <a:rPr lang="en"/>
+              <a:t> Engine</a:t>
             </a:r>
           </a:p>
           <a:p>
@@ -6810,29 +7911,11 @@
             </a:pPr>
             <a:r>
               <a:rPr lang="en"/>
-              <a:t>It supports :</a:t>
-            </a:r>
-          </a:p>
-          <a:p>
-            <a:pPr indent="-228600" lvl="0" marL="914400" rtl="0">
-              <a:spcBef>
-                <a:spcPts val="0"/>
-              </a:spcBef>
-            </a:pPr>
-            <a:r>
-              <a:rPr lang="en"/>
-              <a:t>Websockets</a:t>
-            </a:r>
-          </a:p>
-          <a:p>
-            <a:pPr indent="-228600" lvl="0" marL="914400" rtl="0">
-              <a:spcBef>
-                <a:spcPts val="0"/>
-              </a:spcBef>
-            </a:pPr>
-            <a:r>
-              <a:rPr lang="en"/>
-              <a:t>Servlet 3.1</a:t>
+              <a:t>Undertow is used specifically as the Web Server component in </a:t>
+            </a:r>
+            <a:r>
+              <a:rPr b="1" lang="en"/>
+              <a:t>Wildfly</a:t>
             </a:r>
           </a:p>
           <a:p>
@@ -6843,12 +7926,8 @@
               <a:buNone/>
             </a:pPr>
             <a:r>
-              <a:rPr lang="en"/>
-              <a:t>In 2014, it replaced JBoss Web Server as the Web Server for </a:t>
-            </a:r>
-            <a:r>
               <a:rPr b="1" lang="en"/>
-              <a:t>Wildfly Application Server</a:t>
+              <a:t>=&gt; We can use Tomcat Native in Undertow with some modifications</a:t>
             </a:r>
           </a:p>
         </p:txBody>
@@ -7048,7 +8127,7 @@
           </a:bodyPr>
           <a:lstStyle/>
           <a:p>
-            <a:pPr lvl="0">
+            <a:pPr lvl="0" rtl="0">
               <a:spcBef>
                 <a:spcPts val="0"/>
               </a:spcBef>
@@ -7056,7 +8135,7 @@
             </a:pPr>
             <a:r>
               <a:rPr lang="en"/>
-              <a:t>SSL/TLS Protocol</a:t>
+              <a:t>Tomcat Native</a:t>
             </a:r>
           </a:p>
         </p:txBody>
@@ -7064,19 +8143,284 @@
       <p:sp>
         <p:nvSpPr>
           <p:cNvPr id="93" name="Shape 93"/>
+          <p:cNvSpPr/>
+          <p:nvPr/>
+        </p:nvSpPr>
+        <p:spPr>
+          <a:xfrm>
+            <a:off x="5021862" y="2505825"/>
+            <a:ext cx="1736400" cy="648300"/>
+          </a:xfrm>
+          <a:prstGeom prst="rect">
+            <a:avLst/>
+          </a:prstGeom>
+          <a:solidFill>
+            <a:schemeClr val="accent5"/>
+          </a:solidFill>
+          <a:ln>
+            <a:noFill/>
+          </a:ln>
+        </p:spPr>
+        <p:txBody>
+          <a:bodyPr anchorCtr="0" anchor="ctr" bIns="91425" lIns="91425" rIns="91425" tIns="91425">
+            <a:noAutofit/>
+          </a:bodyPr>
+          <a:lstStyle/>
+          <a:p>
+            <a:pPr lvl="0" algn="ctr">
+              <a:spcBef>
+                <a:spcPts val="0"/>
+              </a:spcBef>
+              <a:buNone/>
+            </a:pPr>
+            <a:r>
+              <a:rPr lang="en">
+                <a:solidFill>
+                  <a:schemeClr val="lt1"/>
+                </a:solidFill>
+              </a:rPr>
+              <a:t>Undertow</a:t>
+            </a:r>
+          </a:p>
+        </p:txBody>
+      </p:sp>
+      <p:sp>
+        <p:nvSpPr>
+          <p:cNvPr id="94" name="Shape 94"/>
+          <p:cNvSpPr/>
+          <p:nvPr/>
+        </p:nvSpPr>
+        <p:spPr>
+          <a:xfrm>
+            <a:off x="2407637" y="2505825"/>
+            <a:ext cx="1736400" cy="648300"/>
+          </a:xfrm>
+          <a:prstGeom prst="rect">
+            <a:avLst/>
+          </a:prstGeom>
+          <a:solidFill>
+            <a:schemeClr val="accent5"/>
+          </a:solidFill>
+          <a:ln>
+            <a:noFill/>
+          </a:ln>
+        </p:spPr>
+        <p:txBody>
+          <a:bodyPr anchorCtr="0" anchor="ctr" bIns="91425" lIns="91425" rIns="91425" tIns="91425">
+            <a:noAutofit/>
+          </a:bodyPr>
+          <a:lstStyle/>
+          <a:p>
+            <a:pPr lvl="0" rtl="0" algn="ctr">
+              <a:spcBef>
+                <a:spcPts val="0"/>
+              </a:spcBef>
+              <a:buNone/>
+            </a:pPr>
+            <a:r>
+              <a:rPr lang="en">
+                <a:solidFill>
+                  <a:schemeClr val="lt1"/>
+                </a:solidFill>
+              </a:rPr>
+              <a:t>Tomcat</a:t>
+            </a:r>
+          </a:p>
+        </p:txBody>
+      </p:sp>
+      <p:sp>
+        <p:nvSpPr>
+          <p:cNvPr id="95" name="Shape 95"/>
+          <p:cNvSpPr/>
+          <p:nvPr/>
+        </p:nvSpPr>
+        <p:spPr>
+          <a:xfrm>
+            <a:off x="2407637" y="3878750"/>
+            <a:ext cx="1736400" cy="648300"/>
+          </a:xfrm>
+          <a:prstGeom prst="rect">
+            <a:avLst/>
+          </a:prstGeom>
+          <a:solidFill>
+            <a:schemeClr val="accent1"/>
+          </a:solidFill>
+          <a:ln>
+            <a:noFill/>
+          </a:ln>
+        </p:spPr>
+        <p:txBody>
+          <a:bodyPr anchorCtr="0" anchor="ctr" bIns="91425" lIns="91425" rIns="91425" tIns="91425">
+            <a:noAutofit/>
+          </a:bodyPr>
+          <a:lstStyle/>
+          <a:p>
+            <a:pPr lvl="0" rtl="0" algn="ctr">
+              <a:spcBef>
+                <a:spcPts val="0"/>
+              </a:spcBef>
+              <a:buNone/>
+            </a:pPr>
+            <a:r>
+              <a:rPr lang="en">
+                <a:solidFill>
+                  <a:schemeClr val="lt1"/>
+                </a:solidFill>
+              </a:rPr>
+              <a:t>tc-native</a:t>
+            </a:r>
+          </a:p>
+        </p:txBody>
+      </p:sp>
+      <p:sp>
+        <p:nvSpPr>
+          <p:cNvPr id="96" name="Shape 96"/>
+          <p:cNvSpPr/>
+          <p:nvPr/>
+        </p:nvSpPr>
+        <p:spPr>
+          <a:xfrm>
+            <a:off x="5021862" y="3878750"/>
+            <a:ext cx="1736400" cy="648300"/>
+          </a:xfrm>
+          <a:prstGeom prst="rect">
+            <a:avLst/>
+          </a:prstGeom>
+          <a:solidFill>
+            <a:schemeClr val="accent1"/>
+          </a:solidFill>
+          <a:ln>
+            <a:noFill/>
+          </a:ln>
+        </p:spPr>
+        <p:txBody>
+          <a:bodyPr anchorCtr="0" anchor="ctr" bIns="91425" lIns="91425" rIns="91425" tIns="91425">
+            <a:noAutofit/>
+          </a:bodyPr>
+          <a:lstStyle/>
+          <a:p>
+            <a:pPr lvl="0" rtl="0" algn="ctr">
+              <a:spcBef>
+                <a:spcPts val="0"/>
+              </a:spcBef>
+              <a:buNone/>
+            </a:pPr>
+            <a:r>
+              <a:rPr lang="en">
+                <a:solidFill>
+                  <a:schemeClr val="lt1"/>
+                </a:solidFill>
+              </a:rPr>
+              <a:t>JSSE</a:t>
+            </a:r>
+          </a:p>
+        </p:txBody>
+      </p:sp>
+      <p:cxnSp>
+        <p:nvCxnSpPr>
+          <p:cNvPr id="97" name="Shape 97"/>
+          <p:cNvCxnSpPr>
+            <a:stCxn id="96" idx="0"/>
+            <a:endCxn id="93" idx="2"/>
+          </p:cNvCxnSpPr>
+          <p:nvPr/>
+        </p:nvCxnSpPr>
+        <p:spPr>
+          <a:xfrm rot="10800000">
+            <a:off x="5890062" y="3154250"/>
+            <a:ext cx="0" cy="724500"/>
+          </a:xfrm>
+          <a:prstGeom prst="straightConnector1">
+            <a:avLst/>
+          </a:prstGeom>
+          <a:noFill/>
+          <a:ln cap="flat" cmpd="sng" w="9525">
+            <a:solidFill>
+              <a:schemeClr val="dk2"/>
+            </a:solidFill>
+            <a:prstDash val="solid"/>
+            <a:round/>
+            <a:headEnd len="lg" w="lg" type="none"/>
+            <a:tailEnd len="lg" w="lg" type="triangle"/>
+          </a:ln>
+        </p:spPr>
+      </p:cxnSp>
+      <p:cxnSp>
+        <p:nvCxnSpPr>
+          <p:cNvPr id="98" name="Shape 98"/>
+          <p:cNvCxnSpPr>
+            <a:stCxn id="96" idx="0"/>
+            <a:endCxn id="94" idx="2"/>
+          </p:cNvCxnSpPr>
+          <p:nvPr/>
+        </p:nvCxnSpPr>
+        <p:spPr>
+          <a:xfrm rot="10800000">
+            <a:off x="3275862" y="3154250"/>
+            <a:ext cx="2614200" cy="724500"/>
+          </a:xfrm>
+          <a:prstGeom prst="straightConnector1">
+            <a:avLst/>
+          </a:prstGeom>
+          <a:noFill/>
+          <a:ln cap="flat" cmpd="sng" w="9525">
+            <a:solidFill>
+              <a:schemeClr val="dk2"/>
+            </a:solidFill>
+            <a:prstDash val="solid"/>
+            <a:round/>
+            <a:headEnd len="lg" w="lg" type="none"/>
+            <a:tailEnd len="lg" w="lg" type="triangle"/>
+          </a:ln>
+        </p:spPr>
+      </p:cxnSp>
+      <p:cxnSp>
+        <p:nvCxnSpPr>
+          <p:cNvPr id="99" name="Shape 99"/>
+          <p:cNvCxnSpPr>
+            <a:stCxn id="95" idx="0"/>
+            <a:endCxn id="94" idx="2"/>
+          </p:cNvCxnSpPr>
+          <p:nvPr/>
+        </p:nvCxnSpPr>
+        <p:spPr>
+          <a:xfrm rot="10800000">
+            <a:off x="3275837" y="3154250"/>
+            <a:ext cx="0" cy="724500"/>
+          </a:xfrm>
+          <a:prstGeom prst="straightConnector1">
+            <a:avLst/>
+          </a:prstGeom>
+          <a:noFill/>
+          <a:ln cap="flat" cmpd="sng" w="9525">
+            <a:solidFill>
+              <a:schemeClr val="dk2"/>
+            </a:solidFill>
+            <a:prstDash val="solid"/>
+            <a:round/>
+            <a:headEnd len="lg" w="lg" type="none"/>
+            <a:tailEnd len="lg" w="lg" type="triangle"/>
+          </a:ln>
+        </p:spPr>
+      </p:cxnSp>
+      <p:sp>
+        <p:nvSpPr>
+          <p:cNvPr id="100" name="Shape 100"/>
           <p:cNvSpPr txBox="1"/>
-          <p:nvPr>
-            <p:ph idx="1" type="body"/>
-          </p:nvPr>
-        </p:nvSpPr>
-        <p:spPr>
-          <a:xfrm>
-            <a:off x="471900" y="1919075"/>
-            <a:ext cx="8222100" cy="2710200"/>
-          </a:xfrm>
-          <a:prstGeom prst="rect">
-            <a:avLst/>
-          </a:prstGeom>
+          <p:nvPr/>
+        </p:nvSpPr>
+        <p:spPr>
+          <a:xfrm>
+            <a:off x="384675" y="1868375"/>
+            <a:ext cx="1538700" cy="738600"/>
+          </a:xfrm>
+          <a:prstGeom prst="rect">
+            <a:avLst/>
+          </a:prstGeom>
+          <a:noFill/>
+          <a:ln>
+            <a:noFill/>
+          </a:ln>
         </p:spPr>
         <p:txBody>
           <a:bodyPr anchorCtr="0" anchor="t" bIns="91425" lIns="91425" rIns="91425" tIns="91425">
@@ -7084,55 +8428,23 @@
           </a:bodyPr>
           <a:lstStyle/>
           <a:p>
-            <a:pPr indent="-228600" lvl="0" marL="457200" rtl="0">
-              <a:spcBef>
-                <a:spcPts val="0"/>
-              </a:spcBef>
-            </a:pPr>
-            <a:r>
-              <a:rPr lang="en"/>
-              <a:t>Provides security when communicating over a computer network</a:t>
-            </a:r>
-          </a:p>
-          <a:p>
-            <a:pPr indent="-228600" lvl="0" marL="457200" rtl="0">
-              <a:spcBef>
-                <a:spcPts val="0"/>
-              </a:spcBef>
-            </a:pPr>
-            <a:r>
-              <a:rPr lang="en"/>
-              <a:t>Makes use of public/private key pair encryption to exchange a symmetric key</a:t>
-            </a:r>
-          </a:p>
-          <a:p>
-            <a:pPr indent="-228600" lvl="0" marL="457200" rtl="0">
-              <a:spcBef>
-                <a:spcPts val="0"/>
-              </a:spcBef>
-            </a:pPr>
-            <a:r>
-              <a:rPr lang="en"/>
-              <a:t>Widely used on the web</a:t>
-            </a:r>
-          </a:p>
-          <a:p>
-            <a:pPr indent="-228600" lvl="0" marL="457200">
-              <a:spcBef>
-                <a:spcPts val="0"/>
-              </a:spcBef>
-            </a:pPr>
-            <a:r>
-              <a:rPr lang="en"/>
-              <a:t>Java implementation is </a:t>
-            </a:r>
-            <a:r>
-              <a:rPr b="1" lang="en"/>
-              <a:t>Java Secure Socket Extension</a:t>
-            </a:r>
-            <a:r>
-              <a:rPr lang="en"/>
-              <a:t> (JSSE)</a:t>
+            <a:pPr lvl="0">
+              <a:spcBef>
+                <a:spcPts val="0"/>
+              </a:spcBef>
+              <a:buNone/>
+            </a:pPr>
+            <a:r>
+              <a:rPr lang="en" sz="1800">
+                <a:solidFill>
+                  <a:schemeClr val="lt2"/>
+                </a:solidFill>
+                <a:latin typeface="Roboto"/>
+                <a:ea typeface="Roboto"/>
+                <a:cs typeface="Roboto"/>
+                <a:sym typeface="Roboto"/>
+              </a:rPr>
+              <a:t>Right Now :</a:t>
             </a:r>
           </a:p>
         </p:txBody>
@@ -7153,7 +8465,7 @@
   <p:cSld>
     <p:spTree>
       <p:nvGrpSpPr>
-        <p:cNvPr id="97" name="Shape 97"/>
+        <p:cNvPr id="104" name="Shape 104"/>
         <p:cNvGrpSpPr/>
         <p:nvPr/>
       </p:nvGrpSpPr>
@@ -7167,7 +8479,7 @@
       </p:grpSpPr>
       <p:sp>
         <p:nvSpPr>
-          <p:cNvPr id="98" name="Shape 98"/>
+          <p:cNvPr id="105" name="Shape 105"/>
           <p:cNvSpPr txBox="1"/>
           <p:nvPr>
             <p:ph type="title"/>
@@ -7188,7 +8500,7 @@
           </a:bodyPr>
           <a:lstStyle/>
           <a:p>
-            <a:pPr lvl="0" rtl="0">
+            <a:pPr lvl="0">
               <a:spcBef>
                 <a:spcPts val="0"/>
               </a:spcBef>
@@ -7196,14 +8508,14 @@
             </a:pPr>
             <a:r>
               <a:rPr lang="en"/>
-              <a:t>OpenSSL</a:t>
-            </a:r>
-          </a:p>
-        </p:txBody>
-      </p:sp>
-      <p:sp>
-        <p:nvSpPr>
-          <p:cNvPr id="99" name="Shape 99"/>
+              <a:t>SSL/TLS Protocol</a:t>
+            </a:r>
+          </a:p>
+        </p:txBody>
+      </p:sp>
+      <p:sp>
+        <p:nvSpPr>
+          <p:cNvPr id="106" name="Shape 106"/>
           <p:cNvSpPr txBox="1"/>
           <p:nvPr>
             <p:ph idx="1" type="body"/>
@@ -7231,7 +8543,7 @@
             </a:pPr>
             <a:r>
               <a:rPr lang="en"/>
-              <a:t>Open source implementation of SSL/TLS protocol</a:t>
+              <a:t>Provides security when communicating over a computer network</a:t>
             </a:r>
           </a:p>
           <a:p>
@@ -7242,7 +8554,7 @@
             </a:pPr>
             <a:r>
               <a:rPr lang="en"/>
-              <a:t>Written in C</a:t>
+              <a:t>Makes use of public/private key pair encryption to exchange a symmetric key</a:t>
             </a:r>
           </a:p>
           <a:p>
@@ -7253,18 +8565,26 @@
             </a:pPr>
             <a:r>
               <a:rPr lang="en"/>
-              <a:t>Works on almost all platforms</a:t>
-            </a:r>
-          </a:p>
-          <a:p>
-            <a:pPr indent="-228600" lvl="0" marL="457200" rtl="0">
+              <a:t>Widely used on the web</a:t>
+            </a:r>
+          </a:p>
+          <a:p>
+            <a:pPr indent="-228600" lvl="0" marL="457200">
               <a:spcBef>
                 <a:spcPts val="0"/>
               </a:spcBef>
             </a:pPr>
             <a:r>
               <a:rPr lang="en"/>
-              <a:t>Many vulnerabilities (POODLE, Heartbleed, etc.)</a:t>
+              <a:t>Java implementation is </a:t>
+            </a:r>
+            <a:r>
+              <a:rPr b="1" lang="en"/>
+              <a:t>Java Secure Socket Extension</a:t>
+            </a:r>
+            <a:r>
+              <a:rPr lang="en"/>
+              <a:t> (JSSE)</a:t>
             </a:r>
           </a:p>
         </p:txBody>
@@ -7285,7 +8605,7 @@
   <p:cSld>
     <p:spTree>
       <p:nvGrpSpPr>
-        <p:cNvPr id="103" name="Shape 103"/>
+        <p:cNvPr id="110" name="Shape 110"/>
         <p:cNvGrpSpPr/>
         <p:nvPr/>
       </p:nvGrpSpPr>
@@ -7299,7 +8619,7 @@
       </p:grpSpPr>
       <p:sp>
         <p:nvSpPr>
-          <p:cNvPr id="104" name="Shape 104"/>
+          <p:cNvPr id="111" name="Shape 111"/>
           <p:cNvSpPr txBox="1"/>
           <p:nvPr>
             <p:ph type="title"/>
@@ -7328,14 +8648,14 @@
             </a:pPr>
             <a:r>
               <a:rPr lang="en"/>
-              <a:t>SSL Encryption with Undertow</a:t>
-            </a:r>
-          </a:p>
-        </p:txBody>
-      </p:sp>
-      <p:sp>
-        <p:nvSpPr>
-          <p:cNvPr id="105" name="Shape 105"/>
+              <a:t>OpenSSL</a:t>
+            </a:r>
+          </a:p>
+        </p:txBody>
+      </p:sp>
+      <p:sp>
+        <p:nvSpPr>
+          <p:cNvPr id="112" name="Shape 112"/>
           <p:cNvSpPr txBox="1"/>
           <p:nvPr>
             <p:ph idx="1" type="body"/>
@@ -7363,15 +8683,18 @@
             </a:pPr>
             <a:r>
               <a:rPr lang="en"/>
-              <a:t>Undertow is using </a:t>
-            </a:r>
-            <a:r>
-              <a:rPr b="1" lang="en"/>
-              <a:t>JSSE </a:t>
-            </a:r>
+              <a:t>Open source implementation of SSL/TLS protocol</a:t>
+            </a:r>
+          </a:p>
+          <a:p>
+            <a:pPr indent="-228600" lvl="0" marL="457200" rtl="0">
+              <a:spcBef>
+                <a:spcPts val="0"/>
+              </a:spcBef>
+            </a:pPr>
             <a:r>
               <a:rPr lang="en"/>
-              <a:t>SSL Engine for SSL/TLS  </a:t>
+              <a:t>Written in C</a:t>
             </a:r>
           </a:p>
           <a:p>
@@ -7382,28 +8705,19 @@
             </a:pPr>
             <a:r>
               <a:rPr lang="en"/>
-              <a:t>Some work done to use OpenSSL Engine via </a:t>
-            </a:r>
-            <a:r>
-              <a:rPr b="1" lang="en"/>
-              <a:t>JSSE</a:t>
-            </a:r>
+              <a:t>Works on almost all platforms</a:t>
+            </a:r>
+          </a:p>
+          <a:p>
+            <a:pPr indent="-228600" lvl="0" marL="457200" rtl="0">
+              <a:spcBef>
+                <a:spcPts val="0"/>
+              </a:spcBef>
+            </a:pPr>
             <a:r>
               <a:rPr lang="en"/>
-              <a:t> API (namely sockets)</a:t>
-            </a:r>
-          </a:p>
-          <a:p>
-            <a:pPr lvl="0" rtl="0">
-              <a:spcBef>
-                <a:spcPts val="0"/>
-              </a:spcBef>
-              <a:buNone/>
-            </a:pPr>
-            <a:r>
-              <a:t/>
-            </a:r>
-            <a:endParaRPr/>
+              <a:t>Many vulnerabilities (POODLE, Heartbleed, etc.)</a:t>
+            </a:r>
           </a:p>
         </p:txBody>
       </p:sp>
@@ -7423,7 +8737,7 @@
   <p:cSld>
     <p:spTree>
       <p:nvGrpSpPr>
-        <p:cNvPr id="109" name="Shape 109"/>
+        <p:cNvPr id="116" name="Shape 116"/>
         <p:cNvGrpSpPr/>
         <p:nvPr/>
       </p:nvGrpSpPr>
@@ -7437,7 +8751,7 @@
       </p:grpSpPr>
       <p:sp>
         <p:nvSpPr>
-          <p:cNvPr id="110" name="Shape 110"/>
+          <p:cNvPr id="117" name="Shape 117"/>
           <p:cNvSpPr txBox="1"/>
           <p:nvPr>
             <p:ph type="title"/>
@@ -7466,14 +8780,14 @@
             </a:pPr>
             <a:r>
               <a:rPr lang="en"/>
-              <a:t>Project Goals (1)</a:t>
-            </a:r>
-          </a:p>
-        </p:txBody>
-      </p:sp>
-      <p:sp>
-        <p:nvSpPr>
-          <p:cNvPr id="111" name="Shape 111"/>
+              <a:t>SSL Encryption with Undertow</a:t>
+            </a:r>
+          </a:p>
+        </p:txBody>
+      </p:sp>
+      <p:sp>
+        <p:nvSpPr>
+          <p:cNvPr id="118" name="Shape 118"/>
           <p:cNvSpPr txBox="1"/>
           <p:nvPr>
             <p:ph idx="1" type="body"/>
@@ -7494,6 +8808,44 @@
           </a:bodyPr>
           <a:lstStyle/>
           <a:p>
+            <a:pPr indent="-228600" lvl="0" marL="457200" rtl="0">
+              <a:spcBef>
+                <a:spcPts val="0"/>
+              </a:spcBef>
+            </a:pPr>
+            <a:r>
+              <a:rPr lang="en"/>
+              <a:t>Undertow is using </a:t>
+            </a:r>
+            <a:r>
+              <a:rPr b="1" lang="en"/>
+              <a:t>JSSE </a:t>
+            </a:r>
+            <a:r>
+              <a:rPr lang="en"/>
+              <a:t>SSL Engine for SSL/TLS  </a:t>
+            </a:r>
+          </a:p>
+          <a:p>
+            <a:pPr indent="-228600" lvl="0" marL="457200" rtl="0">
+              <a:spcBef>
+                <a:spcPts val="0"/>
+              </a:spcBef>
+            </a:pPr>
+            <a:r>
+              <a:rPr lang="en"/>
+              <a:t>Some work done to use OpenSSL Engine via </a:t>
+            </a:r>
+            <a:r>
+              <a:rPr b="1" lang="en"/>
+              <a:t>JSSE</a:t>
+            </a:r>
+            <a:r>
+              <a:rPr lang="en"/>
+              <a:t> API (namely sockets)</a:t>
+            </a:r>
+          </a:p>
+          <a:p>
             <a:pPr lvl="0" rtl="0">
               <a:spcBef>
                 <a:spcPts val="0"/>
@@ -7501,79 +8853,9 @@
               <a:buNone/>
             </a:pPr>
             <a:r>
-              <a:rPr lang="en"/>
-              <a:t>Modify Tomcat Native</a:t>
-            </a:r>
-          </a:p>
-          <a:p>
-            <a:pPr lvl="0" rtl="0">
-              <a:spcBef>
-                <a:spcPts val="0"/>
-              </a:spcBef>
-              <a:buNone/>
-            </a:pPr>
-            <a:r>
-              <a:rPr lang="en"/>
-              <a:t>This means :</a:t>
-            </a:r>
-          </a:p>
-          <a:p>
-            <a:pPr indent="-228600" lvl="0" marL="914400" rtl="0">
-              <a:spcBef>
-                <a:spcPts val="0"/>
-              </a:spcBef>
-            </a:pPr>
-            <a:r>
-              <a:rPr lang="en"/>
-              <a:t>Study Tomcat Native, Undertow and the current OpenSSL experiments for Undertow</a:t>
-            </a:r>
-          </a:p>
-          <a:p>
-            <a:pPr indent="-228600" lvl="0" marL="914400" rtl="0">
-              <a:spcBef>
-                <a:spcPts val="0"/>
-              </a:spcBef>
-              <a:buClr>
-                <a:srgbClr val="FF0000"/>
-              </a:buClr>
-            </a:pPr>
-            <a:r>
-              <a:rPr lang="en">
-                <a:solidFill>
-                  <a:srgbClr val="FF0000"/>
-                </a:solidFill>
-              </a:rPr>
-              <a:t>Remove APR code used to load OpenSSL in Tomcat Native</a:t>
-            </a:r>
-          </a:p>
-          <a:p>
-            <a:pPr indent="-228600" lvl="0" marL="914400" rtl="0">
-              <a:spcBef>
-                <a:spcPts val="0"/>
-              </a:spcBef>
-              <a:buClr>
-                <a:srgbClr val="FF0000"/>
-              </a:buClr>
-            </a:pPr>
-            <a:r>
-              <a:rPr lang="en">
-                <a:solidFill>
-                  <a:srgbClr val="FF0000"/>
-                </a:solidFill>
-              </a:rPr>
-              <a:t>Abstracts Tomcat Native so that it can also be used in Undertow instead of JSSE</a:t>
-            </a:r>
-          </a:p>
-          <a:p>
-            <a:pPr indent="-228600" lvl="0" marL="914400" rtl="0">
-              <a:spcBef>
-                <a:spcPts val="0"/>
-              </a:spcBef>
-            </a:pPr>
-            <a:r>
-              <a:rPr lang="en"/>
-              <a:t>Run benchmarks to measure performance</a:t>
-            </a:r>
+              <a:t/>
+            </a:r>
+            <a:endParaRPr/>
           </a:p>
         </p:txBody>
       </p:sp>
@@ -7593,7 +8875,7 @@
   <p:cSld>
     <p:spTree>
       <p:nvGrpSpPr>
-        <p:cNvPr id="115" name="Shape 115"/>
+        <p:cNvPr id="122" name="Shape 122"/>
         <p:cNvGrpSpPr/>
         <p:nvPr/>
       </p:nvGrpSpPr>
@@ -7607,7 +8889,7 @@
       </p:grpSpPr>
       <p:sp>
         <p:nvSpPr>
-          <p:cNvPr id="116" name="Shape 116"/>
+          <p:cNvPr id="123" name="Shape 123"/>
           <p:cNvSpPr txBox="1"/>
           <p:nvPr>
             <p:ph type="title"/>
@@ -7636,14 +8918,14 @@
             </a:pPr>
             <a:r>
               <a:rPr lang="en"/>
-              <a:t>Project Goals (2)</a:t>
-            </a:r>
-          </a:p>
-        </p:txBody>
-      </p:sp>
-      <p:sp>
-        <p:nvSpPr>
-          <p:cNvPr id="117" name="Shape 117"/>
+              <a:t>Project Goals (1)</a:t>
+            </a:r>
+          </a:p>
+        </p:txBody>
+      </p:sp>
+      <p:sp>
+        <p:nvSpPr>
+          <p:cNvPr id="124" name="Shape 124"/>
           <p:cNvSpPr txBox="1"/>
           <p:nvPr>
             <p:ph idx="1" type="body"/>
@@ -7664,194 +8946,74 @@
           </a:bodyPr>
           <a:lstStyle/>
           <a:p>
-            <a:pPr lvl="0" rtl="0">
-              <a:spcBef>
-                <a:spcPts val="0"/>
-              </a:spcBef>
-              <a:buNone/>
-            </a:pPr>
-            <a:r>
-              <a:rPr lang="en">
-                <a:solidFill>
-                  <a:srgbClr val="FF0000"/>
-                </a:solidFill>
-              </a:rPr>
-              <a:t>&lt;TODO DIAGRAM&gt;</a:t>
-            </a:r>
-          </a:p>
-        </p:txBody>
-      </p:sp>
-      <p:sp>
-        <p:nvSpPr>
-          <p:cNvPr id="118" name="Shape 118"/>
-          <p:cNvSpPr txBox="1"/>
-          <p:nvPr>
-            <p:ph type="title"/>
-          </p:nvPr>
-        </p:nvSpPr>
-        <p:spPr>
-          <a:xfrm>
-            <a:off x="4963050" y="1805627"/>
-            <a:ext cx="3128400" cy="660300"/>
-          </a:xfrm>
-          <a:prstGeom prst="rect">
-            <a:avLst/>
-          </a:prstGeom>
-          <a:solidFill>
-            <a:schemeClr val="accent5"/>
-          </a:solidFill>
-        </p:spPr>
-        <p:txBody>
-          <a:bodyPr anchorCtr="0" anchor="ctr" bIns="91425" lIns="91425" rIns="91425" tIns="91425">
-            <a:noAutofit/>
-          </a:bodyPr>
-          <a:lstStyle/>
-          <a:p>
-            <a:pPr lvl="0" rtl="0" algn="ctr">
-              <a:spcBef>
-                <a:spcPts val="0"/>
-              </a:spcBef>
-              <a:buNone/>
+            <a:pPr indent="-228600" lvl="0" marL="457200" rtl="0">
+              <a:spcBef>
+                <a:spcPts val="0"/>
+              </a:spcBef>
             </a:pPr>
             <a:r>
               <a:rPr lang="en"/>
-              <a:t>TODO</a:t>
-            </a:r>
-          </a:p>
-        </p:txBody>
-      </p:sp>
-      <p:cxnSp>
-        <p:nvCxnSpPr>
-          <p:cNvPr id="119" name="Shape 119"/>
-          <p:cNvCxnSpPr>
-            <a:stCxn id="118" idx="2"/>
-            <a:endCxn id="120" idx="0"/>
-          </p:cNvCxnSpPr>
-          <p:nvPr/>
-        </p:nvCxnSpPr>
-        <p:spPr>
-          <a:xfrm>
-            <a:off x="6527250" y="2465927"/>
-            <a:ext cx="0" cy="421500"/>
-          </a:xfrm>
-          <a:prstGeom prst="straightConnector1">
-            <a:avLst/>
-          </a:prstGeom>
-          <a:noFill/>
-          <a:ln cap="flat" cmpd="sng" w="9525">
-            <a:solidFill>
-              <a:schemeClr val="dk2"/>
-            </a:solidFill>
-            <a:prstDash val="solid"/>
-            <a:round/>
-            <a:headEnd len="lg" w="lg" type="none"/>
-            <a:tailEnd len="lg" w="lg" type="none"/>
-          </a:ln>
-        </p:spPr>
-      </p:cxnSp>
-      <p:sp>
-        <p:nvSpPr>
-          <p:cNvPr id="120" name="Shape 120"/>
-          <p:cNvSpPr txBox="1"/>
-          <p:nvPr>
-            <p:ph type="title"/>
-          </p:nvPr>
-        </p:nvSpPr>
-        <p:spPr>
-          <a:xfrm>
-            <a:off x="4963050" y="2887377"/>
-            <a:ext cx="3128400" cy="660300"/>
-          </a:xfrm>
-          <a:prstGeom prst="rect">
-            <a:avLst/>
-          </a:prstGeom>
-          <a:solidFill>
-            <a:schemeClr val="dk1"/>
-          </a:solidFill>
-        </p:spPr>
-        <p:txBody>
-          <a:bodyPr anchorCtr="0" anchor="ctr" bIns="91425" lIns="91425" rIns="91425" tIns="91425">
-            <a:noAutofit/>
-          </a:bodyPr>
-          <a:lstStyle/>
-          <a:p>
-            <a:pPr lvl="0" rtl="0" algn="ctr">
-              <a:spcBef>
-                <a:spcPts val="0"/>
-              </a:spcBef>
-              <a:buNone/>
+              <a:t>Study Tomcat Native, Undertow and the current OpenSSL experiments for Undertow</a:t>
+            </a:r>
+          </a:p>
+          <a:p>
+            <a:pPr indent="-228600" lvl="0" marL="457200" rtl="0">
+              <a:spcBef>
+                <a:spcPts val="0"/>
+              </a:spcBef>
             </a:pPr>
             <a:r>
               <a:rPr lang="en"/>
-              <a:t>TODO</a:t>
-            </a:r>
-          </a:p>
-        </p:txBody>
-      </p:sp>
-      <p:cxnSp>
-        <p:nvCxnSpPr>
-          <p:cNvPr id="121" name="Shape 121"/>
-          <p:cNvCxnSpPr>
-            <a:stCxn id="120" idx="2"/>
-            <a:endCxn id="122" idx="0"/>
-          </p:cNvCxnSpPr>
-          <p:nvPr/>
-        </p:nvCxnSpPr>
-        <p:spPr>
-          <a:xfrm>
-            <a:off x="6527250" y="3547677"/>
-            <a:ext cx="0" cy="421500"/>
-          </a:xfrm>
-          <a:prstGeom prst="straightConnector1">
-            <a:avLst/>
-          </a:prstGeom>
-          <a:noFill/>
-          <a:ln cap="flat" cmpd="sng" w="9525">
-            <a:solidFill>
-              <a:schemeClr val="dk2"/>
-            </a:solidFill>
-            <a:prstDash val="solid"/>
-            <a:round/>
-            <a:headEnd len="lg" w="lg" type="none"/>
-            <a:tailEnd len="lg" w="lg" type="none"/>
-          </a:ln>
-        </p:spPr>
-      </p:cxnSp>
-      <p:sp>
-        <p:nvSpPr>
-          <p:cNvPr id="122" name="Shape 122"/>
-          <p:cNvSpPr txBox="1"/>
-          <p:nvPr>
-            <p:ph type="title"/>
-          </p:nvPr>
-        </p:nvSpPr>
-        <p:spPr>
-          <a:xfrm>
-            <a:off x="4963051" y="3969096"/>
-            <a:ext cx="3128399" cy="660300"/>
-          </a:xfrm>
-          <a:prstGeom prst="rect">
-            <a:avLst/>
-          </a:prstGeom>
-          <a:solidFill>
-            <a:schemeClr val="accent1"/>
-          </a:solidFill>
-        </p:spPr>
-        <p:txBody>
-          <a:bodyPr anchorCtr="0" anchor="ctr" bIns="91425" lIns="91425" rIns="91425" tIns="91425">
-            <a:noAutofit/>
-          </a:bodyPr>
-          <a:lstStyle/>
-          <a:p>
-            <a:pPr lvl="0" rtl="0" algn="ctr">
-              <a:spcBef>
-                <a:spcPts val="0"/>
-              </a:spcBef>
-              <a:buNone/>
+              <a:t>Subset Tomcat Native so that the JNI interfaces focus on OpenSSL</a:t>
+            </a:r>
+          </a:p>
+          <a:p>
+            <a:pPr indent="-228600" lvl="0" marL="457200" rtl="0">
+              <a:spcBef>
+                <a:spcPts val="0"/>
+              </a:spcBef>
             </a:pPr>
             <a:r>
               <a:rPr lang="en"/>
-              <a:t>TODO</a:t>
+              <a:t>Abstracts Tomcat Native so that it can also be used in </a:t>
+            </a:r>
+            <a:r>
+              <a:rPr b="1" lang="en"/>
+              <a:t>Undertow</a:t>
+            </a:r>
+            <a:r>
+              <a:rPr lang="en"/>
+              <a:t> and </a:t>
+            </a:r>
+            <a:r>
+              <a:rPr b="1" lang="en"/>
+              <a:t>Tomcat</a:t>
+            </a:r>
+            <a:r>
+              <a:rPr lang="en"/>
+              <a:t> instead of JSSE</a:t>
+            </a:r>
+          </a:p>
+          <a:p>
+            <a:pPr indent="-228600" lvl="0" marL="457200" rtl="0">
+              <a:spcBef>
+                <a:spcPts val="0"/>
+              </a:spcBef>
+            </a:pPr>
+            <a:r>
+              <a:rPr lang="en"/>
+              <a:t>Run benchmarks to measure performance</a:t>
+            </a:r>
+          </a:p>
+          <a:p>
+            <a:pPr indent="-228600" lvl="0" marL="457200" rtl="0">
+              <a:spcBef>
+                <a:spcPts val="0"/>
+              </a:spcBef>
+            </a:pPr>
+            <a:r>
+              <a:rPr lang="en"/>
+              <a:t>Add JNI calls to access more OpenSSL features (depending on time)</a:t>
             </a:r>
           </a:p>
         </p:txBody>

--- a/initial_presentation.pptx
+++ b/initial_presentation.pptx
@@ -20,19 +20,16 @@
     <p:sldId id="265" r:id="rId14"/>
     <p:sldId id="266" r:id="rId15"/>
     <p:sldId id="267" r:id="rId16"/>
-    <p:sldId id="268" r:id="rId17"/>
-    <p:sldId id="269" r:id="rId18"/>
-    <p:sldId id="270" r:id="rId19"/>
   </p:sldIdLst>
   <p:sldSz cy="5143500" cx="9144000"/>
   <p:notesSz cx="6858000" cy="9144000"/>
   <p:embeddedFontLst>
     <p:embeddedFont>
       <p:font typeface="Roboto"/>
-      <p:regular r:id="rId20"/>
-      <p:bold r:id="rId21"/>
-      <p:italic r:id="rId22"/>
-      <p:boldItalic r:id="rId23"/>
+      <p:regular r:id="rId17"/>
+      <p:bold r:id="rId18"/>
+      <p:italic r:id="rId19"/>
+      <p:boldItalic r:id="rId20"/>
     </p:embeddedFont>
   </p:embeddedFontLst>
   <p:defaultTextStyle>
@@ -489,7 +486,7 @@
   <p:cSld>
     <p:spTree>
       <p:nvGrpSpPr>
-        <p:cNvPr id="125" name="Shape 125"/>
+        <p:cNvPr id="133" name="Shape 133"/>
         <p:cNvGrpSpPr/>
         <p:nvPr/>
       </p:nvGrpSpPr>
@@ -503,7 +500,7 @@
       </p:grpSpPr>
       <p:sp>
         <p:nvSpPr>
-          <p:cNvPr id="126" name="Shape 126"/>
+          <p:cNvPr id="134" name="Shape 134"/>
           <p:cNvSpPr/>
           <p:nvPr>
             <p:ph idx="2" type="sldImg"/>
@@ -537,7 +534,7 @@
       </p:sp>
       <p:sp>
         <p:nvSpPr>
-          <p:cNvPr id="127" name="Shape 127"/>
+          <p:cNvPr id="135" name="Shape 135"/>
           <p:cNvSpPr txBox="1"/>
           <p:nvPr>
             <p:ph idx="1" type="body"/>
@@ -564,10 +561,9 @@
               </a:spcBef>
               <a:buNone/>
             </a:pPr>
-            <a:r>
-              <a:t/>
-            </a:r>
-            <a:endParaRPr/>
+            <a:br>
+              <a:rPr lang="en"/>
+            </a:br>
           </a:p>
         </p:txBody>
       </p:sp>
@@ -584,7 +580,7 @@
   <p:cSld>
     <p:spTree>
       <p:nvGrpSpPr>
-        <p:cNvPr id="138" name="Shape 138"/>
+        <p:cNvPr id="139" name="Shape 139"/>
         <p:cNvGrpSpPr/>
         <p:nvPr/>
       </p:nvGrpSpPr>
@@ -598,7 +594,7 @@
       </p:grpSpPr>
       <p:sp>
         <p:nvSpPr>
-          <p:cNvPr id="139" name="Shape 139"/>
+          <p:cNvPr id="140" name="Shape 140"/>
           <p:cNvSpPr/>
           <p:nvPr>
             <p:ph idx="2" type="sldImg"/>
@@ -632,7 +628,7 @@
       </p:sp>
       <p:sp>
         <p:nvSpPr>
-          <p:cNvPr id="140" name="Shape 140"/>
+          <p:cNvPr id="141" name="Shape 141"/>
           <p:cNvSpPr txBox="1"/>
           <p:nvPr>
             <p:ph idx="1" type="body"/>
@@ -679,7 +675,7 @@
   <p:cSld>
     <p:spTree>
       <p:nvGrpSpPr>
-        <p:cNvPr id="151" name="Shape 151"/>
+        <p:cNvPr id="145" name="Shape 145"/>
         <p:cNvGrpSpPr/>
         <p:nvPr/>
       </p:nvGrpSpPr>
@@ -693,7 +689,7 @@
       </p:grpSpPr>
       <p:sp>
         <p:nvSpPr>
-          <p:cNvPr id="152" name="Shape 152"/>
+          <p:cNvPr id="146" name="Shape 146"/>
           <p:cNvSpPr/>
           <p:nvPr>
             <p:ph idx="2" type="sldImg"/>
@@ -727,291 +723,7 @@
       </p:sp>
       <p:sp>
         <p:nvSpPr>
-          <p:cNvPr id="153" name="Shape 153"/>
-          <p:cNvSpPr txBox="1"/>
-          <p:nvPr>
-            <p:ph idx="1" type="body"/>
-          </p:nvPr>
-        </p:nvSpPr>
-        <p:spPr>
-          <a:xfrm>
-            <a:off x="685800" y="4343400"/>
-            <a:ext cx="5486400" cy="4114800"/>
-          </a:xfrm>
-          <a:prstGeom prst="rect">
-            <a:avLst/>
-          </a:prstGeom>
-        </p:spPr>
-        <p:txBody>
-          <a:bodyPr anchorCtr="0" anchor="t" bIns="91425" lIns="91425" rIns="91425" tIns="91425">
-            <a:noAutofit/>
-          </a:bodyPr>
-          <a:lstStyle/>
-          <a:p>
-            <a:pPr lvl="0" rtl="0">
-              <a:spcBef>
-                <a:spcPts val="0"/>
-              </a:spcBef>
-              <a:buNone/>
-            </a:pPr>
-            <a:br>
-              <a:rPr lang="en"/>
-            </a:br>
-          </a:p>
-        </p:txBody>
-      </p:sp>
-    </p:spTree>
-  </p:cSld>
-  <p:clrMapOvr>
-    <a:masterClrMapping/>
-  </p:clrMapOvr>
-</p:notes>
-</file>
-
-<file path=ppt/notesSlides/notesSlide13.xml><?xml version="1.0" encoding="utf-8"?>
-<p:notes xmlns:a="http://schemas.openxmlformats.org/drawingml/2006/main" xmlns:r="http://schemas.openxmlformats.org/officeDocument/2006/relationships" xmlns:mc="http://schemas.openxmlformats.org/markup-compatibility/2006" xmlns:mv="urn:schemas-microsoft-com:mac:vml" xmlns:p="http://schemas.openxmlformats.org/presentationml/2006/main" xmlns:c="http://schemas.openxmlformats.org/drawingml/2006/chart" xmlns:dgm="http://schemas.openxmlformats.org/drawingml/2006/diagram" xmlns:o="urn:schemas-microsoft-com:office:office" xmlns:v="urn:schemas-microsoft-com:vml" xmlns:pvml="urn:schemas-microsoft-com:office:powerpoint" xmlns:com="http://schemas.openxmlformats.org/drawingml/2006/compatibility" xmlns:p14="http://schemas.microsoft.com/office/powerpoint/2010/main" showMasterPhAnim="0" showMasterSp="0">
-  <p:cSld>
-    <p:spTree>
-      <p:nvGrpSpPr>
-        <p:cNvPr id="157" name="Shape 157"/>
-        <p:cNvGrpSpPr/>
-        <p:nvPr/>
-      </p:nvGrpSpPr>
-      <p:grpSpPr>
-        <a:xfrm>
-          <a:off x="0" y="0"/>
-          <a:ext cx="0" cy="0"/>
-          <a:chOff x="0" y="0"/>
-          <a:chExt cx="0" cy="0"/>
-        </a:xfrm>
-      </p:grpSpPr>
-      <p:sp>
-        <p:nvSpPr>
-          <p:cNvPr id="158" name="Shape 158"/>
-          <p:cNvSpPr/>
-          <p:nvPr>
-            <p:ph idx="2" type="sldImg"/>
-          </p:nvPr>
-        </p:nvSpPr>
-        <p:spPr>
-          <a:xfrm>
-            <a:off x="381300" y="685800"/>
-            <a:ext cx="6096000" cy="3429000"/>
-          </a:xfrm>
-          <a:custGeom>
-            <a:pathLst>
-              <a:path extrusionOk="0" h="120000" w="120000">
-                <a:moveTo>
-                  <a:pt x="0" y="0"/>
-                </a:moveTo>
-                <a:lnTo>
-                  <a:pt x="120000" y="0"/>
-                </a:lnTo>
-                <a:lnTo>
-                  <a:pt x="120000" y="120000"/>
-                </a:lnTo>
-                <a:lnTo>
-                  <a:pt x="0" y="120000"/>
-                </a:lnTo>
-                <a:close/>
-              </a:path>
-            </a:pathLst>
-          </a:custGeom>
-        </p:spPr>
-      </p:sp>
-      <p:sp>
-        <p:nvSpPr>
-          <p:cNvPr id="159" name="Shape 159"/>
-          <p:cNvSpPr txBox="1"/>
-          <p:nvPr>
-            <p:ph idx="1" type="body"/>
-          </p:nvPr>
-        </p:nvSpPr>
-        <p:spPr>
-          <a:xfrm>
-            <a:off x="685800" y="4343400"/>
-            <a:ext cx="5486400" cy="4114800"/>
-          </a:xfrm>
-          <a:prstGeom prst="rect">
-            <a:avLst/>
-          </a:prstGeom>
-        </p:spPr>
-        <p:txBody>
-          <a:bodyPr anchorCtr="0" anchor="t" bIns="91425" lIns="91425" rIns="91425" tIns="91425">
-            <a:noAutofit/>
-          </a:bodyPr>
-          <a:lstStyle/>
-          <a:p>
-            <a:pPr lvl="0" rtl="0">
-              <a:spcBef>
-                <a:spcPts val="0"/>
-              </a:spcBef>
-              <a:buNone/>
-            </a:pPr>
-            <a:r>
-              <a:t/>
-            </a:r>
-            <a:endParaRPr/>
-          </a:p>
-        </p:txBody>
-      </p:sp>
-    </p:spTree>
-  </p:cSld>
-  <p:clrMapOvr>
-    <a:masterClrMapping/>
-  </p:clrMapOvr>
-</p:notes>
-</file>
-
-<file path=ppt/notesSlides/notesSlide14.xml><?xml version="1.0" encoding="utf-8"?>
-<p:notes xmlns:a="http://schemas.openxmlformats.org/drawingml/2006/main" xmlns:r="http://schemas.openxmlformats.org/officeDocument/2006/relationships" xmlns:mc="http://schemas.openxmlformats.org/markup-compatibility/2006" xmlns:mv="urn:schemas-microsoft-com:mac:vml" xmlns:p="http://schemas.openxmlformats.org/presentationml/2006/main" xmlns:c="http://schemas.openxmlformats.org/drawingml/2006/chart" xmlns:dgm="http://schemas.openxmlformats.org/drawingml/2006/diagram" xmlns:o="urn:schemas-microsoft-com:office:office" xmlns:v="urn:schemas-microsoft-com:vml" xmlns:pvml="urn:schemas-microsoft-com:office:powerpoint" xmlns:com="http://schemas.openxmlformats.org/drawingml/2006/compatibility" xmlns:p14="http://schemas.microsoft.com/office/powerpoint/2010/main" showMasterPhAnim="0" showMasterSp="0">
-  <p:cSld>
-    <p:spTree>
-      <p:nvGrpSpPr>
-        <p:cNvPr id="163" name="Shape 163"/>
-        <p:cNvGrpSpPr/>
-        <p:nvPr/>
-      </p:nvGrpSpPr>
-      <p:grpSpPr>
-        <a:xfrm>
-          <a:off x="0" y="0"/>
-          <a:ext cx="0" cy="0"/>
-          <a:chOff x="0" y="0"/>
-          <a:chExt cx="0" cy="0"/>
-        </a:xfrm>
-      </p:grpSpPr>
-      <p:sp>
-        <p:nvSpPr>
-          <p:cNvPr id="164" name="Shape 164"/>
-          <p:cNvSpPr/>
-          <p:nvPr>
-            <p:ph idx="2" type="sldImg"/>
-          </p:nvPr>
-        </p:nvSpPr>
-        <p:spPr>
-          <a:xfrm>
-            <a:off x="381300" y="685800"/>
-            <a:ext cx="6096000" cy="3429000"/>
-          </a:xfrm>
-          <a:custGeom>
-            <a:pathLst>
-              <a:path extrusionOk="0" h="120000" w="120000">
-                <a:moveTo>
-                  <a:pt x="0" y="0"/>
-                </a:moveTo>
-                <a:lnTo>
-                  <a:pt x="120000" y="0"/>
-                </a:lnTo>
-                <a:lnTo>
-                  <a:pt x="120000" y="120000"/>
-                </a:lnTo>
-                <a:lnTo>
-                  <a:pt x="0" y="120000"/>
-                </a:lnTo>
-                <a:close/>
-              </a:path>
-            </a:pathLst>
-          </a:custGeom>
-        </p:spPr>
-      </p:sp>
-      <p:sp>
-        <p:nvSpPr>
-          <p:cNvPr id="165" name="Shape 165"/>
-          <p:cNvSpPr txBox="1"/>
-          <p:nvPr>
-            <p:ph idx="1" type="body"/>
-          </p:nvPr>
-        </p:nvSpPr>
-        <p:spPr>
-          <a:xfrm>
-            <a:off x="685800" y="4343400"/>
-            <a:ext cx="5486400" cy="4114800"/>
-          </a:xfrm>
-          <a:prstGeom prst="rect">
-            <a:avLst/>
-          </a:prstGeom>
-        </p:spPr>
-        <p:txBody>
-          <a:bodyPr anchorCtr="0" anchor="t" bIns="91425" lIns="91425" rIns="91425" tIns="91425">
-            <a:noAutofit/>
-          </a:bodyPr>
-          <a:lstStyle/>
-          <a:p>
-            <a:pPr lvl="0" rtl="0">
-              <a:spcBef>
-                <a:spcPts val="0"/>
-              </a:spcBef>
-              <a:buNone/>
-            </a:pPr>
-            <a:r>
-              <a:t/>
-            </a:r>
-            <a:endParaRPr/>
-          </a:p>
-        </p:txBody>
-      </p:sp>
-    </p:spTree>
-  </p:cSld>
-  <p:clrMapOvr>
-    <a:masterClrMapping/>
-  </p:clrMapOvr>
-</p:notes>
-</file>
-
-<file path=ppt/notesSlides/notesSlide15.xml><?xml version="1.0" encoding="utf-8"?>
-<p:notes xmlns:a="http://schemas.openxmlformats.org/drawingml/2006/main" xmlns:r="http://schemas.openxmlformats.org/officeDocument/2006/relationships" xmlns:mc="http://schemas.openxmlformats.org/markup-compatibility/2006" xmlns:mv="urn:schemas-microsoft-com:mac:vml" xmlns:p="http://schemas.openxmlformats.org/presentationml/2006/main" xmlns:c="http://schemas.openxmlformats.org/drawingml/2006/chart" xmlns:dgm="http://schemas.openxmlformats.org/drawingml/2006/diagram" xmlns:o="urn:schemas-microsoft-com:office:office" xmlns:v="urn:schemas-microsoft-com:vml" xmlns:pvml="urn:schemas-microsoft-com:office:powerpoint" xmlns:com="http://schemas.openxmlformats.org/drawingml/2006/compatibility" xmlns:p14="http://schemas.microsoft.com/office/powerpoint/2010/main" showMasterPhAnim="0" showMasterSp="0">
-  <p:cSld>
-    <p:spTree>
-      <p:nvGrpSpPr>
-        <p:cNvPr id="169" name="Shape 169"/>
-        <p:cNvGrpSpPr/>
-        <p:nvPr/>
-      </p:nvGrpSpPr>
-      <p:grpSpPr>
-        <a:xfrm>
-          <a:off x="0" y="0"/>
-          <a:ext cx="0" cy="0"/>
-          <a:chOff x="0" y="0"/>
-          <a:chExt cx="0" cy="0"/>
-        </a:xfrm>
-      </p:grpSpPr>
-      <p:sp>
-        <p:nvSpPr>
-          <p:cNvPr id="170" name="Shape 170"/>
-          <p:cNvSpPr/>
-          <p:nvPr>
-            <p:ph idx="2" type="sldImg"/>
-          </p:nvPr>
-        </p:nvSpPr>
-        <p:spPr>
-          <a:xfrm>
-            <a:off x="381300" y="685800"/>
-            <a:ext cx="6096000" cy="3429000"/>
-          </a:xfrm>
-          <a:custGeom>
-            <a:pathLst>
-              <a:path extrusionOk="0" h="120000" w="120000">
-                <a:moveTo>
-                  <a:pt x="0" y="0"/>
-                </a:moveTo>
-                <a:lnTo>
-                  <a:pt x="120000" y="0"/>
-                </a:lnTo>
-                <a:lnTo>
-                  <a:pt x="120000" y="120000"/>
-                </a:lnTo>
-                <a:lnTo>
-                  <a:pt x="0" y="120000"/>
-                </a:lnTo>
-                <a:close/>
-              </a:path>
-            </a:pathLst>
-          </a:custGeom>
-        </p:spPr>
-      </p:sp>
-      <p:sp>
-        <p:nvSpPr>
-          <p:cNvPr id="171" name="Shape 171"/>
+          <p:cNvPr id="147" name="Shape 147"/>
           <p:cNvSpPr txBox="1"/>
           <p:nvPr>
             <p:ph idx="1" type="body"/>
@@ -1438,7 +1150,7 @@
   <p:cSld>
     <p:spTree>
       <p:nvGrpSpPr>
-        <p:cNvPr id="101" name="Shape 101"/>
+        <p:cNvPr id="94" name="Shape 94"/>
         <p:cNvGrpSpPr/>
         <p:nvPr/>
       </p:nvGrpSpPr>
@@ -1452,7 +1164,7 @@
       </p:grpSpPr>
       <p:sp>
         <p:nvSpPr>
-          <p:cNvPr id="102" name="Shape 102"/>
+          <p:cNvPr id="95" name="Shape 95"/>
           <p:cNvSpPr/>
           <p:nvPr>
             <p:ph idx="2" type="sldImg"/>
@@ -1486,7 +1198,7 @@
       </p:sp>
       <p:sp>
         <p:nvSpPr>
-          <p:cNvPr id="103" name="Shape 103"/>
+          <p:cNvPr id="96" name="Shape 96"/>
           <p:cNvSpPr txBox="1"/>
           <p:nvPr>
             <p:ph idx="1" type="body"/>
@@ -1507,7 +1219,7 @@
           </a:bodyPr>
           <a:lstStyle/>
           <a:p>
-            <a:pPr lvl="0">
+            <a:pPr lvl="0" rtl="0">
               <a:spcBef>
                 <a:spcPts val="0"/>
               </a:spcBef>
@@ -1533,7 +1245,7 @@
   <p:cSld>
     <p:spTree>
       <p:nvGrpSpPr>
-        <p:cNvPr id="107" name="Shape 107"/>
+        <p:cNvPr id="100" name="Shape 100"/>
         <p:cNvGrpSpPr/>
         <p:nvPr/>
       </p:nvGrpSpPr>
@@ -1547,7 +1259,7 @@
       </p:grpSpPr>
       <p:sp>
         <p:nvSpPr>
-          <p:cNvPr id="108" name="Shape 108"/>
+          <p:cNvPr id="101" name="Shape 101"/>
           <p:cNvSpPr/>
           <p:nvPr>
             <p:ph idx="2" type="sldImg"/>
@@ -1581,7 +1293,7 @@
       </p:sp>
       <p:sp>
         <p:nvSpPr>
-          <p:cNvPr id="109" name="Shape 109"/>
+          <p:cNvPr id="102" name="Shape 102"/>
           <p:cNvSpPr txBox="1"/>
           <p:nvPr>
             <p:ph idx="1" type="body"/>
@@ -1723,7 +1435,7 @@
   <p:cSld>
     <p:spTree>
       <p:nvGrpSpPr>
-        <p:cNvPr id="119" name="Shape 119"/>
+        <p:cNvPr id="126" name="Shape 126"/>
         <p:cNvGrpSpPr/>
         <p:nvPr/>
       </p:nvGrpSpPr>
@@ -1737,7 +1449,7 @@
       </p:grpSpPr>
       <p:sp>
         <p:nvSpPr>
-          <p:cNvPr id="120" name="Shape 120"/>
+          <p:cNvPr id="127" name="Shape 127"/>
           <p:cNvSpPr/>
           <p:nvPr>
             <p:ph idx="2" type="sldImg"/>
@@ -1771,7 +1483,7 @@
       </p:sp>
       <p:sp>
         <p:nvSpPr>
-          <p:cNvPr id="121" name="Shape 121"/>
+          <p:cNvPr id="128" name="Shape 128"/>
           <p:cNvSpPr txBox="1"/>
           <p:nvPr>
             <p:ph idx="1" type="body"/>
@@ -6114,7 +5826,7 @@
             </a:pPr>
             <a:r>
               <a:rPr lang="en"/>
-              <a:t>TC-Native for Undertow</a:t>
+              <a:t>Tomcat Native 2</a:t>
             </a:r>
           </a:p>
         </p:txBody>
@@ -6150,7 +5862,7 @@
             </a:pPr>
             <a:r>
               <a:rPr lang="en"/>
-              <a:t>Using TC-Native library for Undertow’s TLS encryption</a:t>
+              <a:t>Using our own JNI wrapper for OpenSSL in Tomcat and Undertow</a:t>
             </a:r>
           </a:p>
         </p:txBody>
@@ -6267,7 +5979,7 @@
   <p:cSld>
     <p:spTree>
       <p:nvGrpSpPr>
-        <p:cNvPr id="128" name="Shape 128"/>
+        <p:cNvPr id="136" name="Shape 136"/>
         <p:cNvGrpSpPr/>
         <p:nvPr/>
       </p:nvGrpSpPr>
@@ -6281,7 +5993,7 @@
       </p:grpSpPr>
       <p:sp>
         <p:nvSpPr>
-          <p:cNvPr id="129" name="Shape 129"/>
+          <p:cNvPr id="137" name="Shape 137"/>
           <p:cNvSpPr txBox="1"/>
           <p:nvPr>
             <p:ph type="title"/>
@@ -6310,292 +6022,27 @@
             </a:pPr>
             <a:r>
               <a:rPr lang="en"/>
-              <a:t>Tomcat Native</a:t>
-            </a:r>
-          </a:p>
-        </p:txBody>
-      </p:sp>
-      <p:sp>
-        <p:nvSpPr>
-          <p:cNvPr id="130" name="Shape 130"/>
-          <p:cNvSpPr/>
-          <p:nvPr/>
-        </p:nvSpPr>
-        <p:spPr>
-          <a:xfrm>
-            <a:off x="5021862" y="2505825"/>
-            <a:ext cx="1736400" cy="648300"/>
-          </a:xfrm>
-          <a:prstGeom prst="rect">
-            <a:avLst/>
-          </a:prstGeom>
-          <a:solidFill>
-            <a:schemeClr val="accent5"/>
-          </a:solidFill>
-          <a:ln>
-            <a:noFill/>
-          </a:ln>
-        </p:spPr>
-        <p:txBody>
-          <a:bodyPr anchorCtr="0" anchor="ctr" bIns="91425" lIns="91425" rIns="91425" tIns="91425">
-            <a:noAutofit/>
-          </a:bodyPr>
-          <a:lstStyle/>
-          <a:p>
-            <a:pPr lvl="0" rtl="0" algn="ctr">
-              <a:spcBef>
-                <a:spcPts val="0"/>
-              </a:spcBef>
-              <a:buNone/>
-            </a:pPr>
-            <a:r>
-              <a:rPr lang="en">
-                <a:solidFill>
-                  <a:schemeClr val="lt1"/>
-                </a:solidFill>
-              </a:rPr>
-              <a:t>Undertow</a:t>
-            </a:r>
-          </a:p>
-        </p:txBody>
-      </p:sp>
-      <p:sp>
-        <p:nvSpPr>
-          <p:cNvPr id="131" name="Shape 131"/>
-          <p:cNvSpPr/>
-          <p:nvPr/>
-        </p:nvSpPr>
-        <p:spPr>
-          <a:xfrm>
-            <a:off x="2407637" y="2505825"/>
-            <a:ext cx="1736400" cy="648300"/>
-          </a:xfrm>
-          <a:prstGeom prst="rect">
-            <a:avLst/>
-          </a:prstGeom>
-          <a:solidFill>
-            <a:schemeClr val="accent5"/>
-          </a:solidFill>
-          <a:ln>
-            <a:noFill/>
-          </a:ln>
-        </p:spPr>
-        <p:txBody>
-          <a:bodyPr anchorCtr="0" anchor="ctr" bIns="91425" lIns="91425" rIns="91425" tIns="91425">
-            <a:noAutofit/>
-          </a:bodyPr>
-          <a:lstStyle/>
-          <a:p>
-            <a:pPr lvl="0" rtl="0" algn="ctr">
-              <a:spcBef>
-                <a:spcPts val="0"/>
-              </a:spcBef>
-              <a:buNone/>
-            </a:pPr>
-            <a:r>
-              <a:rPr lang="en">
-                <a:solidFill>
-                  <a:schemeClr val="lt1"/>
-                </a:solidFill>
-              </a:rPr>
-              <a:t>Tomcat</a:t>
-            </a:r>
-          </a:p>
-        </p:txBody>
-      </p:sp>
-      <p:sp>
-        <p:nvSpPr>
-          <p:cNvPr id="132" name="Shape 132"/>
-          <p:cNvSpPr/>
-          <p:nvPr/>
-        </p:nvSpPr>
-        <p:spPr>
-          <a:xfrm>
-            <a:off x="2407637" y="3878750"/>
-            <a:ext cx="1736400" cy="648300"/>
-          </a:xfrm>
-          <a:prstGeom prst="rect">
-            <a:avLst/>
-          </a:prstGeom>
-          <a:solidFill>
-            <a:schemeClr val="accent1"/>
-          </a:solidFill>
-          <a:ln>
-            <a:noFill/>
-          </a:ln>
-        </p:spPr>
-        <p:txBody>
-          <a:bodyPr anchorCtr="0" anchor="ctr" bIns="91425" lIns="91425" rIns="91425" tIns="91425">
-            <a:noAutofit/>
-          </a:bodyPr>
-          <a:lstStyle/>
-          <a:p>
-            <a:pPr lvl="0" rtl="0" algn="ctr">
-              <a:spcBef>
-                <a:spcPts val="0"/>
-              </a:spcBef>
-              <a:buNone/>
-            </a:pPr>
-            <a:r>
-              <a:rPr lang="en">
-                <a:solidFill>
-                  <a:schemeClr val="lt1"/>
-                </a:solidFill>
-              </a:rPr>
-              <a:t>tc-native</a:t>
-            </a:r>
-          </a:p>
-        </p:txBody>
-      </p:sp>
-      <p:sp>
-        <p:nvSpPr>
-          <p:cNvPr id="133" name="Shape 133"/>
-          <p:cNvSpPr/>
-          <p:nvPr/>
-        </p:nvSpPr>
-        <p:spPr>
-          <a:xfrm>
-            <a:off x="5021862" y="3878750"/>
-            <a:ext cx="1736400" cy="648300"/>
-          </a:xfrm>
-          <a:prstGeom prst="rect">
-            <a:avLst/>
-          </a:prstGeom>
-          <a:solidFill>
-            <a:schemeClr val="accent1"/>
-          </a:solidFill>
-          <a:ln>
-            <a:noFill/>
-          </a:ln>
-        </p:spPr>
-        <p:txBody>
-          <a:bodyPr anchorCtr="0" anchor="ctr" bIns="91425" lIns="91425" rIns="91425" tIns="91425">
-            <a:noAutofit/>
-          </a:bodyPr>
-          <a:lstStyle/>
-          <a:p>
-            <a:pPr lvl="0" rtl="0" algn="ctr">
-              <a:spcBef>
-                <a:spcPts val="0"/>
-              </a:spcBef>
-              <a:buNone/>
-            </a:pPr>
-            <a:r>
-              <a:rPr lang="en">
-                <a:solidFill>
-                  <a:schemeClr val="lt1"/>
-                </a:solidFill>
-              </a:rPr>
-              <a:t>JSSE</a:t>
-            </a:r>
-          </a:p>
-        </p:txBody>
-      </p:sp>
-      <p:cxnSp>
-        <p:nvCxnSpPr>
-          <p:cNvPr id="134" name="Shape 134"/>
-          <p:cNvCxnSpPr>
-            <a:stCxn id="133" idx="0"/>
-            <a:endCxn id="130" idx="2"/>
-          </p:cNvCxnSpPr>
-          <p:nvPr/>
-        </p:nvCxnSpPr>
-        <p:spPr>
-          <a:xfrm rot="10800000">
-            <a:off x="5890062" y="3154250"/>
-            <a:ext cx="0" cy="724500"/>
-          </a:xfrm>
-          <a:prstGeom prst="straightConnector1">
-            <a:avLst/>
-          </a:prstGeom>
-          <a:noFill/>
-          <a:ln cap="flat" cmpd="sng" w="9525">
-            <a:solidFill>
-              <a:schemeClr val="dk2"/>
-            </a:solidFill>
-            <a:prstDash val="solid"/>
-            <a:round/>
-            <a:headEnd len="lg" w="lg" type="none"/>
-            <a:tailEnd len="lg" w="lg" type="triangle"/>
-          </a:ln>
-        </p:spPr>
-      </p:cxnSp>
-      <p:cxnSp>
-        <p:nvCxnSpPr>
-          <p:cNvPr id="135" name="Shape 135"/>
-          <p:cNvCxnSpPr>
-            <a:stCxn id="133" idx="0"/>
-            <a:endCxn id="131" idx="2"/>
-          </p:cNvCxnSpPr>
-          <p:nvPr/>
-        </p:nvCxnSpPr>
-        <p:spPr>
-          <a:xfrm rot="10800000">
-            <a:off x="3275862" y="3154250"/>
-            <a:ext cx="2614200" cy="724500"/>
-          </a:xfrm>
-          <a:prstGeom prst="straightConnector1">
-            <a:avLst/>
-          </a:prstGeom>
-          <a:noFill/>
-          <a:ln cap="flat" cmpd="sng" w="9525">
-            <a:solidFill>
-              <a:schemeClr val="dk2"/>
-            </a:solidFill>
-            <a:prstDash val="solid"/>
-            <a:round/>
-            <a:headEnd len="lg" w="lg" type="none"/>
-            <a:tailEnd len="lg" w="lg" type="triangle"/>
-          </a:ln>
-        </p:spPr>
-      </p:cxnSp>
-      <p:cxnSp>
-        <p:nvCxnSpPr>
-          <p:cNvPr id="136" name="Shape 136"/>
-          <p:cNvCxnSpPr>
-            <a:stCxn id="132" idx="0"/>
-            <a:endCxn id="131" idx="2"/>
-          </p:cNvCxnSpPr>
-          <p:nvPr/>
-        </p:nvCxnSpPr>
-        <p:spPr>
-          <a:xfrm rot="10800000">
-            <a:off x="3275837" y="3154250"/>
-            <a:ext cx="0" cy="724500"/>
-          </a:xfrm>
-          <a:prstGeom prst="straightConnector1">
-            <a:avLst/>
-          </a:prstGeom>
-          <a:noFill/>
-          <a:ln cap="flat" cmpd="sng" w="9525">
-            <a:solidFill>
-              <a:schemeClr val="dk2"/>
-            </a:solidFill>
-            <a:prstDash val="solid"/>
-            <a:round/>
-            <a:headEnd len="lg" w="lg" type="none"/>
-            <a:tailEnd len="lg" w="lg" type="triangle"/>
-          </a:ln>
-        </p:spPr>
-      </p:cxnSp>
-      <p:sp>
-        <p:nvSpPr>
-          <p:cNvPr id="137" name="Shape 137"/>
+              <a:t>Tentative Schedule</a:t>
+            </a:r>
+          </a:p>
+        </p:txBody>
+      </p:sp>
+      <p:sp>
+        <p:nvSpPr>
+          <p:cNvPr id="138" name="Shape 138"/>
           <p:cNvSpPr txBox="1"/>
-          <p:nvPr/>
-        </p:nvSpPr>
-        <p:spPr>
-          <a:xfrm>
-            <a:off x="384675" y="1868375"/>
-            <a:ext cx="1538700" cy="738600"/>
-          </a:xfrm>
-          <a:prstGeom prst="rect">
-            <a:avLst/>
-          </a:prstGeom>
-          <a:noFill/>
-          <a:ln>
-            <a:noFill/>
-          </a:ln>
+          <p:nvPr>
+            <p:ph idx="1" type="body"/>
+          </p:nvPr>
+        </p:nvSpPr>
+        <p:spPr>
+          <a:xfrm>
+            <a:off x="471900" y="1919075"/>
+            <a:ext cx="8222100" cy="2710200"/>
+          </a:xfrm>
+          <a:prstGeom prst="rect">
+            <a:avLst/>
+          </a:prstGeom>
         </p:spPr>
         <p:txBody>
           <a:bodyPr anchorCtr="0" anchor="t" bIns="91425" lIns="91425" rIns="91425" tIns="91425">
@@ -6603,23 +6050,104 @@
           </a:bodyPr>
           <a:lstStyle/>
           <a:p>
-            <a:pPr lvl="0" rtl="0">
-              <a:spcBef>
-                <a:spcPts val="0"/>
-              </a:spcBef>
-              <a:buNone/>
-            </a:pPr>
-            <a:r>
-              <a:rPr lang="en" sz="1800">
-                <a:solidFill>
-                  <a:schemeClr val="lt2"/>
-                </a:solidFill>
-                <a:latin typeface="Roboto"/>
-                <a:ea typeface="Roboto"/>
-                <a:cs typeface="Roboto"/>
-                <a:sym typeface="Roboto"/>
-              </a:rPr>
-              <a:t>Right Now :</a:t>
+            <a:pPr indent="-228600" lvl="0" marL="457200" rtl="0">
+              <a:spcBef>
+                <a:spcPts val="0"/>
+              </a:spcBef>
+            </a:pPr>
+            <a:r>
+              <a:rPr lang="en"/>
+              <a:t>Study the source code (</a:t>
+            </a:r>
+            <a:r>
+              <a:rPr b="1" lang="en"/>
+              <a:t>~26.03)</a:t>
+            </a:r>
+          </a:p>
+          <a:p>
+            <a:pPr indent="-228600" lvl="0" marL="457200" rtl="0">
+              <a:spcBef>
+                <a:spcPts val="0"/>
+              </a:spcBef>
+            </a:pPr>
+            <a:r>
+              <a:rPr lang="en"/>
+              <a:t>Remove unneeded code from Tomcat Native (</a:t>
+            </a:r>
+            <a:r>
+              <a:rPr b="1" lang="en"/>
+              <a:t>~10.04)</a:t>
+            </a:r>
+          </a:p>
+          <a:p>
+            <a:pPr indent="-228600" lvl="0" marL="457200" rtl="0">
+              <a:spcBef>
+                <a:spcPts val="0"/>
+              </a:spcBef>
+            </a:pPr>
+            <a:r>
+              <a:rPr lang="en"/>
+              <a:t>Modify Tomcat Native (</a:t>
+            </a:r>
+            <a:r>
+              <a:rPr b="1" lang="en"/>
+              <a:t>~08.05</a:t>
+            </a:r>
+            <a:r>
+              <a:rPr lang="en"/>
+              <a:t>)</a:t>
+            </a:r>
+          </a:p>
+          <a:p>
+            <a:pPr indent="-228600" lvl="1" marL="914400" rtl="0">
+              <a:spcBef>
+                <a:spcPts val="0"/>
+              </a:spcBef>
+            </a:pPr>
+            <a:r>
+              <a:rPr lang="en"/>
+              <a:t>Make it compatible with Undertow </a:t>
+            </a:r>
+          </a:p>
+          <a:p>
+            <a:pPr indent="-228600" lvl="1" marL="914400" rtl="0">
+              <a:spcBef>
+                <a:spcPts val="0"/>
+              </a:spcBef>
+            </a:pPr>
+            <a:r>
+              <a:rPr lang="en"/>
+              <a:t>Keep compatibility with Tomcat </a:t>
+            </a:r>
+          </a:p>
+          <a:p>
+            <a:pPr indent="-228600" lvl="0" marL="457200" rtl="0">
+              <a:spcBef>
+                <a:spcPts val="0"/>
+              </a:spcBef>
+            </a:pPr>
+            <a:r>
+              <a:rPr lang="en"/>
+              <a:t>Run Benchmarks in Red Hat to test performance (Possibly done by Red Hat) (</a:t>
+            </a:r>
+            <a:r>
+              <a:rPr b="1" lang="en"/>
+              <a:t>~15.05)</a:t>
+            </a:r>
+          </a:p>
+          <a:p>
+            <a:pPr indent="-228600" lvl="0" marL="457200" rtl="0">
+              <a:spcBef>
+                <a:spcPts val="0"/>
+              </a:spcBef>
+            </a:pPr>
+            <a:r>
+              <a:rPr lang="en"/>
+              <a:t>Implement JNI calls to make more OpenSSL features available in Tomcat Native (</a:t>
+            </a:r>
+            <a:r>
+              <a:rPr b="1" lang="en"/>
+              <a:t>~29.05)</a:t>
             </a:r>
           </a:p>
         </p:txBody>
@@ -6640,7 +6168,7 @@
   <p:cSld>
     <p:spTree>
       <p:nvGrpSpPr>
-        <p:cNvPr id="141" name="Shape 141"/>
+        <p:cNvPr id="142" name="Shape 142"/>
         <p:cNvGrpSpPr/>
         <p:nvPr/>
       </p:nvGrpSpPr>
@@ -6654,7 +6182,7 @@
       </p:grpSpPr>
       <p:sp>
         <p:nvSpPr>
-          <p:cNvPr id="142" name="Shape 142"/>
+          <p:cNvPr id="143" name="Shape 143"/>
           <p:cNvSpPr txBox="1"/>
           <p:nvPr>
             <p:ph type="title"/>
@@ -6683,303 +6211,113 @@
             </a:pPr>
             <a:r>
               <a:rPr lang="en"/>
-              <a:t>Project Goals (2)</a:t>
-            </a:r>
-          </a:p>
-        </p:txBody>
-      </p:sp>
-      <p:sp>
-        <p:nvSpPr>
-          <p:cNvPr id="143" name="Shape 143"/>
-          <p:cNvSpPr/>
-          <p:nvPr/>
-        </p:nvSpPr>
-        <p:spPr>
-          <a:xfrm>
-            <a:off x="5021862" y="2505825"/>
-            <a:ext cx="1736400" cy="648300"/>
-          </a:xfrm>
-          <a:prstGeom prst="rect">
-            <a:avLst/>
-          </a:prstGeom>
-          <a:solidFill>
-            <a:schemeClr val="accent5"/>
-          </a:solidFill>
-          <a:ln>
-            <a:noFill/>
-          </a:ln>
-        </p:spPr>
-        <p:txBody>
-          <a:bodyPr anchorCtr="0" anchor="ctr" bIns="91425" lIns="91425" rIns="91425" tIns="91425">
+              <a:t>Challenges</a:t>
+            </a:r>
+          </a:p>
+        </p:txBody>
+      </p:sp>
+      <p:sp>
+        <p:nvSpPr>
+          <p:cNvPr id="144" name="Shape 144"/>
+          <p:cNvSpPr txBox="1"/>
+          <p:nvPr>
+            <p:ph idx="1" type="body"/>
+          </p:nvPr>
+        </p:nvSpPr>
+        <p:spPr>
+          <a:xfrm>
+            <a:off x="471900" y="1919075"/>
+            <a:ext cx="8222100" cy="2710200"/>
+          </a:xfrm>
+          <a:prstGeom prst="rect">
+            <a:avLst/>
+          </a:prstGeom>
+        </p:spPr>
+        <p:txBody>
+          <a:bodyPr anchorCtr="0" anchor="t" bIns="91425" lIns="91425" rIns="91425" tIns="91425">
             <a:noAutofit/>
           </a:bodyPr>
           <a:lstStyle/>
           <a:p>
-            <a:pPr lvl="0" rtl="0" algn="ctr">
-              <a:spcBef>
-                <a:spcPts val="0"/>
-              </a:spcBef>
-              <a:buNone/>
-            </a:pPr>
-            <a:r>
-              <a:rPr lang="en">
-                <a:solidFill>
-                  <a:schemeClr val="lt1"/>
-                </a:solidFill>
-              </a:rPr>
-              <a:t>Undertow</a:t>
-            </a:r>
-          </a:p>
-        </p:txBody>
-      </p:sp>
-      <p:sp>
-        <p:nvSpPr>
-          <p:cNvPr id="144" name="Shape 144"/>
-          <p:cNvSpPr/>
-          <p:nvPr/>
-        </p:nvSpPr>
-        <p:spPr>
-          <a:xfrm>
-            <a:off x="2407637" y="2505825"/>
-            <a:ext cx="1736400" cy="648300"/>
-          </a:xfrm>
-          <a:prstGeom prst="rect">
-            <a:avLst/>
-          </a:prstGeom>
-          <a:solidFill>
-            <a:schemeClr val="accent5"/>
-          </a:solidFill>
-          <a:ln>
-            <a:noFill/>
-          </a:ln>
-        </p:spPr>
-        <p:txBody>
-          <a:bodyPr anchorCtr="0" anchor="ctr" bIns="91425" lIns="91425" rIns="91425" tIns="91425">
-            <a:noAutofit/>
-          </a:bodyPr>
-          <a:lstStyle/>
-          <a:p>
-            <a:pPr lvl="0" rtl="0" algn="ctr">
-              <a:spcBef>
-                <a:spcPts val="0"/>
-              </a:spcBef>
-              <a:buNone/>
-            </a:pPr>
-            <a:r>
-              <a:rPr lang="en">
-                <a:solidFill>
-                  <a:schemeClr val="lt1"/>
-                </a:solidFill>
-              </a:rPr>
-              <a:t>Tomcat</a:t>
-            </a:r>
-          </a:p>
-        </p:txBody>
-      </p:sp>
-      <p:sp>
-        <p:nvSpPr>
-          <p:cNvPr id="145" name="Shape 145"/>
-          <p:cNvSpPr/>
-          <p:nvPr/>
-        </p:nvSpPr>
-        <p:spPr>
-          <a:xfrm>
-            <a:off x="2407637" y="3878750"/>
-            <a:ext cx="1736400" cy="648300"/>
-          </a:xfrm>
-          <a:prstGeom prst="rect">
-            <a:avLst/>
-          </a:prstGeom>
-          <a:solidFill>
-            <a:schemeClr val="accent1"/>
-          </a:solidFill>
-          <a:ln>
-            <a:noFill/>
-          </a:ln>
-        </p:spPr>
-        <p:txBody>
-          <a:bodyPr anchorCtr="0" anchor="ctr" bIns="91425" lIns="91425" rIns="91425" tIns="91425">
-            <a:noAutofit/>
-          </a:bodyPr>
-          <a:lstStyle/>
-          <a:p>
-            <a:pPr lvl="0" rtl="0" algn="ctr">
-              <a:spcBef>
-                <a:spcPts val="0"/>
-              </a:spcBef>
-              <a:buNone/>
-            </a:pPr>
-            <a:r>
-              <a:rPr lang="en">
-                <a:solidFill>
-                  <a:schemeClr val="lt1"/>
-                </a:solidFill>
-              </a:rPr>
-              <a:t>Subset of tc-native</a:t>
-            </a:r>
-          </a:p>
-        </p:txBody>
-      </p:sp>
-      <p:sp>
-        <p:nvSpPr>
-          <p:cNvPr id="146" name="Shape 146"/>
-          <p:cNvSpPr/>
-          <p:nvPr/>
-        </p:nvSpPr>
-        <p:spPr>
-          <a:xfrm>
-            <a:off x="5021862" y="3878750"/>
-            <a:ext cx="1736400" cy="648300"/>
-          </a:xfrm>
-          <a:prstGeom prst="rect">
-            <a:avLst/>
-          </a:prstGeom>
-          <a:solidFill>
-            <a:schemeClr val="accent1"/>
-          </a:solidFill>
-          <a:ln>
-            <a:noFill/>
-          </a:ln>
-        </p:spPr>
-        <p:txBody>
-          <a:bodyPr anchorCtr="0" anchor="ctr" bIns="91425" lIns="91425" rIns="91425" tIns="91425">
-            <a:noAutofit/>
-          </a:bodyPr>
-          <a:lstStyle/>
-          <a:p>
-            <a:pPr lvl="0" rtl="0" algn="ctr">
-              <a:spcBef>
-                <a:spcPts val="0"/>
-              </a:spcBef>
-              <a:buNone/>
-            </a:pPr>
-            <a:r>
-              <a:rPr lang="en">
-                <a:solidFill>
-                  <a:schemeClr val="lt1"/>
-                </a:solidFill>
-              </a:rPr>
-              <a:t>JSSE</a:t>
-            </a:r>
-          </a:p>
-        </p:txBody>
-      </p:sp>
-      <p:cxnSp>
-        <p:nvCxnSpPr>
-          <p:cNvPr id="147" name="Shape 147"/>
-          <p:cNvCxnSpPr>
-            <a:stCxn id="146" idx="0"/>
-            <a:endCxn id="143" idx="2"/>
-          </p:cNvCxnSpPr>
-          <p:nvPr/>
-        </p:nvCxnSpPr>
-        <p:spPr>
-          <a:xfrm rot="10800000">
-            <a:off x="5890062" y="3154250"/>
-            <a:ext cx="0" cy="724500"/>
-          </a:xfrm>
-          <a:prstGeom prst="straightConnector1">
-            <a:avLst/>
-          </a:prstGeom>
-          <a:noFill/>
-          <a:ln cap="flat" cmpd="sng" w="9525">
-            <a:solidFill>
-              <a:schemeClr val="dk2"/>
-            </a:solidFill>
-            <a:prstDash val="solid"/>
-            <a:round/>
-            <a:headEnd len="lg" w="lg" type="none"/>
-            <a:tailEnd len="lg" w="lg" type="triangle"/>
-          </a:ln>
-        </p:spPr>
-      </p:cxnSp>
-      <p:cxnSp>
-        <p:nvCxnSpPr>
-          <p:cNvPr id="148" name="Shape 148"/>
-          <p:cNvCxnSpPr>
-            <a:stCxn id="146" idx="0"/>
-            <a:endCxn id="144" idx="2"/>
-          </p:cNvCxnSpPr>
-          <p:nvPr/>
-        </p:nvCxnSpPr>
-        <p:spPr>
-          <a:xfrm rot="10800000">
-            <a:off x="3275862" y="3154250"/>
-            <a:ext cx="2614200" cy="724500"/>
-          </a:xfrm>
-          <a:prstGeom prst="straightConnector1">
-            <a:avLst/>
-          </a:prstGeom>
-          <a:noFill/>
-          <a:ln cap="flat" cmpd="sng" w="9525">
-            <a:solidFill>
-              <a:schemeClr val="dk2"/>
-            </a:solidFill>
-            <a:prstDash val="solid"/>
-            <a:round/>
-            <a:headEnd len="lg" w="lg" type="none"/>
-            <a:tailEnd len="lg" w="lg" type="triangle"/>
-          </a:ln>
-        </p:spPr>
-      </p:cxnSp>
-      <p:cxnSp>
-        <p:nvCxnSpPr>
-          <p:cNvPr id="149" name="Shape 149"/>
-          <p:cNvCxnSpPr>
-            <a:stCxn id="145" idx="0"/>
-            <a:endCxn id="144" idx="2"/>
-          </p:cNvCxnSpPr>
-          <p:nvPr/>
-        </p:nvCxnSpPr>
-        <p:spPr>
-          <a:xfrm rot="10800000">
-            <a:off x="3275837" y="3154250"/>
-            <a:ext cx="0" cy="724500"/>
-          </a:xfrm>
-          <a:prstGeom prst="straightConnector1">
-            <a:avLst/>
-          </a:prstGeom>
-          <a:noFill/>
-          <a:ln cap="flat" cmpd="sng" w="9525">
-            <a:solidFill>
-              <a:schemeClr val="dk2"/>
-            </a:solidFill>
-            <a:prstDash val="solid"/>
-            <a:round/>
-            <a:headEnd len="lg" w="lg" type="none"/>
-            <a:tailEnd len="lg" w="lg" type="triangle"/>
-          </a:ln>
-        </p:spPr>
-      </p:cxnSp>
-      <p:cxnSp>
-        <p:nvCxnSpPr>
-          <p:cNvPr id="150" name="Shape 150"/>
-          <p:cNvCxnSpPr>
-            <a:stCxn id="145" idx="0"/>
-            <a:endCxn id="143" idx="2"/>
-          </p:cNvCxnSpPr>
-          <p:nvPr/>
-        </p:nvCxnSpPr>
-        <p:spPr>
-          <a:xfrm flipH="1" rot="10800000">
-            <a:off x="3275837" y="3154250"/>
-            <a:ext cx="2614200" cy="724500"/>
-          </a:xfrm>
-          <a:prstGeom prst="straightConnector1">
-            <a:avLst/>
-          </a:prstGeom>
-          <a:noFill/>
-          <a:ln cap="flat" cmpd="sng" w="28575">
-            <a:solidFill>
-              <a:schemeClr val="accent6"/>
-            </a:solidFill>
-            <a:prstDash val="solid"/>
-            <a:round/>
-            <a:headEnd len="lg" w="lg" type="none"/>
-            <a:tailEnd len="lg" w="lg" type="triangle"/>
-          </a:ln>
-        </p:spPr>
-      </p:cxnSp>
+            <a:pPr lvl="0" rtl="0">
+              <a:spcBef>
+                <a:spcPts val="0"/>
+              </a:spcBef>
+              <a:buNone/>
+            </a:pPr>
+            <a:r>
+              <a:rPr lang="en"/>
+              <a:t>The main challenges of this project will be :</a:t>
+            </a:r>
+          </a:p>
+          <a:p>
+            <a:pPr indent="-228600" lvl="0" marL="914400" rtl="0">
+              <a:spcBef>
+                <a:spcPts val="0"/>
+              </a:spcBef>
+            </a:pPr>
+            <a:r>
+              <a:rPr lang="en"/>
+              <a:t>Understand the different projects and how they work together </a:t>
+            </a:r>
+          </a:p>
+          <a:p>
+            <a:pPr indent="-228600" lvl="1" marL="1371600" rtl="0">
+              <a:spcBef>
+                <a:spcPts val="0"/>
+              </a:spcBef>
+            </a:pPr>
+            <a:r>
+              <a:rPr lang="en"/>
+              <a:t>Red Hat can help</a:t>
+            </a:r>
+          </a:p>
+          <a:p>
+            <a:pPr indent="-228600" lvl="0" marL="914400" rtl="0">
+              <a:spcBef>
+                <a:spcPts val="0"/>
+              </a:spcBef>
+            </a:pPr>
+            <a:r>
+              <a:rPr lang="en"/>
+              <a:t>Adapt Tomcat Native and Undertow to work with OpenSSL natively</a:t>
+            </a:r>
+          </a:p>
+          <a:p>
+            <a:pPr indent="-228600" lvl="1" marL="1371600" rtl="0">
+              <a:spcBef>
+                <a:spcPts val="0"/>
+              </a:spcBef>
+            </a:pPr>
+            <a:r>
+              <a:rPr lang="en"/>
+              <a:t>Numa’s code as well as Stuart’s code can help</a:t>
+            </a:r>
+          </a:p>
+          <a:p>
+            <a:pPr indent="-228600" lvl="0" marL="914400" rtl="0">
+              <a:spcBef>
+                <a:spcPts val="0"/>
+              </a:spcBef>
+            </a:pPr>
+            <a:r>
+              <a:rPr lang="en"/>
+              <a:t>Adapting Tomcat Native to Undertow might not be the best solution</a:t>
+            </a:r>
+          </a:p>
+          <a:p>
+            <a:pPr indent="-228600" lvl="1" marL="1371600" rtl="0">
+              <a:spcBef>
+                <a:spcPts val="0"/>
+              </a:spcBef>
+            </a:pPr>
+            <a:r>
+              <a:rPr lang="en"/>
+              <a:t>Starting from current ssl experiments for Undertow could be easier</a:t>
+            </a:r>
+          </a:p>
+        </p:txBody>
+      </p:sp>
     </p:spTree>
   </p:cSld>
   <p:clrMapOvr>
@@ -6996,7 +6334,7 @@
   <p:cSld>
     <p:spTree>
       <p:nvGrpSpPr>
-        <p:cNvPr id="154" name="Shape 154"/>
+        <p:cNvPr id="148" name="Shape 148"/>
         <p:cNvGrpSpPr/>
         <p:nvPr/>
       </p:nvGrpSpPr>
@@ -7010,7 +6348,7 @@
       </p:grpSpPr>
       <p:sp>
         <p:nvSpPr>
-          <p:cNvPr id="155" name="Shape 155"/>
+          <p:cNvPr id="149" name="Shape 149"/>
           <p:cNvSpPr txBox="1"/>
           <p:nvPr>
             <p:ph type="title"/>
@@ -7031,517 +6369,6 @@
           </a:bodyPr>
           <a:lstStyle/>
           <a:p>
-            <a:pPr lvl="0" rtl="0">
-              <a:spcBef>
-                <a:spcPts val="0"/>
-              </a:spcBef>
-              <a:buNone/>
-            </a:pPr>
-            <a:r>
-              <a:rPr lang="en"/>
-              <a:t>Tentative Schedule</a:t>
-            </a:r>
-          </a:p>
-        </p:txBody>
-      </p:sp>
-      <p:sp>
-        <p:nvSpPr>
-          <p:cNvPr id="156" name="Shape 156"/>
-          <p:cNvSpPr txBox="1"/>
-          <p:nvPr>
-            <p:ph idx="1" type="body"/>
-          </p:nvPr>
-        </p:nvSpPr>
-        <p:spPr>
-          <a:xfrm>
-            <a:off x="471900" y="1919075"/>
-            <a:ext cx="8222100" cy="2710200"/>
-          </a:xfrm>
-          <a:prstGeom prst="rect">
-            <a:avLst/>
-          </a:prstGeom>
-        </p:spPr>
-        <p:txBody>
-          <a:bodyPr anchorCtr="0" anchor="t" bIns="91425" lIns="91425" rIns="91425" tIns="91425">
-            <a:noAutofit/>
-          </a:bodyPr>
-          <a:lstStyle/>
-          <a:p>
-            <a:pPr indent="-228600" lvl="0" marL="457200" rtl="0">
-              <a:spcBef>
-                <a:spcPts val="0"/>
-              </a:spcBef>
-            </a:pPr>
-            <a:r>
-              <a:rPr lang="en"/>
-              <a:t>Study the source code (</a:t>
-            </a:r>
-            <a:r>
-              <a:rPr b="1" lang="en"/>
-              <a:t>~26.03)</a:t>
-            </a:r>
-          </a:p>
-          <a:p>
-            <a:pPr indent="-228600" lvl="0" marL="457200" rtl="0">
-              <a:spcBef>
-                <a:spcPts val="0"/>
-              </a:spcBef>
-            </a:pPr>
-            <a:r>
-              <a:rPr lang="en"/>
-              <a:t>Remove unneeded code from Tomcat Native (</a:t>
-            </a:r>
-            <a:r>
-              <a:rPr b="1" lang="en"/>
-              <a:t>~10.04)</a:t>
-            </a:r>
-          </a:p>
-          <a:p>
-            <a:pPr indent="-228600" lvl="0" marL="457200" rtl="0">
-              <a:spcBef>
-                <a:spcPts val="0"/>
-              </a:spcBef>
-            </a:pPr>
-            <a:r>
-              <a:rPr lang="en"/>
-              <a:t>Modify Tomcat Native (</a:t>
-            </a:r>
-            <a:r>
-              <a:rPr b="1" lang="en"/>
-              <a:t>~08.05</a:t>
-            </a:r>
-            <a:r>
-              <a:rPr lang="en"/>
-              <a:t>)</a:t>
-            </a:r>
-          </a:p>
-          <a:p>
-            <a:pPr indent="-228600" lvl="1" marL="914400" rtl="0">
-              <a:spcBef>
-                <a:spcPts val="0"/>
-              </a:spcBef>
-            </a:pPr>
-            <a:r>
-              <a:rPr lang="en"/>
-              <a:t>Make it compatible with Undertow </a:t>
-            </a:r>
-          </a:p>
-          <a:p>
-            <a:pPr indent="-228600" lvl="1" marL="914400" rtl="0">
-              <a:spcBef>
-                <a:spcPts val="0"/>
-              </a:spcBef>
-            </a:pPr>
-            <a:r>
-              <a:rPr lang="en"/>
-              <a:t>Keep compatibility with Tomcat </a:t>
-            </a:r>
-          </a:p>
-          <a:p>
-            <a:pPr indent="-228600" lvl="0" marL="457200" rtl="0">
-              <a:spcBef>
-                <a:spcPts val="0"/>
-              </a:spcBef>
-            </a:pPr>
-            <a:r>
-              <a:rPr lang="en"/>
-              <a:t>Run Benchmarks in Red Hat to test performance (Possibly done by Red Hat) (</a:t>
-            </a:r>
-            <a:r>
-              <a:rPr b="1" lang="en"/>
-              <a:t>~15.05)</a:t>
-            </a:r>
-          </a:p>
-          <a:p>
-            <a:pPr indent="-228600" lvl="0" marL="457200" rtl="0">
-              <a:spcBef>
-                <a:spcPts val="0"/>
-              </a:spcBef>
-            </a:pPr>
-            <a:r>
-              <a:rPr lang="en"/>
-              <a:t>Implement JNI calls to make more OpenSSL features available in Tomcat Native (</a:t>
-            </a:r>
-            <a:r>
-              <a:rPr b="1" lang="en"/>
-              <a:t>~29.05)</a:t>
-            </a:r>
-          </a:p>
-        </p:txBody>
-      </p:sp>
-    </p:spTree>
-  </p:cSld>
-  <p:clrMapOvr>
-    <a:masterClrMapping/>
-  </p:clrMapOvr>
-  <p:transition spd="slow">
-    <p:cut/>
-  </p:transition>
-</p:sld>
-</file>
-
-<file path=ppt/slides/slide13.xml><?xml version="1.0" encoding="utf-8"?>
-<p:sld xmlns:a="http://schemas.openxmlformats.org/drawingml/2006/main" xmlns:r="http://schemas.openxmlformats.org/officeDocument/2006/relationships" xmlns:mc="http://schemas.openxmlformats.org/markup-compatibility/2006" xmlns:mv="urn:schemas-microsoft-com:mac:vml" xmlns:p="http://schemas.openxmlformats.org/presentationml/2006/main" xmlns:c="http://schemas.openxmlformats.org/drawingml/2006/chart" xmlns:dgm="http://schemas.openxmlformats.org/drawingml/2006/diagram" xmlns:o="urn:schemas-microsoft-com:office:office" xmlns:v="urn:schemas-microsoft-com:vml" xmlns:pvml="urn:schemas-microsoft-com:office:powerpoint" xmlns:com="http://schemas.openxmlformats.org/drawingml/2006/compatibility" xmlns:p14="http://schemas.microsoft.com/office/powerpoint/2010/main">
-  <p:cSld>
-    <p:spTree>
-      <p:nvGrpSpPr>
-        <p:cNvPr id="160" name="Shape 160"/>
-        <p:cNvGrpSpPr/>
-        <p:nvPr/>
-      </p:nvGrpSpPr>
-      <p:grpSpPr>
-        <a:xfrm>
-          <a:off x="0" y="0"/>
-          <a:ext cx="0" cy="0"/>
-          <a:chOff x="0" y="0"/>
-          <a:chExt cx="0" cy="0"/>
-        </a:xfrm>
-      </p:grpSpPr>
-      <p:sp>
-        <p:nvSpPr>
-          <p:cNvPr id="161" name="Shape 161"/>
-          <p:cNvSpPr txBox="1"/>
-          <p:nvPr>
-            <p:ph type="title"/>
-          </p:nvPr>
-        </p:nvSpPr>
-        <p:spPr>
-          <a:xfrm>
-            <a:off x="471900" y="738725"/>
-            <a:ext cx="8222100" cy="767700"/>
-          </a:xfrm>
-          <a:prstGeom prst="rect">
-            <a:avLst/>
-          </a:prstGeom>
-        </p:spPr>
-        <p:txBody>
-          <a:bodyPr anchorCtr="0" anchor="b" bIns="91425" lIns="91425" rIns="91425" tIns="91425">
-            <a:noAutofit/>
-          </a:bodyPr>
-          <a:lstStyle/>
-          <a:p>
-            <a:pPr lvl="0" rtl="0">
-              <a:spcBef>
-                <a:spcPts val="0"/>
-              </a:spcBef>
-              <a:buNone/>
-            </a:pPr>
-            <a:r>
-              <a:rPr lang="en"/>
-              <a:t>Motivations (1)</a:t>
-            </a:r>
-          </a:p>
-        </p:txBody>
-      </p:sp>
-      <p:sp>
-        <p:nvSpPr>
-          <p:cNvPr id="162" name="Shape 162"/>
-          <p:cNvSpPr txBox="1"/>
-          <p:nvPr>
-            <p:ph idx="1" type="body"/>
-          </p:nvPr>
-        </p:nvSpPr>
-        <p:spPr>
-          <a:xfrm>
-            <a:off x="471900" y="1919075"/>
-            <a:ext cx="8222100" cy="2710200"/>
-          </a:xfrm>
-          <a:prstGeom prst="rect">
-            <a:avLst/>
-          </a:prstGeom>
-        </p:spPr>
-        <p:txBody>
-          <a:bodyPr anchorCtr="0" anchor="t" bIns="91425" lIns="91425" rIns="91425" tIns="91425">
-            <a:noAutofit/>
-          </a:bodyPr>
-          <a:lstStyle/>
-          <a:p>
-            <a:pPr indent="-228600" lvl="0" marL="457200" rtl="0">
-              <a:spcBef>
-                <a:spcPts val="0"/>
-              </a:spcBef>
-            </a:pPr>
-            <a:r>
-              <a:rPr lang="en"/>
-              <a:t>Tomcat Native has JNI interfaces for most of the APR APIs</a:t>
-            </a:r>
-          </a:p>
-          <a:p>
-            <a:pPr indent="-228600" lvl="1" marL="914400" rtl="0">
-              <a:spcBef>
-                <a:spcPts val="0"/>
-              </a:spcBef>
-            </a:pPr>
-            <a:r>
-              <a:rPr lang="en"/>
-              <a:t>We only want a subset that focuses on OpenSSL</a:t>
-            </a:r>
-          </a:p>
-          <a:p>
-            <a:pPr indent="-228600" lvl="0" marL="457200" rtl="0">
-              <a:spcBef>
-                <a:spcPts val="0"/>
-              </a:spcBef>
-            </a:pPr>
-            <a:r>
-              <a:rPr lang="en"/>
-              <a:t>Undertow is using JSSE which performs poorly</a:t>
-            </a:r>
-          </a:p>
-          <a:p>
-            <a:pPr indent="-228600" lvl="0" marL="457200" rtl="0">
-              <a:spcBef>
-                <a:spcPts val="0"/>
-              </a:spcBef>
-            </a:pPr>
-            <a:r>
-              <a:rPr lang="en"/>
-              <a:t>OpenSSL is efficient, active and cross-platform</a:t>
-            </a:r>
-          </a:p>
-          <a:p>
-            <a:pPr indent="-228600" lvl="0" marL="457200" rtl="0">
-              <a:spcBef>
-                <a:spcPts val="0"/>
-              </a:spcBef>
-            </a:pPr>
-            <a:r>
-              <a:rPr lang="en"/>
-              <a:t>Ability to use Tomcat with OpenSSL without loading APR</a:t>
-            </a:r>
-          </a:p>
-          <a:p>
-            <a:pPr lvl="0" rtl="0">
-              <a:spcBef>
-                <a:spcPts val="0"/>
-              </a:spcBef>
-              <a:buNone/>
-            </a:pPr>
-            <a:r>
-              <a:rPr lang="en"/>
-              <a:t>Using Undertow directly with OpenSSL should perform better and be easier to maintain</a:t>
-            </a:r>
-          </a:p>
-          <a:p>
-            <a:pPr lvl="0" rtl="0">
-              <a:spcBef>
-                <a:spcPts val="0"/>
-              </a:spcBef>
-              <a:buNone/>
-            </a:pPr>
-            <a:r>
-              <a:t/>
-            </a:r>
-            <a:endParaRPr/>
-          </a:p>
-        </p:txBody>
-      </p:sp>
-    </p:spTree>
-  </p:cSld>
-  <p:clrMapOvr>
-    <a:masterClrMapping/>
-  </p:clrMapOvr>
-  <p:transition spd="slow">
-    <p:cut/>
-  </p:transition>
-</p:sld>
-</file>
-
-<file path=ppt/slides/slide14.xml><?xml version="1.0" encoding="utf-8"?>
-<p:sld xmlns:a="http://schemas.openxmlformats.org/drawingml/2006/main" xmlns:r="http://schemas.openxmlformats.org/officeDocument/2006/relationships" xmlns:mc="http://schemas.openxmlformats.org/markup-compatibility/2006" xmlns:mv="urn:schemas-microsoft-com:mac:vml" xmlns:p="http://schemas.openxmlformats.org/presentationml/2006/main" xmlns:c="http://schemas.openxmlformats.org/drawingml/2006/chart" xmlns:dgm="http://schemas.openxmlformats.org/drawingml/2006/diagram" xmlns:o="urn:schemas-microsoft-com:office:office" xmlns:v="urn:schemas-microsoft-com:vml" xmlns:pvml="urn:schemas-microsoft-com:office:powerpoint" xmlns:com="http://schemas.openxmlformats.org/drawingml/2006/compatibility" xmlns:p14="http://schemas.microsoft.com/office/powerpoint/2010/main">
-  <p:cSld>
-    <p:spTree>
-      <p:nvGrpSpPr>
-        <p:cNvPr id="166" name="Shape 166"/>
-        <p:cNvGrpSpPr/>
-        <p:nvPr/>
-      </p:nvGrpSpPr>
-      <p:grpSpPr>
-        <a:xfrm>
-          <a:off x="0" y="0"/>
-          <a:ext cx="0" cy="0"/>
-          <a:chOff x="0" y="0"/>
-          <a:chExt cx="0" cy="0"/>
-        </a:xfrm>
-      </p:grpSpPr>
-      <p:sp>
-        <p:nvSpPr>
-          <p:cNvPr id="167" name="Shape 167"/>
-          <p:cNvSpPr txBox="1"/>
-          <p:nvPr>
-            <p:ph type="title"/>
-          </p:nvPr>
-        </p:nvSpPr>
-        <p:spPr>
-          <a:xfrm>
-            <a:off x="471900" y="738725"/>
-            <a:ext cx="8222100" cy="767700"/>
-          </a:xfrm>
-          <a:prstGeom prst="rect">
-            <a:avLst/>
-          </a:prstGeom>
-        </p:spPr>
-        <p:txBody>
-          <a:bodyPr anchorCtr="0" anchor="b" bIns="91425" lIns="91425" rIns="91425" tIns="91425">
-            <a:noAutofit/>
-          </a:bodyPr>
-          <a:lstStyle/>
-          <a:p>
-            <a:pPr lvl="0" rtl="0">
-              <a:spcBef>
-                <a:spcPts val="0"/>
-              </a:spcBef>
-              <a:buNone/>
-            </a:pPr>
-            <a:r>
-              <a:rPr lang="en"/>
-              <a:t>Challenges</a:t>
-            </a:r>
-          </a:p>
-        </p:txBody>
-      </p:sp>
-      <p:sp>
-        <p:nvSpPr>
-          <p:cNvPr id="168" name="Shape 168"/>
-          <p:cNvSpPr txBox="1"/>
-          <p:nvPr>
-            <p:ph idx="1" type="body"/>
-          </p:nvPr>
-        </p:nvSpPr>
-        <p:spPr>
-          <a:xfrm>
-            <a:off x="471900" y="1919075"/>
-            <a:ext cx="8222100" cy="2710200"/>
-          </a:xfrm>
-          <a:prstGeom prst="rect">
-            <a:avLst/>
-          </a:prstGeom>
-        </p:spPr>
-        <p:txBody>
-          <a:bodyPr anchorCtr="0" anchor="t" bIns="91425" lIns="91425" rIns="91425" tIns="91425">
-            <a:noAutofit/>
-          </a:bodyPr>
-          <a:lstStyle/>
-          <a:p>
-            <a:pPr lvl="0" rtl="0">
-              <a:spcBef>
-                <a:spcPts val="0"/>
-              </a:spcBef>
-              <a:buNone/>
-            </a:pPr>
-            <a:r>
-              <a:rPr lang="en"/>
-              <a:t>The main challenges of this project will be :</a:t>
-            </a:r>
-          </a:p>
-          <a:p>
-            <a:pPr indent="-228600" lvl="0" marL="914400" rtl="0">
-              <a:spcBef>
-                <a:spcPts val="0"/>
-              </a:spcBef>
-            </a:pPr>
-            <a:r>
-              <a:rPr lang="en"/>
-              <a:t>Understand the different projects and how they work together </a:t>
-            </a:r>
-          </a:p>
-          <a:p>
-            <a:pPr indent="-228600" lvl="1" marL="1371600" rtl="0">
-              <a:spcBef>
-                <a:spcPts val="0"/>
-              </a:spcBef>
-            </a:pPr>
-            <a:r>
-              <a:rPr lang="en"/>
-              <a:t>Red Hat can help</a:t>
-            </a:r>
-          </a:p>
-          <a:p>
-            <a:pPr indent="-228600" lvl="0" marL="914400" rtl="0">
-              <a:spcBef>
-                <a:spcPts val="0"/>
-              </a:spcBef>
-            </a:pPr>
-            <a:r>
-              <a:rPr lang="en"/>
-              <a:t>Adapt Tomcat Native and Undertow to work with OpenSSL natively</a:t>
-            </a:r>
-          </a:p>
-          <a:p>
-            <a:pPr indent="-228600" lvl="1" marL="1371600" rtl="0">
-              <a:spcBef>
-                <a:spcPts val="0"/>
-              </a:spcBef>
-            </a:pPr>
-            <a:r>
-              <a:rPr lang="en"/>
-              <a:t>Numa’s code as well as Stuart’s code can help</a:t>
-            </a:r>
-          </a:p>
-          <a:p>
-            <a:pPr indent="-228600" lvl="0" marL="914400" rtl="0">
-              <a:spcBef>
-                <a:spcPts val="0"/>
-              </a:spcBef>
-            </a:pPr>
-            <a:r>
-              <a:rPr lang="en"/>
-              <a:t>Adapting Tomcat Native to Undertow might not be the best solution</a:t>
-            </a:r>
-          </a:p>
-        </p:txBody>
-      </p:sp>
-    </p:spTree>
-  </p:cSld>
-  <p:clrMapOvr>
-    <a:masterClrMapping/>
-  </p:clrMapOvr>
-  <p:transition spd="slow">
-    <p:cut/>
-  </p:transition>
-</p:sld>
-</file>
-
-<file path=ppt/slides/slide15.xml><?xml version="1.0" encoding="utf-8"?>
-<p:sld xmlns:a="http://schemas.openxmlformats.org/drawingml/2006/main" xmlns:r="http://schemas.openxmlformats.org/officeDocument/2006/relationships" xmlns:mc="http://schemas.openxmlformats.org/markup-compatibility/2006" xmlns:mv="urn:schemas-microsoft-com:mac:vml" xmlns:p="http://schemas.openxmlformats.org/presentationml/2006/main" xmlns:c="http://schemas.openxmlformats.org/drawingml/2006/chart" xmlns:dgm="http://schemas.openxmlformats.org/drawingml/2006/diagram" xmlns:o="urn:schemas-microsoft-com:office:office" xmlns:v="urn:schemas-microsoft-com:vml" xmlns:pvml="urn:schemas-microsoft-com:office:powerpoint" xmlns:com="http://schemas.openxmlformats.org/drawingml/2006/compatibility" xmlns:p14="http://schemas.microsoft.com/office/powerpoint/2010/main">
-  <p:cSld>
-    <p:spTree>
-      <p:nvGrpSpPr>
-        <p:cNvPr id="172" name="Shape 172"/>
-        <p:cNvGrpSpPr/>
-        <p:nvPr/>
-      </p:nvGrpSpPr>
-      <p:grpSpPr>
-        <a:xfrm>
-          <a:off x="0" y="0"/>
-          <a:ext cx="0" cy="0"/>
-          <a:chOff x="0" y="0"/>
-          <a:chExt cx="0" cy="0"/>
-        </a:xfrm>
-      </p:grpSpPr>
-      <p:sp>
-        <p:nvSpPr>
-          <p:cNvPr id="173" name="Shape 173"/>
-          <p:cNvSpPr txBox="1"/>
-          <p:nvPr>
-            <p:ph type="title"/>
-          </p:nvPr>
-        </p:nvSpPr>
-        <p:spPr>
-          <a:xfrm>
-            <a:off x="471900" y="738725"/>
-            <a:ext cx="8222100" cy="767700"/>
-          </a:xfrm>
-          <a:prstGeom prst="rect">
-            <a:avLst/>
-          </a:prstGeom>
-        </p:spPr>
-        <p:txBody>
-          <a:bodyPr anchorCtr="0" anchor="b" bIns="91425" lIns="91425" rIns="91425" tIns="91425">
-            <a:noAutofit/>
-          </a:bodyPr>
-          <a:lstStyle/>
-          <a:p>
             <a:pPr lvl="0">
               <a:spcBef>
                 <a:spcPts val="0"/>
@@ -7557,7 +6384,7 @@
       </p:sp>
       <p:pic>
         <p:nvPicPr>
-          <p:cNvPr id="174" name="Shape 174"/>
+          <p:cNvPr id="150" name="Shape 150"/>
           <p:cNvPicPr preferRelativeResize="0"/>
           <p:nvPr/>
         </p:nvPicPr>
@@ -7699,28 +6526,6 @@
             </a:pPr>
             <a:r>
               <a:rPr lang="en"/>
-              <a:t>SSL/TLS protocol</a:t>
-            </a:r>
-          </a:p>
-          <a:p>
-            <a:pPr indent="-228600" lvl="0" marL="457200" rtl="0">
-              <a:spcBef>
-                <a:spcPts val="0"/>
-              </a:spcBef>
-            </a:pPr>
-            <a:r>
-              <a:rPr lang="en"/>
-              <a:t>OpenSSL</a:t>
-            </a:r>
-          </a:p>
-          <a:p>
-            <a:pPr indent="-228600" lvl="0" marL="457200" rtl="0">
-              <a:spcBef>
-                <a:spcPts val="0"/>
-              </a:spcBef>
-            </a:pPr>
-            <a:r>
-              <a:rPr lang="en"/>
               <a:t>SSL encryption with Undertow</a:t>
             </a:r>
           </a:p>
@@ -7754,7 +6559,7 @@
             </a:pPr>
             <a:r>
               <a:rPr lang="en"/>
-              <a:t>Conclusion</a:t>
+              <a:t>Challenges</a:t>
             </a:r>
           </a:p>
         </p:txBody>
@@ -7991,7 +6796,7 @@
             </a:pPr>
             <a:r>
               <a:rPr lang="en"/>
-              <a:t>Tomcat Native</a:t>
+              <a:t>SSL Encryption with Undertow</a:t>
             </a:r>
           </a:p>
         </p:txBody>
@@ -8019,6 +6824,44 @@
           </a:bodyPr>
           <a:lstStyle/>
           <a:p>
+            <a:pPr indent="-228600" lvl="0" marL="457200" rtl="0">
+              <a:spcBef>
+                <a:spcPts val="0"/>
+              </a:spcBef>
+            </a:pPr>
+            <a:r>
+              <a:rPr lang="en"/>
+              <a:t>Undertow is using </a:t>
+            </a:r>
+            <a:r>
+              <a:rPr b="1" lang="en"/>
+              <a:t>JSSE </a:t>
+            </a:r>
+            <a:r>
+              <a:rPr lang="en"/>
+              <a:t>SSL Engine for SSL/TLS  </a:t>
+            </a:r>
+          </a:p>
+          <a:p>
+            <a:pPr indent="-228600" lvl="0" marL="457200" rtl="0">
+              <a:spcBef>
+                <a:spcPts val="0"/>
+              </a:spcBef>
+            </a:pPr>
+            <a:r>
+              <a:rPr lang="en"/>
+              <a:t>Some work done to use OpenSSL Engine via </a:t>
+            </a:r>
+            <a:r>
+              <a:rPr b="1" lang="en"/>
+              <a:t>JSSE</a:t>
+            </a:r>
+            <a:r>
+              <a:rPr lang="en"/>
+              <a:t> API (namely sockets)</a:t>
+            </a:r>
+          </a:p>
+          <a:p>
             <a:pPr lvl="0" rtl="0">
               <a:spcBef>
                 <a:spcPts val="0"/>
@@ -8026,53 +6869,9 @@
               <a:buNone/>
             </a:pPr>
             <a:r>
-              <a:rPr lang="en"/>
-              <a:t>“An optional component for use with Apache Tomcat“</a:t>
-            </a:r>
-          </a:p>
-          <a:p>
-            <a:pPr indent="-228600" lvl="0" marL="914400" rtl="0">
-              <a:spcBef>
-                <a:spcPts val="0"/>
-              </a:spcBef>
-            </a:pPr>
-            <a:r>
-              <a:rPr lang="en"/>
-              <a:t>Better performance and compatibility with OS</a:t>
-            </a:r>
-          </a:p>
-          <a:p>
-            <a:pPr indent="-228600" lvl="0" marL="914400" rtl="0">
-              <a:spcBef>
-                <a:spcPts val="0"/>
-              </a:spcBef>
-            </a:pPr>
-            <a:r>
-              <a:rPr lang="en"/>
-              <a:t>Access to sockets through Apache Portable Runtime (APR)</a:t>
-            </a:r>
-          </a:p>
-          <a:p>
-            <a:pPr indent="-228600" lvl="0" marL="914400" rtl="0">
-              <a:spcBef>
-                <a:spcPts val="0"/>
-              </a:spcBef>
-            </a:pPr>
-            <a:r>
-              <a:rPr lang="en"/>
-              <a:t>Access to OpenSSL through APR</a:t>
-            </a:r>
-          </a:p>
-          <a:p>
-            <a:pPr indent="-228600" lvl="0" marL="914400" rtl="0">
-              <a:spcBef>
-                <a:spcPts val="0"/>
-              </a:spcBef>
-            </a:pPr>
-            <a:r>
-              <a:rPr lang="en"/>
-              <a:t>Access to OpenSSL through JNI</a:t>
-            </a:r>
+              <a:t/>
+            </a:r>
+            <a:endParaRPr/>
           </a:p>
         </p:txBody>
       </p:sp>
@@ -8143,284 +6942,19 @@
       <p:sp>
         <p:nvSpPr>
           <p:cNvPr id="93" name="Shape 93"/>
-          <p:cNvSpPr/>
-          <p:nvPr/>
-        </p:nvSpPr>
-        <p:spPr>
-          <a:xfrm>
-            <a:off x="5021862" y="2505825"/>
-            <a:ext cx="1736400" cy="648300"/>
-          </a:xfrm>
-          <a:prstGeom prst="rect">
-            <a:avLst/>
-          </a:prstGeom>
-          <a:solidFill>
-            <a:schemeClr val="accent5"/>
-          </a:solidFill>
-          <a:ln>
-            <a:noFill/>
-          </a:ln>
-        </p:spPr>
-        <p:txBody>
-          <a:bodyPr anchorCtr="0" anchor="ctr" bIns="91425" lIns="91425" rIns="91425" tIns="91425">
-            <a:noAutofit/>
-          </a:bodyPr>
-          <a:lstStyle/>
-          <a:p>
-            <a:pPr lvl="0" algn="ctr">
-              <a:spcBef>
-                <a:spcPts val="0"/>
-              </a:spcBef>
-              <a:buNone/>
-            </a:pPr>
-            <a:r>
-              <a:rPr lang="en">
-                <a:solidFill>
-                  <a:schemeClr val="lt1"/>
-                </a:solidFill>
-              </a:rPr>
-              <a:t>Undertow</a:t>
-            </a:r>
-          </a:p>
-        </p:txBody>
-      </p:sp>
-      <p:sp>
-        <p:nvSpPr>
-          <p:cNvPr id="94" name="Shape 94"/>
-          <p:cNvSpPr/>
-          <p:nvPr/>
-        </p:nvSpPr>
-        <p:spPr>
-          <a:xfrm>
-            <a:off x="2407637" y="2505825"/>
-            <a:ext cx="1736400" cy="648300"/>
-          </a:xfrm>
-          <a:prstGeom prst="rect">
-            <a:avLst/>
-          </a:prstGeom>
-          <a:solidFill>
-            <a:schemeClr val="accent5"/>
-          </a:solidFill>
-          <a:ln>
-            <a:noFill/>
-          </a:ln>
-        </p:spPr>
-        <p:txBody>
-          <a:bodyPr anchorCtr="0" anchor="ctr" bIns="91425" lIns="91425" rIns="91425" tIns="91425">
-            <a:noAutofit/>
-          </a:bodyPr>
-          <a:lstStyle/>
-          <a:p>
-            <a:pPr lvl="0" rtl="0" algn="ctr">
-              <a:spcBef>
-                <a:spcPts val="0"/>
-              </a:spcBef>
-              <a:buNone/>
-            </a:pPr>
-            <a:r>
-              <a:rPr lang="en">
-                <a:solidFill>
-                  <a:schemeClr val="lt1"/>
-                </a:solidFill>
-              </a:rPr>
-              <a:t>Tomcat</a:t>
-            </a:r>
-          </a:p>
-        </p:txBody>
-      </p:sp>
-      <p:sp>
-        <p:nvSpPr>
-          <p:cNvPr id="95" name="Shape 95"/>
-          <p:cNvSpPr/>
-          <p:nvPr/>
-        </p:nvSpPr>
-        <p:spPr>
-          <a:xfrm>
-            <a:off x="2407637" y="3878750"/>
-            <a:ext cx="1736400" cy="648300"/>
-          </a:xfrm>
-          <a:prstGeom prst="rect">
-            <a:avLst/>
-          </a:prstGeom>
-          <a:solidFill>
-            <a:schemeClr val="accent1"/>
-          </a:solidFill>
-          <a:ln>
-            <a:noFill/>
-          </a:ln>
-        </p:spPr>
-        <p:txBody>
-          <a:bodyPr anchorCtr="0" anchor="ctr" bIns="91425" lIns="91425" rIns="91425" tIns="91425">
-            <a:noAutofit/>
-          </a:bodyPr>
-          <a:lstStyle/>
-          <a:p>
-            <a:pPr lvl="0" rtl="0" algn="ctr">
-              <a:spcBef>
-                <a:spcPts val="0"/>
-              </a:spcBef>
-              <a:buNone/>
-            </a:pPr>
-            <a:r>
-              <a:rPr lang="en">
-                <a:solidFill>
-                  <a:schemeClr val="lt1"/>
-                </a:solidFill>
-              </a:rPr>
-              <a:t>tc-native</a:t>
-            </a:r>
-          </a:p>
-        </p:txBody>
-      </p:sp>
-      <p:sp>
-        <p:nvSpPr>
-          <p:cNvPr id="96" name="Shape 96"/>
-          <p:cNvSpPr/>
-          <p:nvPr/>
-        </p:nvSpPr>
-        <p:spPr>
-          <a:xfrm>
-            <a:off x="5021862" y="3878750"/>
-            <a:ext cx="1736400" cy="648300"/>
-          </a:xfrm>
-          <a:prstGeom prst="rect">
-            <a:avLst/>
-          </a:prstGeom>
-          <a:solidFill>
-            <a:schemeClr val="accent1"/>
-          </a:solidFill>
-          <a:ln>
-            <a:noFill/>
-          </a:ln>
-        </p:spPr>
-        <p:txBody>
-          <a:bodyPr anchorCtr="0" anchor="ctr" bIns="91425" lIns="91425" rIns="91425" tIns="91425">
-            <a:noAutofit/>
-          </a:bodyPr>
-          <a:lstStyle/>
-          <a:p>
-            <a:pPr lvl="0" rtl="0" algn="ctr">
-              <a:spcBef>
-                <a:spcPts val="0"/>
-              </a:spcBef>
-              <a:buNone/>
-            </a:pPr>
-            <a:r>
-              <a:rPr lang="en">
-                <a:solidFill>
-                  <a:schemeClr val="lt1"/>
-                </a:solidFill>
-              </a:rPr>
-              <a:t>JSSE</a:t>
-            </a:r>
-          </a:p>
-        </p:txBody>
-      </p:sp>
-      <p:cxnSp>
-        <p:nvCxnSpPr>
-          <p:cNvPr id="97" name="Shape 97"/>
-          <p:cNvCxnSpPr>
-            <a:stCxn id="96" idx="0"/>
-            <a:endCxn id="93" idx="2"/>
-          </p:cNvCxnSpPr>
-          <p:nvPr/>
-        </p:nvCxnSpPr>
-        <p:spPr>
-          <a:xfrm rot="10800000">
-            <a:off x="5890062" y="3154250"/>
-            <a:ext cx="0" cy="724500"/>
-          </a:xfrm>
-          <a:prstGeom prst="straightConnector1">
-            <a:avLst/>
-          </a:prstGeom>
-          <a:noFill/>
-          <a:ln cap="flat" cmpd="sng" w="9525">
-            <a:solidFill>
-              <a:schemeClr val="dk2"/>
-            </a:solidFill>
-            <a:prstDash val="solid"/>
-            <a:round/>
-            <a:headEnd len="lg" w="lg" type="none"/>
-            <a:tailEnd len="lg" w="lg" type="triangle"/>
-          </a:ln>
-        </p:spPr>
-      </p:cxnSp>
-      <p:cxnSp>
-        <p:nvCxnSpPr>
-          <p:cNvPr id="98" name="Shape 98"/>
-          <p:cNvCxnSpPr>
-            <a:stCxn id="96" idx="0"/>
-            <a:endCxn id="94" idx="2"/>
-          </p:cNvCxnSpPr>
-          <p:nvPr/>
-        </p:nvCxnSpPr>
-        <p:spPr>
-          <a:xfrm rot="10800000">
-            <a:off x="3275862" y="3154250"/>
-            <a:ext cx="2614200" cy="724500"/>
-          </a:xfrm>
-          <a:prstGeom prst="straightConnector1">
-            <a:avLst/>
-          </a:prstGeom>
-          <a:noFill/>
-          <a:ln cap="flat" cmpd="sng" w="9525">
-            <a:solidFill>
-              <a:schemeClr val="dk2"/>
-            </a:solidFill>
-            <a:prstDash val="solid"/>
-            <a:round/>
-            <a:headEnd len="lg" w="lg" type="none"/>
-            <a:tailEnd len="lg" w="lg" type="triangle"/>
-          </a:ln>
-        </p:spPr>
-      </p:cxnSp>
-      <p:cxnSp>
-        <p:nvCxnSpPr>
-          <p:cNvPr id="99" name="Shape 99"/>
-          <p:cNvCxnSpPr>
-            <a:stCxn id="95" idx="0"/>
-            <a:endCxn id="94" idx="2"/>
-          </p:cNvCxnSpPr>
-          <p:nvPr/>
-        </p:nvCxnSpPr>
-        <p:spPr>
-          <a:xfrm rot="10800000">
-            <a:off x="3275837" y="3154250"/>
-            <a:ext cx="0" cy="724500"/>
-          </a:xfrm>
-          <a:prstGeom prst="straightConnector1">
-            <a:avLst/>
-          </a:prstGeom>
-          <a:noFill/>
-          <a:ln cap="flat" cmpd="sng" w="9525">
-            <a:solidFill>
-              <a:schemeClr val="dk2"/>
-            </a:solidFill>
-            <a:prstDash val="solid"/>
-            <a:round/>
-            <a:headEnd len="lg" w="lg" type="none"/>
-            <a:tailEnd len="lg" w="lg" type="triangle"/>
-          </a:ln>
-        </p:spPr>
-      </p:cxnSp>
-      <p:sp>
-        <p:nvSpPr>
-          <p:cNvPr id="100" name="Shape 100"/>
           <p:cNvSpPr txBox="1"/>
-          <p:nvPr/>
-        </p:nvSpPr>
-        <p:spPr>
-          <a:xfrm>
-            <a:off x="384675" y="1868375"/>
-            <a:ext cx="1538700" cy="738600"/>
-          </a:xfrm>
-          <a:prstGeom prst="rect">
-            <a:avLst/>
-          </a:prstGeom>
-          <a:noFill/>
-          <a:ln>
-            <a:noFill/>
-          </a:ln>
+          <p:nvPr>
+            <p:ph idx="1" type="body"/>
+          </p:nvPr>
+        </p:nvSpPr>
+        <p:spPr>
+          <a:xfrm>
+            <a:off x="471900" y="1919075"/>
+            <a:ext cx="8222100" cy="2710200"/>
+          </a:xfrm>
+          <a:prstGeom prst="rect">
+            <a:avLst/>
+          </a:prstGeom>
         </p:spPr>
         <p:txBody>
           <a:bodyPr anchorCtr="0" anchor="t" bIns="91425" lIns="91425" rIns="91425" tIns="91425">
@@ -8428,23 +6962,59 @@
           </a:bodyPr>
           <a:lstStyle/>
           <a:p>
-            <a:pPr lvl="0">
-              <a:spcBef>
-                <a:spcPts val="0"/>
-              </a:spcBef>
-              <a:buNone/>
-            </a:pPr>
-            <a:r>
-              <a:rPr lang="en" sz="1800">
-                <a:solidFill>
-                  <a:schemeClr val="lt2"/>
-                </a:solidFill>
-                <a:latin typeface="Roboto"/>
-                <a:ea typeface="Roboto"/>
-                <a:cs typeface="Roboto"/>
-                <a:sym typeface="Roboto"/>
-              </a:rPr>
-              <a:t>Right Now :</a:t>
+            <a:pPr lvl="0" rtl="0">
+              <a:spcBef>
+                <a:spcPts val="0"/>
+              </a:spcBef>
+              <a:buNone/>
+            </a:pPr>
+            <a:r>
+              <a:rPr lang="en"/>
+              <a:t>“An optional component for use with Apache Tomcat“</a:t>
+            </a:r>
+          </a:p>
+          <a:p>
+            <a:pPr indent="-228600" lvl="0" marL="914400" rtl="0">
+              <a:spcBef>
+                <a:spcPts val="0"/>
+              </a:spcBef>
+            </a:pPr>
+            <a:r>
+              <a:rPr lang="en"/>
+              <a:t>Better performance and compatibility with OS</a:t>
+            </a:r>
+          </a:p>
+          <a:p>
+            <a:pPr indent="-228600" lvl="0" marL="914400" rtl="0">
+              <a:spcBef>
+                <a:spcPts val="0"/>
+              </a:spcBef>
+            </a:pPr>
+            <a:r>
+              <a:rPr lang="en"/>
+              <a:t>Access to encrypted sockets through Apache Portable Runtime (APR)</a:t>
+            </a:r>
+          </a:p>
+          <a:p>
+            <a:pPr indent="-228600" lvl="0" marL="914400" rtl="0">
+              <a:spcBef>
+                <a:spcPts val="0"/>
+              </a:spcBef>
+            </a:pPr>
+            <a:r>
+              <a:rPr lang="en"/>
+              <a:t>Access to OpenSSL through APR</a:t>
+            </a:r>
+          </a:p>
+          <a:p>
+            <a:pPr indent="-228600" lvl="0" marL="914400" rtl="0">
+              <a:spcBef>
+                <a:spcPts val="0"/>
+              </a:spcBef>
+            </a:pPr>
+            <a:r>
+              <a:rPr lang="en"/>
+              <a:t>Access to OpenSSL through JNI</a:t>
             </a:r>
           </a:p>
         </p:txBody>
@@ -8465,7 +7035,7 @@
   <p:cSld>
     <p:spTree>
       <p:nvGrpSpPr>
-        <p:cNvPr id="104" name="Shape 104"/>
+        <p:cNvPr id="97" name="Shape 97"/>
         <p:cNvGrpSpPr/>
         <p:nvPr/>
       </p:nvGrpSpPr>
@@ -8479,7 +7049,7 @@
       </p:grpSpPr>
       <p:sp>
         <p:nvSpPr>
-          <p:cNvPr id="105" name="Shape 105"/>
+          <p:cNvPr id="98" name="Shape 98"/>
           <p:cNvSpPr txBox="1"/>
           <p:nvPr>
             <p:ph type="title"/>
@@ -8500,7 +7070,7 @@
           </a:bodyPr>
           <a:lstStyle/>
           <a:p>
-            <a:pPr lvl="0">
+            <a:pPr lvl="0" rtl="0">
               <a:spcBef>
                 <a:spcPts val="0"/>
               </a:spcBef>
@@ -8508,14 +7078,14 @@
             </a:pPr>
             <a:r>
               <a:rPr lang="en"/>
-              <a:t>SSL/TLS Protocol</a:t>
-            </a:r>
-          </a:p>
-        </p:txBody>
-      </p:sp>
-      <p:sp>
-        <p:nvSpPr>
-          <p:cNvPr id="106" name="Shape 106"/>
+              <a:t>Project Goals (1)</a:t>
+            </a:r>
+          </a:p>
+        </p:txBody>
+      </p:sp>
+      <p:sp>
+        <p:nvSpPr>
+          <p:cNvPr id="99" name="Shape 99"/>
           <p:cNvSpPr txBox="1"/>
           <p:nvPr>
             <p:ph idx="1" type="body"/>
@@ -8543,7 +7113,7 @@
             </a:pPr>
             <a:r>
               <a:rPr lang="en"/>
-              <a:t>Provides security when communicating over a computer network</a:t>
+              <a:t>Study Tomcat Native, Undertow and the current OpenSSL experiments for Undertow</a:t>
             </a:r>
           </a:p>
           <a:p>
@@ -8554,7 +7124,18 @@
             </a:pPr>
             <a:r>
               <a:rPr lang="en"/>
-              <a:t>Makes use of public/private key pair encryption to exchange a symmetric key</a:t>
+              <a:t>Subset Tomcat Native so that the JNI interfaces focus on OpenSSL</a:t>
+            </a:r>
+          </a:p>
+          <a:p>
+            <a:pPr indent="-228600" lvl="1" marL="914400" rtl="0">
+              <a:spcBef>
+                <a:spcPts val="0"/>
+              </a:spcBef>
+            </a:pPr>
+            <a:r>
+              <a:rPr lang="en"/>
+              <a:t>Remove APR completely</a:t>
             </a:r>
           </a:p>
           <a:p>
@@ -8565,26 +7146,45 @@
             </a:pPr>
             <a:r>
               <a:rPr lang="en"/>
-              <a:t>Widely used on the web</a:t>
-            </a:r>
-          </a:p>
-          <a:p>
-            <a:pPr indent="-228600" lvl="0" marL="457200">
-              <a:spcBef>
-                <a:spcPts val="0"/>
-              </a:spcBef>
-            </a:pPr>
+              <a:t>Abstracts Tomcat Native so that it can also be used in </a:t>
+            </a:r>
+            <a:r>
+              <a:rPr b="1" lang="en"/>
+              <a:t>Undertow</a:t>
+            </a:r>
             <a:r>
               <a:rPr lang="en"/>
-              <a:t>Java implementation is </a:t>
+              <a:t> and </a:t>
             </a:r>
             <a:r>
               <a:rPr b="1" lang="en"/>
-              <a:t>Java Secure Socket Extension</a:t>
+              <a:t>Tomcat</a:t>
             </a:r>
             <a:r>
               <a:rPr lang="en"/>
-              <a:t> (JSSE)</a:t>
+              <a:t> instead of JSSE</a:t>
+            </a:r>
+          </a:p>
+          <a:p>
+            <a:pPr indent="-228600" lvl="0" marL="457200" rtl="0">
+              <a:spcBef>
+                <a:spcPts val="0"/>
+              </a:spcBef>
+            </a:pPr>
+            <a:r>
+              <a:rPr lang="en"/>
+              <a:t>Run benchmarks to measure performance</a:t>
+            </a:r>
+          </a:p>
+          <a:p>
+            <a:pPr indent="-228600" lvl="0" marL="457200" rtl="0">
+              <a:spcBef>
+                <a:spcPts val="0"/>
+              </a:spcBef>
+            </a:pPr>
+            <a:r>
+              <a:rPr lang="en"/>
+              <a:t>Add JNI calls to access more OpenSSL features (depending on time)</a:t>
             </a:r>
           </a:p>
         </p:txBody>
@@ -8605,7 +7205,7 @@
   <p:cSld>
     <p:spTree>
       <p:nvGrpSpPr>
-        <p:cNvPr id="110" name="Shape 110"/>
+        <p:cNvPr id="103" name="Shape 103"/>
         <p:cNvGrpSpPr/>
         <p:nvPr/>
       </p:nvGrpSpPr>
@@ -8619,7 +7219,7 @@
       </p:grpSpPr>
       <p:sp>
         <p:nvSpPr>
-          <p:cNvPr id="111" name="Shape 111"/>
+          <p:cNvPr id="104" name="Shape 104"/>
           <p:cNvSpPr txBox="1"/>
           <p:nvPr>
             <p:ph type="title"/>
@@ -8648,27 +7248,292 @@
             </a:pPr>
             <a:r>
               <a:rPr lang="en"/>
-              <a:t>OpenSSL</a:t>
-            </a:r>
-          </a:p>
-        </p:txBody>
-      </p:sp>
+              <a:t>Tomcat Native</a:t>
+            </a:r>
+          </a:p>
+        </p:txBody>
+      </p:sp>
+      <p:sp>
+        <p:nvSpPr>
+          <p:cNvPr id="105" name="Shape 105"/>
+          <p:cNvSpPr/>
+          <p:nvPr/>
+        </p:nvSpPr>
+        <p:spPr>
+          <a:xfrm>
+            <a:off x="5021862" y="2505825"/>
+            <a:ext cx="1736400" cy="648300"/>
+          </a:xfrm>
+          <a:prstGeom prst="rect">
+            <a:avLst/>
+          </a:prstGeom>
+          <a:solidFill>
+            <a:schemeClr val="accent5"/>
+          </a:solidFill>
+          <a:ln>
+            <a:noFill/>
+          </a:ln>
+        </p:spPr>
+        <p:txBody>
+          <a:bodyPr anchorCtr="0" anchor="ctr" bIns="91425" lIns="91425" rIns="91425" tIns="91425">
+            <a:noAutofit/>
+          </a:bodyPr>
+          <a:lstStyle/>
+          <a:p>
+            <a:pPr lvl="0" rtl="0" algn="ctr">
+              <a:spcBef>
+                <a:spcPts val="0"/>
+              </a:spcBef>
+              <a:buNone/>
+            </a:pPr>
+            <a:r>
+              <a:rPr lang="en">
+                <a:solidFill>
+                  <a:schemeClr val="lt1"/>
+                </a:solidFill>
+              </a:rPr>
+              <a:t>Undertow</a:t>
+            </a:r>
+          </a:p>
+        </p:txBody>
+      </p:sp>
+      <p:sp>
+        <p:nvSpPr>
+          <p:cNvPr id="106" name="Shape 106"/>
+          <p:cNvSpPr/>
+          <p:nvPr/>
+        </p:nvSpPr>
+        <p:spPr>
+          <a:xfrm>
+            <a:off x="2407637" y="2505825"/>
+            <a:ext cx="1736400" cy="648300"/>
+          </a:xfrm>
+          <a:prstGeom prst="rect">
+            <a:avLst/>
+          </a:prstGeom>
+          <a:solidFill>
+            <a:schemeClr val="accent5"/>
+          </a:solidFill>
+          <a:ln>
+            <a:noFill/>
+          </a:ln>
+        </p:spPr>
+        <p:txBody>
+          <a:bodyPr anchorCtr="0" anchor="ctr" bIns="91425" lIns="91425" rIns="91425" tIns="91425">
+            <a:noAutofit/>
+          </a:bodyPr>
+          <a:lstStyle/>
+          <a:p>
+            <a:pPr lvl="0" rtl="0" algn="ctr">
+              <a:spcBef>
+                <a:spcPts val="0"/>
+              </a:spcBef>
+              <a:buNone/>
+            </a:pPr>
+            <a:r>
+              <a:rPr lang="en">
+                <a:solidFill>
+                  <a:schemeClr val="lt1"/>
+                </a:solidFill>
+              </a:rPr>
+              <a:t>Tomcat</a:t>
+            </a:r>
+          </a:p>
+        </p:txBody>
+      </p:sp>
+      <p:sp>
+        <p:nvSpPr>
+          <p:cNvPr id="107" name="Shape 107"/>
+          <p:cNvSpPr/>
+          <p:nvPr/>
+        </p:nvSpPr>
+        <p:spPr>
+          <a:xfrm>
+            <a:off x="2407637" y="3878750"/>
+            <a:ext cx="1736400" cy="648300"/>
+          </a:xfrm>
+          <a:prstGeom prst="rect">
+            <a:avLst/>
+          </a:prstGeom>
+          <a:solidFill>
+            <a:schemeClr val="accent1"/>
+          </a:solidFill>
+          <a:ln>
+            <a:noFill/>
+          </a:ln>
+        </p:spPr>
+        <p:txBody>
+          <a:bodyPr anchorCtr="0" anchor="ctr" bIns="91425" lIns="91425" rIns="91425" tIns="91425">
+            <a:noAutofit/>
+          </a:bodyPr>
+          <a:lstStyle/>
+          <a:p>
+            <a:pPr lvl="0" rtl="0" algn="ctr">
+              <a:spcBef>
+                <a:spcPts val="0"/>
+              </a:spcBef>
+              <a:buNone/>
+            </a:pPr>
+            <a:r>
+              <a:rPr lang="en">
+                <a:solidFill>
+                  <a:schemeClr val="lt1"/>
+                </a:solidFill>
+              </a:rPr>
+              <a:t>tc-native</a:t>
+            </a:r>
+          </a:p>
+        </p:txBody>
+      </p:sp>
+      <p:sp>
+        <p:nvSpPr>
+          <p:cNvPr id="108" name="Shape 108"/>
+          <p:cNvSpPr/>
+          <p:nvPr/>
+        </p:nvSpPr>
+        <p:spPr>
+          <a:xfrm>
+            <a:off x="5021862" y="3878750"/>
+            <a:ext cx="1736400" cy="648300"/>
+          </a:xfrm>
+          <a:prstGeom prst="rect">
+            <a:avLst/>
+          </a:prstGeom>
+          <a:solidFill>
+            <a:schemeClr val="accent1"/>
+          </a:solidFill>
+          <a:ln>
+            <a:noFill/>
+          </a:ln>
+        </p:spPr>
+        <p:txBody>
+          <a:bodyPr anchorCtr="0" anchor="ctr" bIns="91425" lIns="91425" rIns="91425" tIns="91425">
+            <a:noAutofit/>
+          </a:bodyPr>
+          <a:lstStyle/>
+          <a:p>
+            <a:pPr lvl="0" rtl="0" algn="ctr">
+              <a:spcBef>
+                <a:spcPts val="0"/>
+              </a:spcBef>
+              <a:buNone/>
+            </a:pPr>
+            <a:r>
+              <a:rPr lang="en">
+                <a:solidFill>
+                  <a:schemeClr val="lt1"/>
+                </a:solidFill>
+              </a:rPr>
+              <a:t>JSSE</a:t>
+            </a:r>
+          </a:p>
+        </p:txBody>
+      </p:sp>
+      <p:cxnSp>
+        <p:nvCxnSpPr>
+          <p:cNvPr id="109" name="Shape 109"/>
+          <p:cNvCxnSpPr>
+            <a:stCxn id="108" idx="0"/>
+            <a:endCxn id="105" idx="2"/>
+          </p:cNvCxnSpPr>
+          <p:nvPr/>
+        </p:nvCxnSpPr>
+        <p:spPr>
+          <a:xfrm rot="10800000">
+            <a:off x="5890062" y="3154250"/>
+            <a:ext cx="0" cy="724500"/>
+          </a:xfrm>
+          <a:prstGeom prst="straightConnector1">
+            <a:avLst/>
+          </a:prstGeom>
+          <a:noFill/>
+          <a:ln cap="flat" cmpd="sng" w="9525">
+            <a:solidFill>
+              <a:schemeClr val="dk2"/>
+            </a:solidFill>
+            <a:prstDash val="solid"/>
+            <a:round/>
+            <a:headEnd len="lg" w="lg" type="none"/>
+            <a:tailEnd len="lg" w="lg" type="triangle"/>
+          </a:ln>
+        </p:spPr>
+      </p:cxnSp>
+      <p:cxnSp>
+        <p:nvCxnSpPr>
+          <p:cNvPr id="110" name="Shape 110"/>
+          <p:cNvCxnSpPr>
+            <a:stCxn id="108" idx="0"/>
+            <a:endCxn id="106" idx="2"/>
+          </p:cNvCxnSpPr>
+          <p:nvPr/>
+        </p:nvCxnSpPr>
+        <p:spPr>
+          <a:xfrm rot="10800000">
+            <a:off x="3275862" y="3154250"/>
+            <a:ext cx="2614200" cy="724500"/>
+          </a:xfrm>
+          <a:prstGeom prst="straightConnector1">
+            <a:avLst/>
+          </a:prstGeom>
+          <a:noFill/>
+          <a:ln cap="flat" cmpd="sng" w="9525">
+            <a:solidFill>
+              <a:schemeClr val="dk2"/>
+            </a:solidFill>
+            <a:prstDash val="solid"/>
+            <a:round/>
+            <a:headEnd len="lg" w="lg" type="none"/>
+            <a:tailEnd len="lg" w="lg" type="triangle"/>
+          </a:ln>
+        </p:spPr>
+      </p:cxnSp>
+      <p:cxnSp>
+        <p:nvCxnSpPr>
+          <p:cNvPr id="111" name="Shape 111"/>
+          <p:cNvCxnSpPr>
+            <a:stCxn id="107" idx="0"/>
+            <a:endCxn id="106" idx="2"/>
+          </p:cNvCxnSpPr>
+          <p:nvPr/>
+        </p:nvCxnSpPr>
+        <p:spPr>
+          <a:xfrm rot="10800000">
+            <a:off x="3275837" y="3154250"/>
+            <a:ext cx="0" cy="724500"/>
+          </a:xfrm>
+          <a:prstGeom prst="straightConnector1">
+            <a:avLst/>
+          </a:prstGeom>
+          <a:noFill/>
+          <a:ln cap="flat" cmpd="sng" w="9525">
+            <a:solidFill>
+              <a:schemeClr val="dk2"/>
+            </a:solidFill>
+            <a:prstDash val="solid"/>
+            <a:round/>
+            <a:headEnd len="lg" w="lg" type="none"/>
+            <a:tailEnd len="lg" w="lg" type="triangle"/>
+          </a:ln>
+        </p:spPr>
+      </p:cxnSp>
       <p:sp>
         <p:nvSpPr>
           <p:cNvPr id="112" name="Shape 112"/>
           <p:cNvSpPr txBox="1"/>
-          <p:nvPr>
-            <p:ph idx="1" type="body"/>
-          </p:nvPr>
-        </p:nvSpPr>
-        <p:spPr>
-          <a:xfrm>
-            <a:off x="471900" y="1919075"/>
-            <a:ext cx="8222100" cy="2710200"/>
-          </a:xfrm>
-          <a:prstGeom prst="rect">
-            <a:avLst/>
-          </a:prstGeom>
+          <p:nvPr/>
+        </p:nvSpPr>
+        <p:spPr>
+          <a:xfrm>
+            <a:off x="384675" y="1868375"/>
+            <a:ext cx="1538700" cy="738600"/>
+          </a:xfrm>
+          <a:prstGeom prst="rect">
+            <a:avLst/>
+          </a:prstGeom>
+          <a:noFill/>
+          <a:ln>
+            <a:noFill/>
+          </a:ln>
         </p:spPr>
         <p:txBody>
           <a:bodyPr anchorCtr="0" anchor="t" bIns="91425" lIns="91425" rIns="91425" tIns="91425">
@@ -8676,47 +7541,23 @@
           </a:bodyPr>
           <a:lstStyle/>
           <a:p>
-            <a:pPr indent="-228600" lvl="0" marL="457200" rtl="0">
-              <a:spcBef>
-                <a:spcPts val="0"/>
-              </a:spcBef>
-            </a:pPr>
-            <a:r>
-              <a:rPr lang="en"/>
-              <a:t>Open source implementation of SSL/TLS protocol</a:t>
-            </a:r>
-          </a:p>
-          <a:p>
-            <a:pPr indent="-228600" lvl="0" marL="457200" rtl="0">
-              <a:spcBef>
-                <a:spcPts val="0"/>
-              </a:spcBef>
-            </a:pPr>
-            <a:r>
-              <a:rPr lang="en"/>
-              <a:t>Written in C</a:t>
-            </a:r>
-          </a:p>
-          <a:p>
-            <a:pPr indent="-228600" lvl="0" marL="457200" rtl="0">
-              <a:spcBef>
-                <a:spcPts val="0"/>
-              </a:spcBef>
-            </a:pPr>
-            <a:r>
-              <a:rPr lang="en"/>
-              <a:t>Works on almost all platforms</a:t>
-            </a:r>
-          </a:p>
-          <a:p>
-            <a:pPr indent="-228600" lvl="0" marL="457200" rtl="0">
-              <a:spcBef>
-                <a:spcPts val="0"/>
-              </a:spcBef>
-            </a:pPr>
-            <a:r>
-              <a:rPr lang="en"/>
-              <a:t>Many vulnerabilities (POODLE, Heartbleed, etc.)</a:t>
+            <a:pPr lvl="0" rtl="0">
+              <a:spcBef>
+                <a:spcPts val="0"/>
+              </a:spcBef>
+              <a:buNone/>
+            </a:pPr>
+            <a:r>
+              <a:rPr lang="en" sz="1800">
+                <a:solidFill>
+                  <a:schemeClr val="lt2"/>
+                </a:solidFill>
+                <a:latin typeface="Roboto"/>
+                <a:ea typeface="Roboto"/>
+                <a:cs typeface="Roboto"/>
+                <a:sym typeface="Roboto"/>
+              </a:rPr>
+              <a:t>Right Now :</a:t>
             </a:r>
           </a:p>
         </p:txBody>
@@ -8780,7 +7621,7 @@
             </a:pPr>
             <a:r>
               <a:rPr lang="en"/>
-              <a:t>SSL Encryption with Undertow</a:t>
+              <a:t>Project Goals (2)</a:t>
             </a:r>
           </a:p>
         </p:txBody>
@@ -8788,77 +7629,295 @@
       <p:sp>
         <p:nvSpPr>
           <p:cNvPr id="118" name="Shape 118"/>
-          <p:cNvSpPr txBox="1"/>
-          <p:nvPr>
-            <p:ph idx="1" type="body"/>
-          </p:nvPr>
-        </p:nvSpPr>
-        <p:spPr>
-          <a:xfrm>
-            <a:off x="471900" y="1919075"/>
-            <a:ext cx="8222100" cy="2710200"/>
-          </a:xfrm>
-          <a:prstGeom prst="rect">
-            <a:avLst/>
-          </a:prstGeom>
-        </p:spPr>
-        <p:txBody>
-          <a:bodyPr anchorCtr="0" anchor="t" bIns="91425" lIns="91425" rIns="91425" tIns="91425">
+          <p:cNvSpPr/>
+          <p:nvPr/>
+        </p:nvSpPr>
+        <p:spPr>
+          <a:xfrm>
+            <a:off x="5021862" y="2505825"/>
+            <a:ext cx="1736400" cy="648300"/>
+          </a:xfrm>
+          <a:prstGeom prst="rect">
+            <a:avLst/>
+          </a:prstGeom>
+          <a:solidFill>
+            <a:schemeClr val="accent5"/>
+          </a:solidFill>
+          <a:ln>
+            <a:noFill/>
+          </a:ln>
+        </p:spPr>
+        <p:txBody>
+          <a:bodyPr anchorCtr="0" anchor="ctr" bIns="91425" lIns="91425" rIns="91425" tIns="91425">
             <a:noAutofit/>
           </a:bodyPr>
           <a:lstStyle/>
           <a:p>
-            <a:pPr indent="-228600" lvl="0" marL="457200" rtl="0">
-              <a:spcBef>
-                <a:spcPts val="0"/>
-              </a:spcBef>
-            </a:pPr>
-            <a:r>
-              <a:rPr lang="en"/>
-              <a:t>Undertow is using </a:t>
-            </a:r>
-            <a:r>
-              <a:rPr b="1" lang="en"/>
-              <a:t>JSSE </a:t>
-            </a:r>
-            <a:r>
-              <a:rPr lang="en"/>
-              <a:t>SSL Engine for SSL/TLS  </a:t>
-            </a:r>
-          </a:p>
-          <a:p>
-            <a:pPr indent="-228600" lvl="0" marL="457200" rtl="0">
-              <a:spcBef>
-                <a:spcPts val="0"/>
-              </a:spcBef>
-            </a:pPr>
-            <a:r>
-              <a:rPr lang="en"/>
-              <a:t>Some work done to use OpenSSL Engine via </a:t>
-            </a:r>
-            <a:r>
-              <a:rPr b="1" lang="en"/>
+            <a:pPr lvl="0" rtl="0" algn="ctr">
+              <a:spcBef>
+                <a:spcPts val="0"/>
+              </a:spcBef>
+              <a:buNone/>
+            </a:pPr>
+            <a:r>
+              <a:rPr lang="en">
+                <a:solidFill>
+                  <a:schemeClr val="lt1"/>
+                </a:solidFill>
+              </a:rPr>
+              <a:t>Undertow</a:t>
+            </a:r>
+          </a:p>
+        </p:txBody>
+      </p:sp>
+      <p:sp>
+        <p:nvSpPr>
+          <p:cNvPr id="119" name="Shape 119"/>
+          <p:cNvSpPr/>
+          <p:nvPr/>
+        </p:nvSpPr>
+        <p:spPr>
+          <a:xfrm>
+            <a:off x="2407637" y="2505825"/>
+            <a:ext cx="1736400" cy="648300"/>
+          </a:xfrm>
+          <a:prstGeom prst="rect">
+            <a:avLst/>
+          </a:prstGeom>
+          <a:solidFill>
+            <a:schemeClr val="accent5"/>
+          </a:solidFill>
+          <a:ln>
+            <a:noFill/>
+          </a:ln>
+        </p:spPr>
+        <p:txBody>
+          <a:bodyPr anchorCtr="0" anchor="ctr" bIns="91425" lIns="91425" rIns="91425" tIns="91425">
+            <a:noAutofit/>
+          </a:bodyPr>
+          <a:lstStyle/>
+          <a:p>
+            <a:pPr lvl="0" rtl="0" algn="ctr">
+              <a:spcBef>
+                <a:spcPts val="0"/>
+              </a:spcBef>
+              <a:buNone/>
+            </a:pPr>
+            <a:r>
+              <a:rPr lang="en">
+                <a:solidFill>
+                  <a:schemeClr val="lt1"/>
+                </a:solidFill>
+              </a:rPr>
+              <a:t>Tomcat</a:t>
+            </a:r>
+          </a:p>
+        </p:txBody>
+      </p:sp>
+      <p:sp>
+        <p:nvSpPr>
+          <p:cNvPr id="120" name="Shape 120"/>
+          <p:cNvSpPr/>
+          <p:nvPr/>
+        </p:nvSpPr>
+        <p:spPr>
+          <a:xfrm>
+            <a:off x="2407637" y="3878750"/>
+            <a:ext cx="1736400" cy="648300"/>
+          </a:xfrm>
+          <a:prstGeom prst="rect">
+            <a:avLst/>
+          </a:prstGeom>
+          <a:solidFill>
+            <a:schemeClr val="accent1"/>
+          </a:solidFill>
+          <a:ln>
+            <a:noFill/>
+          </a:ln>
+        </p:spPr>
+        <p:txBody>
+          <a:bodyPr anchorCtr="0" anchor="ctr" bIns="91425" lIns="91425" rIns="91425" tIns="91425">
+            <a:noAutofit/>
+          </a:bodyPr>
+          <a:lstStyle/>
+          <a:p>
+            <a:pPr lvl="0" rtl="0" algn="ctr">
+              <a:spcBef>
+                <a:spcPts val="0"/>
+              </a:spcBef>
+              <a:buNone/>
+            </a:pPr>
+            <a:r>
+              <a:rPr lang="en">
+                <a:solidFill>
+                  <a:schemeClr val="lt1"/>
+                </a:solidFill>
+              </a:rPr>
+              <a:t>Subset of tc-native</a:t>
+            </a:r>
+          </a:p>
+        </p:txBody>
+      </p:sp>
+      <p:sp>
+        <p:nvSpPr>
+          <p:cNvPr id="121" name="Shape 121"/>
+          <p:cNvSpPr/>
+          <p:nvPr/>
+        </p:nvSpPr>
+        <p:spPr>
+          <a:xfrm>
+            <a:off x="5021862" y="3878750"/>
+            <a:ext cx="1736400" cy="648300"/>
+          </a:xfrm>
+          <a:prstGeom prst="rect">
+            <a:avLst/>
+          </a:prstGeom>
+          <a:solidFill>
+            <a:schemeClr val="accent1"/>
+          </a:solidFill>
+          <a:ln>
+            <a:noFill/>
+          </a:ln>
+        </p:spPr>
+        <p:txBody>
+          <a:bodyPr anchorCtr="0" anchor="ctr" bIns="91425" lIns="91425" rIns="91425" tIns="91425">
+            <a:noAutofit/>
+          </a:bodyPr>
+          <a:lstStyle/>
+          <a:p>
+            <a:pPr lvl="0" rtl="0" algn="ctr">
+              <a:spcBef>
+                <a:spcPts val="0"/>
+              </a:spcBef>
+              <a:buNone/>
+            </a:pPr>
+            <a:r>
+              <a:rPr lang="en">
+                <a:solidFill>
+                  <a:schemeClr val="lt1"/>
+                </a:solidFill>
+              </a:rPr>
               <a:t>JSSE</a:t>
             </a:r>
-            <a:r>
-              <a:rPr lang="en"/>
-              <a:t> API (namely sockets)</a:t>
-            </a:r>
-          </a:p>
-          <a:p>
-            <a:pPr lvl="0" rtl="0">
-              <a:spcBef>
-                <a:spcPts val="0"/>
-              </a:spcBef>
-              <a:buNone/>
-            </a:pPr>
-            <a:r>
-              <a:t/>
-            </a:r>
-            <a:endParaRPr/>
-          </a:p>
-        </p:txBody>
-      </p:sp>
+          </a:p>
+        </p:txBody>
+      </p:sp>
+      <p:cxnSp>
+        <p:nvCxnSpPr>
+          <p:cNvPr id="122" name="Shape 122"/>
+          <p:cNvCxnSpPr>
+            <a:stCxn id="121" idx="0"/>
+            <a:endCxn id="118" idx="2"/>
+          </p:cNvCxnSpPr>
+          <p:nvPr/>
+        </p:nvCxnSpPr>
+        <p:spPr>
+          <a:xfrm rot="10800000">
+            <a:off x="5890062" y="3154250"/>
+            <a:ext cx="0" cy="724500"/>
+          </a:xfrm>
+          <a:prstGeom prst="straightConnector1">
+            <a:avLst/>
+          </a:prstGeom>
+          <a:noFill/>
+          <a:ln cap="flat" cmpd="sng" w="9525">
+            <a:solidFill>
+              <a:schemeClr val="dk2"/>
+            </a:solidFill>
+            <a:prstDash val="solid"/>
+            <a:round/>
+            <a:headEnd len="lg" w="lg" type="none"/>
+            <a:tailEnd len="lg" w="lg" type="triangle"/>
+          </a:ln>
+        </p:spPr>
+      </p:cxnSp>
+      <p:cxnSp>
+        <p:nvCxnSpPr>
+          <p:cNvPr id="123" name="Shape 123"/>
+          <p:cNvCxnSpPr>
+            <a:stCxn id="121" idx="0"/>
+            <a:endCxn id="119" idx="2"/>
+          </p:cNvCxnSpPr>
+          <p:nvPr/>
+        </p:nvCxnSpPr>
+        <p:spPr>
+          <a:xfrm rot="10800000">
+            <a:off x="3275862" y="3154250"/>
+            <a:ext cx="2614200" cy="724500"/>
+          </a:xfrm>
+          <a:prstGeom prst="straightConnector1">
+            <a:avLst/>
+          </a:prstGeom>
+          <a:noFill/>
+          <a:ln cap="flat" cmpd="sng" w="9525">
+            <a:solidFill>
+              <a:schemeClr val="dk2"/>
+            </a:solidFill>
+            <a:prstDash val="solid"/>
+            <a:round/>
+            <a:headEnd len="lg" w="lg" type="none"/>
+            <a:tailEnd len="lg" w="lg" type="triangle"/>
+          </a:ln>
+        </p:spPr>
+      </p:cxnSp>
+      <p:cxnSp>
+        <p:nvCxnSpPr>
+          <p:cNvPr id="124" name="Shape 124"/>
+          <p:cNvCxnSpPr>
+            <a:stCxn id="120" idx="0"/>
+            <a:endCxn id="119" idx="2"/>
+          </p:cNvCxnSpPr>
+          <p:nvPr/>
+        </p:nvCxnSpPr>
+        <p:spPr>
+          <a:xfrm rot="10800000">
+            <a:off x="3275837" y="3154250"/>
+            <a:ext cx="0" cy="724500"/>
+          </a:xfrm>
+          <a:prstGeom prst="straightConnector1">
+            <a:avLst/>
+          </a:prstGeom>
+          <a:noFill/>
+          <a:ln cap="flat" cmpd="sng" w="9525">
+            <a:solidFill>
+              <a:schemeClr val="dk2"/>
+            </a:solidFill>
+            <a:prstDash val="solid"/>
+            <a:round/>
+            <a:headEnd len="lg" w="lg" type="none"/>
+            <a:tailEnd len="lg" w="lg" type="triangle"/>
+          </a:ln>
+        </p:spPr>
+      </p:cxnSp>
+      <p:cxnSp>
+        <p:nvCxnSpPr>
+          <p:cNvPr id="125" name="Shape 125"/>
+          <p:cNvCxnSpPr>
+            <a:stCxn id="120" idx="0"/>
+            <a:endCxn id="118" idx="2"/>
+          </p:cNvCxnSpPr>
+          <p:nvPr/>
+        </p:nvCxnSpPr>
+        <p:spPr>
+          <a:xfrm flipH="1" rot="10800000">
+            <a:off x="3275837" y="3154250"/>
+            <a:ext cx="2614200" cy="724500"/>
+          </a:xfrm>
+          <a:prstGeom prst="straightConnector1">
+            <a:avLst/>
+          </a:prstGeom>
+          <a:noFill/>
+          <a:ln cap="flat" cmpd="sng" w="28575">
+            <a:solidFill>
+              <a:schemeClr val="accent6"/>
+            </a:solidFill>
+            <a:prstDash val="solid"/>
+            <a:round/>
+            <a:headEnd len="lg" w="lg" type="none"/>
+            <a:tailEnd len="lg" w="lg" type="triangle"/>
+          </a:ln>
+        </p:spPr>
+      </p:cxnSp>
     </p:spTree>
   </p:cSld>
   <p:clrMapOvr>
@@ -8875,7 +7934,7 @@
   <p:cSld>
     <p:spTree>
       <p:nvGrpSpPr>
-        <p:cNvPr id="122" name="Shape 122"/>
+        <p:cNvPr id="129" name="Shape 129"/>
         <p:cNvGrpSpPr/>
         <p:nvPr/>
       </p:nvGrpSpPr>
@@ -8889,7 +7948,7 @@
       </p:grpSpPr>
       <p:sp>
         <p:nvSpPr>
-          <p:cNvPr id="123" name="Shape 123"/>
+          <p:cNvPr id="130" name="Shape 130"/>
           <p:cNvSpPr txBox="1"/>
           <p:nvPr>
             <p:ph type="title"/>
@@ -8918,14 +7977,14 @@
             </a:pPr>
             <a:r>
               <a:rPr lang="en"/>
-              <a:t>Project Goals (1)</a:t>
-            </a:r>
-          </a:p>
-        </p:txBody>
-      </p:sp>
-      <p:sp>
-        <p:nvSpPr>
-          <p:cNvPr id="124" name="Shape 124"/>
+              <a:t>Motivations (1)</a:t>
+            </a:r>
+          </a:p>
+        </p:txBody>
+      </p:sp>
+      <p:sp>
+        <p:nvSpPr>
+          <p:cNvPr id="131" name="Shape 131"/>
           <p:cNvSpPr txBox="1"/>
           <p:nvPr>
             <p:ph idx="1" type="body"/>
@@ -8953,7 +8012,25 @@
             </a:pPr>
             <a:r>
               <a:rPr lang="en"/>
-              <a:t>Study Tomcat Native, Undertow and the current OpenSSL experiments for Undertow</a:t>
+              <a:t>Tomcat Native has JNI interfaces for most of the APR APIs</a:t>
+            </a:r>
+          </a:p>
+          <a:p>
+            <a:pPr indent="-228600" lvl="1" marL="914400" rtl="0">
+              <a:spcBef>
+                <a:spcPts val="0"/>
+              </a:spcBef>
+            </a:pPr>
+            <a:r>
+              <a:rPr lang="en"/>
+              <a:t>We only want a subset that focuses on OpenSSL</a:t>
+            </a:r>
+            <a:br>
+              <a:rPr lang="en"/>
+            </a:br>
+            <a:r>
+              <a:rPr lang="en"/>
+              <a:t>        Easier to maintain, smaller attack surface</a:t>
             </a:r>
           </a:p>
           <a:p>
@@ -8964,7 +8041,7 @@
             </a:pPr>
             <a:r>
               <a:rPr lang="en"/>
-              <a:t>Subset Tomcat Native so that the JNI interfaces focus on OpenSSL</a:t>
+              <a:t>Undertow is using default JSSE engine which performs poorly</a:t>
             </a:r>
           </a:p>
           <a:p>
@@ -8975,46 +8052,94 @@
             </a:pPr>
             <a:r>
               <a:rPr lang="en"/>
-              <a:t>Abstracts Tomcat Native so that it can also be used in </a:t>
-            </a:r>
-            <a:r>
-              <a:rPr b="1" lang="en"/>
-              <a:t>Undertow</a:t>
-            </a:r>
+              <a:t>OpenSSL is efficient, active and cross-platform</a:t>
+            </a:r>
+          </a:p>
+          <a:p>
+            <a:pPr indent="-228600" lvl="0" marL="457200" rtl="0">
+              <a:spcBef>
+                <a:spcPts val="0"/>
+              </a:spcBef>
+            </a:pPr>
             <a:r>
               <a:rPr lang="en"/>
-              <a:t> and </a:t>
-            </a:r>
-            <a:r>
-              <a:rPr b="1" lang="en"/>
-              <a:t>Tomcat</a:t>
-            </a:r>
+              <a:t>Ability to use Tomcat with OpenSSL without loading APR</a:t>
+            </a:r>
+          </a:p>
+          <a:p>
+            <a:pPr lvl="0" rtl="0">
+              <a:spcBef>
+                <a:spcPts val="0"/>
+              </a:spcBef>
+              <a:buNone/>
+            </a:pPr>
             <a:r>
               <a:rPr lang="en"/>
-              <a:t> instead of JSSE</a:t>
-            </a:r>
-          </a:p>
-          <a:p>
-            <a:pPr indent="-228600" lvl="0" marL="457200" rtl="0">
-              <a:spcBef>
-                <a:spcPts val="0"/>
-              </a:spcBef>
-            </a:pPr>
-            <a:r>
-              <a:rPr lang="en"/>
-              <a:t>Run benchmarks to measure performance</a:t>
-            </a:r>
-          </a:p>
-          <a:p>
-            <a:pPr indent="-228600" lvl="0" marL="457200" rtl="0">
-              <a:spcBef>
-                <a:spcPts val="0"/>
-              </a:spcBef>
-            </a:pPr>
-            <a:r>
-              <a:rPr lang="en"/>
-              <a:t>Add JNI calls to access more OpenSSL features (depending on time)</a:t>
-            </a:r>
+              <a:t>Using Undertow directly with OpenSSL should perform better but remain easy to maintain</a:t>
+            </a:r>
+          </a:p>
+          <a:p>
+            <a:pPr lvl="0" rtl="0">
+              <a:spcBef>
+                <a:spcPts val="0"/>
+              </a:spcBef>
+              <a:buNone/>
+            </a:pPr>
+            <a:r>
+              <a:t/>
+            </a:r>
+            <a:endParaRPr/>
+          </a:p>
+        </p:txBody>
+      </p:sp>
+      <p:sp>
+        <p:nvSpPr>
+          <p:cNvPr id="132" name="Shape 132"/>
+          <p:cNvSpPr/>
+          <p:nvPr/>
+        </p:nvSpPr>
+        <p:spPr>
+          <a:xfrm flipH="1" rot="10800000">
+            <a:off x="1531075" y="2560725"/>
+            <a:ext cx="247500" cy="180000"/>
+          </a:xfrm>
+          <a:prstGeom prst="bentArrow">
+            <a:avLst>
+              <a:gd fmla="val 25000" name="adj1"/>
+              <a:gd fmla="val 25000" name="adj2"/>
+              <a:gd fmla="val 25000" name="adj3"/>
+              <a:gd fmla="val 43750" name="adj4"/>
+            </a:avLst>
+          </a:prstGeom>
+          <a:solidFill>
+            <a:srgbClr val="FFFFFF"/>
+          </a:solidFill>
+          <a:ln cap="flat" cmpd="sng" w="9525">
+            <a:solidFill>
+              <a:schemeClr val="dk2"/>
+            </a:solidFill>
+            <a:prstDash val="solid"/>
+            <a:round/>
+            <a:headEnd len="med" w="med" type="none"/>
+            <a:tailEnd len="med" w="med" type="none"/>
+          </a:ln>
+        </p:spPr>
+        <p:txBody>
+          <a:bodyPr anchorCtr="0" anchor="ctr" bIns="91425" lIns="91425" rIns="91425" tIns="91425">
+            <a:noAutofit/>
+          </a:bodyPr>
+          <a:lstStyle/>
+          <a:p>
+            <a:pPr lvl="0">
+              <a:spcBef>
+                <a:spcPts val="0"/>
+              </a:spcBef>
+              <a:buNone/>
+            </a:pPr>
+            <a:r>
+              <a:t/>
+            </a:r>
+            <a:endParaRPr/>
           </a:p>
         </p:txBody>
       </p:sp>

--- a/initial_presentation.pptx
+++ b/initial_presentation.pptx
@@ -8100,8 +8100,8 @@
         </p:nvSpPr>
         <p:spPr>
           <a:xfrm flipH="1" rot="10800000">
-            <a:off x="1531075" y="2560725"/>
-            <a:ext cx="247500" cy="180000"/>
+            <a:off x="1556050" y="2598300"/>
+            <a:ext cx="201000" cy="167400"/>
           </a:xfrm>
           <a:prstGeom prst="bentArrow">
             <a:avLst>
@@ -8155,6 +8155,285 @@
 </file>
 
 <file path=ppt/theme/theme1.xml><?xml version="1.0" encoding="utf-8"?>
+<a:theme xmlns:a="http://schemas.openxmlformats.org/drawingml/2006/main" xmlns:r="http://schemas.openxmlformats.org/officeDocument/2006/relationships" name="material">
+  <a:themeElements>
+    <a:clrScheme name="Material">
+      <a:dk1>
+        <a:srgbClr val="4285F4"/>
+      </a:dk1>
+      <a:lt1>
+        <a:srgbClr val="FFFFFF"/>
+      </a:lt1>
+      <a:dk2>
+        <a:srgbClr val="424242"/>
+      </a:dk2>
+      <a:lt2>
+        <a:srgbClr val="737373"/>
+      </a:lt2>
+      <a:accent1>
+        <a:srgbClr val="0277BD"/>
+      </a:accent1>
+      <a:accent2>
+        <a:srgbClr val="0F9D58"/>
+      </a:accent2>
+      <a:accent3>
+        <a:srgbClr val="DB4437"/>
+      </a:accent3>
+      <a:accent4>
+        <a:srgbClr val="FAFAFA"/>
+      </a:accent4>
+      <a:accent5>
+        <a:srgbClr val="4FC3F7"/>
+      </a:accent5>
+      <a:accent6>
+        <a:srgbClr val="F4B400"/>
+      </a:accent6>
+      <a:hlink>
+        <a:srgbClr val="4FC3F7"/>
+      </a:hlink>
+      <a:folHlink>
+        <a:srgbClr val="4FC3F7"/>
+      </a:folHlink>
+    </a:clrScheme>
+    <a:fontScheme name="Office">
+      <a:majorFont>
+        <a:latin typeface="Arial"/>
+        <a:ea typeface=""/>
+        <a:cs typeface=""/>
+        <a:font script="Jpan" typeface="ＭＳ Ｐゴシック"/>
+        <a:font script="Hang" typeface="맑은 고딕"/>
+        <a:font script="Hans" typeface="宋体"/>
+        <a:font script="Hant" typeface="新細明體"/>
+        <a:font script="Arab" typeface="Times New Roman"/>
+        <a:font script="Hebr" typeface="Times New Roman"/>
+        <a:font script="Thai" typeface="Angsana New"/>
+        <a:font script="Ethi" typeface="Nyala"/>
+        <a:font script="Beng" typeface="Vrinda"/>
+        <a:font script="Gujr" typeface="Shruti"/>
+        <a:font script="Khmr" typeface="MoolBoran"/>
+        <a:font script="Knda" typeface="Tunga"/>
+        <a:font script="Guru" typeface="Raavi"/>
+        <a:font script="Cans" typeface="Euphemia"/>
+        <a:font script="Cher" typeface="Plantagenet Cherokee"/>
+        <a:font script="Yiii" typeface="Microsoft Yi Baiti"/>
+        <a:font script="Tibt" typeface="Microsoft Himalaya"/>
+        <a:font script="Thaa" typeface="MV Boli"/>
+        <a:font script="Deva" typeface="Mangal"/>
+        <a:font script="Telu" typeface="Gautami"/>
+        <a:font script="Taml" typeface="Latha"/>
+        <a:font script="Syrc" typeface="Estrangelo Edessa"/>
+        <a:font script="Orya" typeface="Kalinga"/>
+        <a:font script="Mlym" typeface="Kartika"/>
+        <a:font script="Laoo" typeface="DokChampa"/>
+        <a:font script="Sinh" typeface="Iskoola Pota"/>
+        <a:font script="Mong" typeface="Mongolian Baiti"/>
+        <a:font script="Viet" typeface="Times New Roman"/>
+        <a:font script="Uigh" typeface="Microsoft Uighur"/>
+        <a:font script="Geor" typeface="Sylfaen"/>
+      </a:majorFont>
+      <a:minorFont>
+        <a:latin typeface="Arial"/>
+        <a:ea typeface=""/>
+        <a:cs typeface=""/>
+        <a:font script="Jpan" typeface="ＭＳ Ｐゴシック"/>
+        <a:font script="Hang" typeface="맑은 고딕"/>
+        <a:font script="Hans" typeface="宋体"/>
+        <a:font script="Hant" typeface="新細明體"/>
+        <a:font script="Arab" typeface="Arial"/>
+        <a:font script="Hebr" typeface="Arial"/>
+        <a:font script="Thai" typeface="Cordia New"/>
+        <a:font script="Ethi" typeface="Nyala"/>
+        <a:font script="Beng" typeface="Vrinda"/>
+        <a:font script="Gujr" typeface="Shruti"/>
+        <a:font script="Khmr" typeface="DaunPenh"/>
+        <a:font script="Knda" typeface="Tunga"/>
+        <a:font script="Guru" typeface="Raavi"/>
+        <a:font script="Cans" typeface="Euphemia"/>
+        <a:font script="Cher" typeface="Plantagenet Cherokee"/>
+        <a:font script="Yiii" typeface="Microsoft Yi Baiti"/>
+        <a:font script="Tibt" typeface="Microsoft Himalaya"/>
+        <a:font script="Thaa" typeface="MV Boli"/>
+        <a:font script="Deva" typeface="Mangal"/>
+        <a:font script="Telu" typeface="Gautami"/>
+        <a:font script="Taml" typeface="Latha"/>
+        <a:font script="Syrc" typeface="Estrangelo Edessa"/>
+        <a:font script="Orya" typeface="Kalinga"/>
+        <a:font script="Mlym" typeface="Kartika"/>
+        <a:font script="Laoo" typeface="DokChampa"/>
+        <a:font script="Sinh" typeface="Iskoola Pota"/>
+        <a:font script="Mong" typeface="Mongolian Baiti"/>
+        <a:font script="Viet" typeface="Arial"/>
+        <a:font script="Uigh" typeface="Microsoft Uighur"/>
+        <a:font script="Geor" typeface="Sylfaen"/>
+      </a:minorFont>
+    </a:fontScheme>
+    <a:fmtScheme name="Office">
+      <a:fillStyleLst>
+        <a:solidFill>
+          <a:schemeClr val="phClr"/>
+        </a:solidFill>
+        <a:gradFill rotWithShape="1">
+          <a:gsLst>
+            <a:gs pos="0">
+              <a:schemeClr val="phClr">
+                <a:tint val="50000"/>
+                <a:satMod val="300000"/>
+              </a:schemeClr>
+            </a:gs>
+            <a:gs pos="35000">
+              <a:schemeClr val="phClr">
+                <a:tint val="37000"/>
+                <a:satMod val="300000"/>
+              </a:schemeClr>
+            </a:gs>
+            <a:gs pos="100000">
+              <a:schemeClr val="phClr">
+                <a:tint val="15000"/>
+                <a:satMod val="350000"/>
+              </a:schemeClr>
+            </a:gs>
+          </a:gsLst>
+          <a:lin ang="16200000" scaled="1"/>
+        </a:gradFill>
+        <a:gradFill rotWithShape="1">
+          <a:gsLst>
+            <a:gs pos="0">
+              <a:schemeClr val="phClr">
+                <a:tint val="100000"/>
+                <a:shade val="100000"/>
+                <a:satMod val="130000"/>
+              </a:schemeClr>
+            </a:gs>
+            <a:gs pos="100000">
+              <a:schemeClr val="phClr">
+                <a:tint val="50000"/>
+                <a:shade val="100000"/>
+                <a:satMod val="350000"/>
+              </a:schemeClr>
+            </a:gs>
+          </a:gsLst>
+          <a:lin ang="16200000" scaled="0"/>
+        </a:gradFill>
+      </a:fillStyleLst>
+      <a:lnStyleLst>
+        <a:ln w="9525" cap="flat" cmpd="sng" algn="ctr">
+          <a:solidFill>
+            <a:schemeClr val="phClr">
+              <a:shade val="95000"/>
+              <a:satMod val="105000"/>
+            </a:schemeClr>
+          </a:solidFill>
+          <a:prstDash val="solid"/>
+        </a:ln>
+        <a:ln w="25400" cap="flat" cmpd="sng" algn="ctr">
+          <a:solidFill>
+            <a:schemeClr val="phClr"/>
+          </a:solidFill>
+          <a:prstDash val="solid"/>
+        </a:ln>
+        <a:ln w="38100" cap="flat" cmpd="sng" algn="ctr">
+          <a:solidFill>
+            <a:schemeClr val="phClr"/>
+          </a:solidFill>
+          <a:prstDash val="solid"/>
+        </a:ln>
+      </a:lnStyleLst>
+      <a:effectStyleLst>
+        <a:effectStyle>
+          <a:effectLst>
+            <a:outerShdw blurRad="40000" dist="20000" dir="5400000" rotWithShape="0">
+              <a:srgbClr val="000000">
+                <a:alpha val="38000"/>
+              </a:srgbClr>
+            </a:outerShdw>
+          </a:effectLst>
+        </a:effectStyle>
+        <a:effectStyle>
+          <a:effectLst>
+            <a:outerShdw blurRad="40000" dist="23000" dir="5400000" rotWithShape="0">
+              <a:srgbClr val="000000">
+                <a:alpha val="35000"/>
+              </a:srgbClr>
+            </a:outerShdw>
+          </a:effectLst>
+        </a:effectStyle>
+        <a:effectStyle>
+          <a:effectLst>
+            <a:outerShdw blurRad="40000" dist="23000" dir="5400000" rotWithShape="0">
+              <a:srgbClr val="000000">
+                <a:alpha val="35000"/>
+              </a:srgbClr>
+            </a:outerShdw>
+          </a:effectLst>
+          <a:scene3d>
+            <a:camera prst="orthographicFront">
+              <a:rot lat="0" lon="0" rev="0"/>
+            </a:camera>
+            <a:lightRig rig="threePt" dir="t">
+              <a:rot lat="0" lon="0" rev="1200000"/>
+            </a:lightRig>
+          </a:scene3d>
+          <a:sp3d>
+            <a:bevelT w="63500" h="25400"/>
+          </a:sp3d>
+        </a:effectStyle>
+      </a:effectStyleLst>
+      <a:bgFillStyleLst>
+        <a:solidFill>
+          <a:schemeClr val="phClr"/>
+        </a:solidFill>
+        <a:gradFill rotWithShape="1">
+          <a:gsLst>
+            <a:gs pos="0">
+              <a:schemeClr val="phClr">
+                <a:tint val="40000"/>
+                <a:satMod val="350000"/>
+              </a:schemeClr>
+            </a:gs>
+            <a:gs pos="40000">
+              <a:schemeClr val="phClr">
+                <a:tint val="45000"/>
+                <a:shade val="99000"/>
+                <a:satMod val="350000"/>
+              </a:schemeClr>
+            </a:gs>
+            <a:gs pos="100000">
+              <a:schemeClr val="phClr">
+                <a:shade val="20000"/>
+                <a:satMod val="255000"/>
+              </a:schemeClr>
+            </a:gs>
+          </a:gsLst>
+          <a:path path="circle">
+            <a:fillToRect l="50000" t="-80000" r="50000" b="180000"/>
+          </a:path>
+        </a:gradFill>
+        <a:gradFill rotWithShape="1">
+          <a:gsLst>
+            <a:gs pos="0">
+              <a:schemeClr val="phClr">
+                <a:tint val="80000"/>
+                <a:satMod val="300000"/>
+              </a:schemeClr>
+            </a:gs>
+            <a:gs pos="100000">
+              <a:schemeClr val="phClr">
+                <a:shade val="30000"/>
+                <a:satMod val="200000"/>
+              </a:schemeClr>
+            </a:gs>
+          </a:gsLst>
+          <a:path path="circle">
+            <a:fillToRect l="50000" t="50000" r="50000" b="50000"/>
+          </a:path>
+        </a:gradFill>
+      </a:bgFillStyleLst>
+    </a:fmtScheme>
+  </a:themeElements>
+</a:theme>
+</file>
+
+<file path=ppt/theme/theme2.xml><?xml version="1.0" encoding="utf-8"?>
 <a:theme xmlns:a="http://schemas.openxmlformats.org/drawingml/2006/main" xmlns:r="http://schemas.openxmlformats.org/officeDocument/2006/relationships" name="Custom Theme">
   <a:themeElements>
     <a:clrScheme name="Default">
@@ -8431,283 +8710,4 @@
     </a:fmtScheme>
   </a:themeElements>
 </a:theme>
-</file>
-
-<file path=ppt/theme/theme2.xml><?xml version="1.0" encoding="utf-8"?>
-<a:theme xmlns:a="http://schemas.openxmlformats.org/drawingml/2006/main" xmlns:r="http://schemas.openxmlformats.org/officeDocument/2006/relationships" name="material">
-  <a:themeElements>
-    <a:clrScheme name="Material">
-      <a:dk1>
-        <a:srgbClr val="4285F4"/>
-      </a:dk1>
-      <a:lt1>
-        <a:srgbClr val="FFFFFF"/>
-      </a:lt1>
-      <a:dk2>
-        <a:srgbClr val="424242"/>
-      </a:dk2>
-      <a:lt2>
-        <a:srgbClr val="737373"/>
-      </a:lt2>
-      <a:accent1>
-        <a:srgbClr val="0277BD"/>
-      </a:accent1>
-      <a:accent2>
-        <a:srgbClr val="0F9D58"/>
-      </a:accent2>
-      <a:accent3>
-        <a:srgbClr val="DB4437"/>
-      </a:accent3>
-      <a:accent4>
-        <a:srgbClr val="FAFAFA"/>
-      </a:accent4>
-      <a:accent5>
-        <a:srgbClr val="4FC3F7"/>
-      </a:accent5>
-      <a:accent6>
-        <a:srgbClr val="F4B400"/>
-      </a:accent6>
-      <a:hlink>
-        <a:srgbClr val="4FC3F7"/>
-      </a:hlink>
-      <a:folHlink>
-        <a:srgbClr val="4FC3F7"/>
-      </a:folHlink>
-    </a:clrScheme>
-    <a:fontScheme name="Office">
-      <a:majorFont>
-        <a:latin typeface="Arial"/>
-        <a:ea typeface=""/>
-        <a:cs typeface=""/>
-        <a:font script="Jpan" typeface="ＭＳ Ｐゴシック"/>
-        <a:font script="Hang" typeface="맑은 고딕"/>
-        <a:font script="Hans" typeface="宋体"/>
-        <a:font script="Hant" typeface="新細明體"/>
-        <a:font script="Arab" typeface="Times New Roman"/>
-        <a:font script="Hebr" typeface="Times New Roman"/>
-        <a:font script="Thai" typeface="Angsana New"/>
-        <a:font script="Ethi" typeface="Nyala"/>
-        <a:font script="Beng" typeface="Vrinda"/>
-        <a:font script="Gujr" typeface="Shruti"/>
-        <a:font script="Khmr" typeface="MoolBoran"/>
-        <a:font script="Knda" typeface="Tunga"/>
-        <a:font script="Guru" typeface="Raavi"/>
-        <a:font script="Cans" typeface="Euphemia"/>
-        <a:font script="Cher" typeface="Plantagenet Cherokee"/>
-        <a:font script="Yiii" typeface="Microsoft Yi Baiti"/>
-        <a:font script="Tibt" typeface="Microsoft Himalaya"/>
-        <a:font script="Thaa" typeface="MV Boli"/>
-        <a:font script="Deva" typeface="Mangal"/>
-        <a:font script="Telu" typeface="Gautami"/>
-        <a:font script="Taml" typeface="Latha"/>
-        <a:font script="Syrc" typeface="Estrangelo Edessa"/>
-        <a:font script="Orya" typeface="Kalinga"/>
-        <a:font script="Mlym" typeface="Kartika"/>
-        <a:font script="Laoo" typeface="DokChampa"/>
-        <a:font script="Sinh" typeface="Iskoola Pota"/>
-        <a:font script="Mong" typeface="Mongolian Baiti"/>
-        <a:font script="Viet" typeface="Times New Roman"/>
-        <a:font script="Uigh" typeface="Microsoft Uighur"/>
-        <a:font script="Geor" typeface="Sylfaen"/>
-      </a:majorFont>
-      <a:minorFont>
-        <a:latin typeface="Arial"/>
-        <a:ea typeface=""/>
-        <a:cs typeface=""/>
-        <a:font script="Jpan" typeface="ＭＳ Ｐゴシック"/>
-        <a:font script="Hang" typeface="맑은 고딕"/>
-        <a:font script="Hans" typeface="宋体"/>
-        <a:font script="Hant" typeface="新細明體"/>
-        <a:font script="Arab" typeface="Arial"/>
-        <a:font script="Hebr" typeface="Arial"/>
-        <a:font script="Thai" typeface="Cordia New"/>
-        <a:font script="Ethi" typeface="Nyala"/>
-        <a:font script="Beng" typeface="Vrinda"/>
-        <a:font script="Gujr" typeface="Shruti"/>
-        <a:font script="Khmr" typeface="DaunPenh"/>
-        <a:font script="Knda" typeface="Tunga"/>
-        <a:font script="Guru" typeface="Raavi"/>
-        <a:font script="Cans" typeface="Euphemia"/>
-        <a:font script="Cher" typeface="Plantagenet Cherokee"/>
-        <a:font script="Yiii" typeface="Microsoft Yi Baiti"/>
-        <a:font script="Tibt" typeface="Microsoft Himalaya"/>
-        <a:font script="Thaa" typeface="MV Boli"/>
-        <a:font script="Deva" typeface="Mangal"/>
-        <a:font script="Telu" typeface="Gautami"/>
-        <a:font script="Taml" typeface="Latha"/>
-        <a:font script="Syrc" typeface="Estrangelo Edessa"/>
-        <a:font script="Orya" typeface="Kalinga"/>
-        <a:font script="Mlym" typeface="Kartika"/>
-        <a:font script="Laoo" typeface="DokChampa"/>
-        <a:font script="Sinh" typeface="Iskoola Pota"/>
-        <a:font script="Mong" typeface="Mongolian Baiti"/>
-        <a:font script="Viet" typeface="Arial"/>
-        <a:font script="Uigh" typeface="Microsoft Uighur"/>
-        <a:font script="Geor" typeface="Sylfaen"/>
-      </a:minorFont>
-    </a:fontScheme>
-    <a:fmtScheme name="Office">
-      <a:fillStyleLst>
-        <a:solidFill>
-          <a:schemeClr val="phClr"/>
-        </a:solidFill>
-        <a:gradFill rotWithShape="1">
-          <a:gsLst>
-            <a:gs pos="0">
-              <a:schemeClr val="phClr">
-                <a:tint val="50000"/>
-                <a:satMod val="300000"/>
-              </a:schemeClr>
-            </a:gs>
-            <a:gs pos="35000">
-              <a:schemeClr val="phClr">
-                <a:tint val="37000"/>
-                <a:satMod val="300000"/>
-              </a:schemeClr>
-            </a:gs>
-            <a:gs pos="100000">
-              <a:schemeClr val="phClr">
-                <a:tint val="15000"/>
-                <a:satMod val="350000"/>
-              </a:schemeClr>
-            </a:gs>
-          </a:gsLst>
-          <a:lin ang="16200000" scaled="1"/>
-        </a:gradFill>
-        <a:gradFill rotWithShape="1">
-          <a:gsLst>
-            <a:gs pos="0">
-              <a:schemeClr val="phClr">
-                <a:tint val="100000"/>
-                <a:shade val="100000"/>
-                <a:satMod val="130000"/>
-              </a:schemeClr>
-            </a:gs>
-            <a:gs pos="100000">
-              <a:schemeClr val="phClr">
-                <a:tint val="50000"/>
-                <a:shade val="100000"/>
-                <a:satMod val="350000"/>
-              </a:schemeClr>
-            </a:gs>
-          </a:gsLst>
-          <a:lin ang="16200000" scaled="0"/>
-        </a:gradFill>
-      </a:fillStyleLst>
-      <a:lnStyleLst>
-        <a:ln w="9525" cap="flat" cmpd="sng" algn="ctr">
-          <a:solidFill>
-            <a:schemeClr val="phClr">
-              <a:shade val="95000"/>
-              <a:satMod val="105000"/>
-            </a:schemeClr>
-          </a:solidFill>
-          <a:prstDash val="solid"/>
-        </a:ln>
-        <a:ln w="25400" cap="flat" cmpd="sng" algn="ctr">
-          <a:solidFill>
-            <a:schemeClr val="phClr"/>
-          </a:solidFill>
-          <a:prstDash val="solid"/>
-        </a:ln>
-        <a:ln w="38100" cap="flat" cmpd="sng" algn="ctr">
-          <a:solidFill>
-            <a:schemeClr val="phClr"/>
-          </a:solidFill>
-          <a:prstDash val="solid"/>
-        </a:ln>
-      </a:lnStyleLst>
-      <a:effectStyleLst>
-        <a:effectStyle>
-          <a:effectLst>
-            <a:outerShdw blurRad="40000" dist="20000" dir="5400000" rotWithShape="0">
-              <a:srgbClr val="000000">
-                <a:alpha val="38000"/>
-              </a:srgbClr>
-            </a:outerShdw>
-          </a:effectLst>
-        </a:effectStyle>
-        <a:effectStyle>
-          <a:effectLst>
-            <a:outerShdw blurRad="40000" dist="23000" dir="5400000" rotWithShape="0">
-              <a:srgbClr val="000000">
-                <a:alpha val="35000"/>
-              </a:srgbClr>
-            </a:outerShdw>
-          </a:effectLst>
-        </a:effectStyle>
-        <a:effectStyle>
-          <a:effectLst>
-            <a:outerShdw blurRad="40000" dist="23000" dir="5400000" rotWithShape="0">
-              <a:srgbClr val="000000">
-                <a:alpha val="35000"/>
-              </a:srgbClr>
-            </a:outerShdw>
-          </a:effectLst>
-          <a:scene3d>
-            <a:camera prst="orthographicFront">
-              <a:rot lat="0" lon="0" rev="0"/>
-            </a:camera>
-            <a:lightRig rig="threePt" dir="t">
-              <a:rot lat="0" lon="0" rev="1200000"/>
-            </a:lightRig>
-          </a:scene3d>
-          <a:sp3d>
-            <a:bevelT w="63500" h="25400"/>
-          </a:sp3d>
-        </a:effectStyle>
-      </a:effectStyleLst>
-      <a:bgFillStyleLst>
-        <a:solidFill>
-          <a:schemeClr val="phClr"/>
-        </a:solidFill>
-        <a:gradFill rotWithShape="1">
-          <a:gsLst>
-            <a:gs pos="0">
-              <a:schemeClr val="phClr">
-                <a:tint val="40000"/>
-                <a:satMod val="350000"/>
-              </a:schemeClr>
-            </a:gs>
-            <a:gs pos="40000">
-              <a:schemeClr val="phClr">
-                <a:tint val="45000"/>
-                <a:shade val="99000"/>
-                <a:satMod val="350000"/>
-              </a:schemeClr>
-            </a:gs>
-            <a:gs pos="100000">
-              <a:schemeClr val="phClr">
-                <a:shade val="20000"/>
-                <a:satMod val="255000"/>
-              </a:schemeClr>
-            </a:gs>
-          </a:gsLst>
-          <a:path path="circle">
-            <a:fillToRect l="50000" t="-80000" r="50000" b="180000"/>
-          </a:path>
-        </a:gradFill>
-        <a:gradFill rotWithShape="1">
-          <a:gsLst>
-            <a:gs pos="0">
-              <a:schemeClr val="phClr">
-                <a:tint val="80000"/>
-                <a:satMod val="300000"/>
-              </a:schemeClr>
-            </a:gs>
-            <a:gs pos="100000">
-              <a:schemeClr val="phClr">
-                <a:shade val="30000"/>
-                <a:satMod val="200000"/>
-              </a:schemeClr>
-            </a:gs>
-          </a:gsLst>
-          <a:path path="circle">
-            <a:fillToRect l="50000" t="50000" r="50000" b="50000"/>
-          </a:path>
-        </a:gradFill>
-      </a:bgFillStyleLst>
-    </a:fmtScheme>
-  </a:themeElements>
-</a:theme>
 </file>
--- a/initial_presentation.pptx
+++ b/initial_presentation.pptx
@@ -486,7 +486,7 @@
   <p:cSld>
     <p:spTree>
       <p:nvGrpSpPr>
-        <p:cNvPr id="133" name="Shape 133"/>
+        <p:cNvPr id="135" name="Shape 135"/>
         <p:cNvGrpSpPr/>
         <p:nvPr/>
       </p:nvGrpSpPr>
@@ -500,7 +500,7 @@
       </p:grpSpPr>
       <p:sp>
         <p:nvSpPr>
-          <p:cNvPr id="134" name="Shape 134"/>
+          <p:cNvPr id="136" name="Shape 136"/>
           <p:cNvSpPr/>
           <p:nvPr>
             <p:ph idx="2" type="sldImg"/>
@@ -534,7 +534,7 @@
       </p:sp>
       <p:sp>
         <p:nvSpPr>
-          <p:cNvPr id="135" name="Shape 135"/>
+          <p:cNvPr id="137" name="Shape 137"/>
           <p:cNvSpPr txBox="1"/>
           <p:nvPr>
             <p:ph idx="1" type="body"/>
@@ -580,7 +580,7 @@
   <p:cSld>
     <p:spTree>
       <p:nvGrpSpPr>
-        <p:cNvPr id="139" name="Shape 139"/>
+        <p:cNvPr id="141" name="Shape 141"/>
         <p:cNvGrpSpPr/>
         <p:nvPr/>
       </p:nvGrpSpPr>
@@ -594,7 +594,7 @@
       </p:grpSpPr>
       <p:sp>
         <p:nvSpPr>
-          <p:cNvPr id="140" name="Shape 140"/>
+          <p:cNvPr id="142" name="Shape 142"/>
           <p:cNvSpPr/>
           <p:nvPr>
             <p:ph idx="2" type="sldImg"/>
@@ -628,7 +628,7 @@
       </p:sp>
       <p:sp>
         <p:nvSpPr>
-          <p:cNvPr id="141" name="Shape 141"/>
+          <p:cNvPr id="143" name="Shape 143"/>
           <p:cNvSpPr txBox="1"/>
           <p:nvPr>
             <p:ph idx="1" type="body"/>
@@ -675,7 +675,7 @@
   <p:cSld>
     <p:spTree>
       <p:nvGrpSpPr>
-        <p:cNvPr id="145" name="Shape 145"/>
+        <p:cNvPr id="147" name="Shape 147"/>
         <p:cNvGrpSpPr/>
         <p:nvPr/>
       </p:nvGrpSpPr>
@@ -689,7 +689,7 @@
       </p:grpSpPr>
       <p:sp>
         <p:nvSpPr>
-          <p:cNvPr id="146" name="Shape 146"/>
+          <p:cNvPr id="148" name="Shape 148"/>
           <p:cNvSpPr/>
           <p:nvPr>
             <p:ph idx="2" type="sldImg"/>
@@ -723,7 +723,7 @@
       </p:sp>
       <p:sp>
         <p:nvSpPr>
-          <p:cNvPr id="147" name="Shape 147"/>
+          <p:cNvPr id="149" name="Shape 149"/>
           <p:cNvSpPr txBox="1"/>
           <p:nvPr>
             <p:ph idx="1" type="body"/>
@@ -960,7 +960,7 @@
   <p:cSld>
     <p:spTree>
       <p:nvGrpSpPr>
-        <p:cNvPr id="82" name="Shape 82"/>
+        <p:cNvPr id="83" name="Shape 83"/>
         <p:cNvGrpSpPr/>
         <p:nvPr/>
       </p:nvGrpSpPr>
@@ -974,7 +974,7 @@
       </p:grpSpPr>
       <p:sp>
         <p:nvSpPr>
-          <p:cNvPr id="83" name="Shape 83"/>
+          <p:cNvPr id="84" name="Shape 84"/>
           <p:cNvSpPr/>
           <p:nvPr>
             <p:ph idx="2" type="sldImg"/>
@@ -1008,7 +1008,7 @@
       </p:sp>
       <p:sp>
         <p:nvSpPr>
-          <p:cNvPr id="84" name="Shape 84"/>
+          <p:cNvPr id="85" name="Shape 85"/>
           <p:cNvSpPr txBox="1"/>
           <p:nvPr>
             <p:ph idx="1" type="body"/>
@@ -1055,7 +1055,7 @@
   <p:cSld>
     <p:spTree>
       <p:nvGrpSpPr>
-        <p:cNvPr id="88" name="Shape 88"/>
+        <p:cNvPr id="89" name="Shape 89"/>
         <p:cNvGrpSpPr/>
         <p:nvPr/>
       </p:nvGrpSpPr>
@@ -1069,7 +1069,7 @@
       </p:grpSpPr>
       <p:sp>
         <p:nvSpPr>
-          <p:cNvPr id="89" name="Shape 89"/>
+          <p:cNvPr id="90" name="Shape 90"/>
           <p:cNvSpPr/>
           <p:nvPr>
             <p:ph idx="2" type="sldImg"/>
@@ -1103,7 +1103,7 @@
       </p:sp>
       <p:sp>
         <p:nvSpPr>
-          <p:cNvPr id="90" name="Shape 90"/>
+          <p:cNvPr id="91" name="Shape 91"/>
           <p:cNvSpPr txBox="1"/>
           <p:nvPr>
             <p:ph idx="1" type="body"/>
@@ -1150,7 +1150,7 @@
   <p:cSld>
     <p:spTree>
       <p:nvGrpSpPr>
-        <p:cNvPr id="94" name="Shape 94"/>
+        <p:cNvPr id="96" name="Shape 96"/>
         <p:cNvGrpSpPr/>
         <p:nvPr/>
       </p:nvGrpSpPr>
@@ -1164,7 +1164,7 @@
       </p:grpSpPr>
       <p:sp>
         <p:nvSpPr>
-          <p:cNvPr id="95" name="Shape 95"/>
+          <p:cNvPr id="97" name="Shape 97"/>
           <p:cNvSpPr/>
           <p:nvPr>
             <p:ph idx="2" type="sldImg"/>
@@ -1198,7 +1198,7 @@
       </p:sp>
       <p:sp>
         <p:nvSpPr>
-          <p:cNvPr id="96" name="Shape 96"/>
+          <p:cNvPr id="98" name="Shape 98"/>
           <p:cNvSpPr txBox="1"/>
           <p:nvPr>
             <p:ph idx="1" type="body"/>
@@ -1245,7 +1245,7 @@
   <p:cSld>
     <p:spTree>
       <p:nvGrpSpPr>
-        <p:cNvPr id="100" name="Shape 100"/>
+        <p:cNvPr id="109" name="Shape 109"/>
         <p:cNvGrpSpPr/>
         <p:nvPr/>
       </p:nvGrpSpPr>
@@ -1259,7 +1259,7 @@
       </p:grpSpPr>
       <p:sp>
         <p:nvSpPr>
-          <p:cNvPr id="101" name="Shape 101"/>
+          <p:cNvPr id="110" name="Shape 110"/>
           <p:cNvSpPr/>
           <p:nvPr>
             <p:ph idx="2" type="sldImg"/>
@@ -1293,7 +1293,7 @@
       </p:sp>
       <p:sp>
         <p:nvSpPr>
-          <p:cNvPr id="102" name="Shape 102"/>
+          <p:cNvPr id="111" name="Shape 111"/>
           <p:cNvSpPr txBox="1"/>
           <p:nvPr>
             <p:ph idx="1" type="body"/>
@@ -1340,7 +1340,7 @@
   <p:cSld>
     <p:spTree>
       <p:nvGrpSpPr>
-        <p:cNvPr id="113" name="Shape 113"/>
+        <p:cNvPr id="115" name="Shape 115"/>
         <p:cNvGrpSpPr/>
         <p:nvPr/>
       </p:nvGrpSpPr>
@@ -1354,7 +1354,7 @@
       </p:grpSpPr>
       <p:sp>
         <p:nvSpPr>
-          <p:cNvPr id="114" name="Shape 114"/>
+          <p:cNvPr id="116" name="Shape 116"/>
           <p:cNvSpPr/>
           <p:nvPr>
             <p:ph idx="2" type="sldImg"/>
@@ -1388,7 +1388,7 @@
       </p:sp>
       <p:sp>
         <p:nvSpPr>
-          <p:cNvPr id="115" name="Shape 115"/>
+          <p:cNvPr id="117" name="Shape 117"/>
           <p:cNvSpPr txBox="1"/>
           <p:nvPr>
             <p:ph idx="1" type="body"/>
@@ -1435,7 +1435,7 @@
   <p:cSld>
     <p:spTree>
       <p:nvGrpSpPr>
-        <p:cNvPr id="126" name="Shape 126"/>
+        <p:cNvPr id="128" name="Shape 128"/>
         <p:cNvGrpSpPr/>
         <p:nvPr/>
       </p:nvGrpSpPr>
@@ -1449,7 +1449,7 @@
       </p:grpSpPr>
       <p:sp>
         <p:nvSpPr>
-          <p:cNvPr id="127" name="Shape 127"/>
+          <p:cNvPr id="129" name="Shape 129"/>
           <p:cNvSpPr/>
           <p:nvPr>
             <p:ph idx="2" type="sldImg"/>
@@ -1483,7 +1483,7 @@
       </p:sp>
       <p:sp>
         <p:nvSpPr>
-          <p:cNvPr id="128" name="Shape 128"/>
+          <p:cNvPr id="130" name="Shape 130"/>
           <p:cNvSpPr txBox="1"/>
           <p:nvPr>
             <p:ph idx="1" type="body"/>
@@ -5898,8 +5898,32 @@
             </a:pPr>
             <a:r>
               <a:rPr lang="en" sz="1400"/>
-              <a:t>Workshop R&amp;D</a:t>
-            </a:r>
+              <a:t>Workshop R&amp;D - Red Hat</a:t>
+            </a:r>
+          </a:p>
+          <a:p>
+            <a:pPr lvl="0" rtl="0" algn="l">
+              <a:spcBef>
+                <a:spcPts val="0"/>
+              </a:spcBef>
+              <a:buNone/>
+            </a:pPr>
+            <a:r>
+              <a:t/>
+            </a:r>
+            <a:endParaRPr sz="1400"/>
+          </a:p>
+          <a:p>
+            <a:pPr lvl="0" rtl="0" algn="l">
+              <a:spcBef>
+                <a:spcPts val="0"/>
+              </a:spcBef>
+              <a:buNone/>
+            </a:pPr>
+            <a:r>
+              <a:t/>
+            </a:r>
+            <a:endParaRPr sz="1400"/>
           </a:p>
           <a:p>
             <a:pPr lvl="0" rtl="0" algn="ctr">
@@ -5909,9 +5933,9 @@
               <a:buNone/>
             </a:pPr>
             <a:r>
-              <a:t/>
-            </a:r>
-            <a:endParaRPr sz="1400"/>
+              <a:rPr lang="en" sz="1400"/>
+              <a:t>Supervisors : Jean-Frederic Clere &amp; Rémy Maucherat</a:t>
+            </a:r>
           </a:p>
           <a:p>
             <a:pPr lvl="0" rtl="0" algn="ctr">
@@ -5921,21 +5945,9 @@
               <a:buNone/>
             </a:pPr>
             <a:r>
-              <a:t/>
-            </a:r>
-            <a:endParaRPr sz="1400"/>
-          </a:p>
-          <a:p>
-            <a:pPr lvl="0" rtl="0" algn="l">
-              <a:spcBef>
-                <a:spcPts val="0"/>
-              </a:spcBef>
-              <a:buNone/>
-            </a:pPr>
-            <a:r>
-              <a:t/>
-            </a:r>
-            <a:endParaRPr sz="1400"/>
+              <a:rPr lang="en" sz="1400"/>
+              <a:t>		</a:t>
+            </a:r>
           </a:p>
           <a:p>
             <a:pPr lvl="0" rtl="0" algn="ctr">
@@ -5945,20 +5957,8 @@
               <a:buNone/>
             </a:pPr>
             <a:r>
-              <a:t/>
-            </a:r>
-            <a:endParaRPr sz="1400"/>
-          </a:p>
-          <a:p>
-            <a:pPr lvl="0" rtl="0" algn="ctr">
-              <a:spcBef>
-                <a:spcPts val="0"/>
-              </a:spcBef>
-              <a:buNone/>
-            </a:pPr>
-            <a:r>
               <a:rPr lang="en" sz="1400"/>
-              <a:t>Jocelyn Thode &amp; Simon Brulhart</a:t>
+              <a:t>Team : Jocelyn Thode &amp; Simon Brulhart</a:t>
             </a:r>
           </a:p>
         </p:txBody>
@@ -5979,7 +5979,7 @@
   <p:cSld>
     <p:spTree>
       <p:nvGrpSpPr>
-        <p:cNvPr id="136" name="Shape 136"/>
+        <p:cNvPr id="138" name="Shape 138"/>
         <p:cNvGrpSpPr/>
         <p:nvPr/>
       </p:nvGrpSpPr>
@@ -5993,7 +5993,7 @@
       </p:grpSpPr>
       <p:sp>
         <p:nvSpPr>
-          <p:cNvPr id="137" name="Shape 137"/>
+          <p:cNvPr id="139" name="Shape 139"/>
           <p:cNvSpPr txBox="1"/>
           <p:nvPr>
             <p:ph type="title"/>
@@ -6029,7 +6029,7 @@
       </p:sp>
       <p:sp>
         <p:nvSpPr>
-          <p:cNvPr id="138" name="Shape 138"/>
+          <p:cNvPr id="140" name="Shape 140"/>
           <p:cNvSpPr txBox="1"/>
           <p:nvPr>
             <p:ph idx="1" type="body"/>
@@ -6168,7 +6168,7 @@
   <p:cSld>
     <p:spTree>
       <p:nvGrpSpPr>
-        <p:cNvPr id="142" name="Shape 142"/>
+        <p:cNvPr id="144" name="Shape 144"/>
         <p:cNvGrpSpPr/>
         <p:nvPr/>
       </p:nvGrpSpPr>
@@ -6182,7 +6182,7 @@
       </p:grpSpPr>
       <p:sp>
         <p:nvSpPr>
-          <p:cNvPr id="143" name="Shape 143"/>
+          <p:cNvPr id="145" name="Shape 145"/>
           <p:cNvSpPr txBox="1"/>
           <p:nvPr>
             <p:ph type="title"/>
@@ -6218,7 +6218,7 @@
       </p:sp>
       <p:sp>
         <p:nvSpPr>
-          <p:cNvPr id="144" name="Shape 144"/>
+          <p:cNvPr id="146" name="Shape 146"/>
           <p:cNvSpPr txBox="1"/>
           <p:nvPr>
             <p:ph idx="1" type="body"/>
@@ -6334,7 +6334,7 @@
   <p:cSld>
     <p:spTree>
       <p:nvGrpSpPr>
-        <p:cNvPr id="148" name="Shape 148"/>
+        <p:cNvPr id="150" name="Shape 150"/>
         <p:cNvGrpSpPr/>
         <p:nvPr/>
       </p:nvGrpSpPr>
@@ -6348,7 +6348,7 @@
       </p:grpSpPr>
       <p:sp>
         <p:nvSpPr>
-          <p:cNvPr id="149" name="Shape 149"/>
+          <p:cNvPr id="151" name="Shape 151"/>
           <p:cNvSpPr txBox="1"/>
           <p:nvPr>
             <p:ph type="title"/>
@@ -6384,7 +6384,7 @@
       </p:sp>
       <p:pic>
         <p:nvPicPr>
-          <p:cNvPr id="150" name="Shape 150"/>
+          <p:cNvPr id="152" name="Shape 152"/>
           <p:cNvPicPr preferRelativeResize="0"/>
           <p:nvPr/>
         </p:nvPicPr>
@@ -6504,7 +6504,7 @@
             </a:pPr>
             <a:r>
               <a:rPr lang="en"/>
-              <a:t>Undertow</a:t>
+              <a:t>Undertow &amp; Tomcat</a:t>
             </a:r>
           </a:p>
           <a:p>
@@ -6526,7 +6526,7 @@
             </a:pPr>
             <a:r>
               <a:rPr lang="en"/>
-              <a:t>SSL encryption with Undertow</a:t>
+              <a:t>Ways to use SSL</a:t>
             </a:r>
           </a:p>
           <a:p>
@@ -6696,7 +6696,7 @@
             </a:pPr>
             <a:r>
               <a:rPr lang="en"/>
-              <a:t>Use SSL </a:t>
+              <a:t>Can use </a:t>
             </a:r>
             <a:r>
               <a:rPr b="1" lang="en"/>
@@ -6704,7 +6704,7 @@
             </a:r>
             <a:r>
               <a:rPr lang="en"/>
-              <a:t> Engine</a:t>
+              <a:t> SSL Engine</a:t>
             </a:r>
           </a:p>
           <a:p>
@@ -6715,25 +6715,52 @@
               <a:buNone/>
             </a:pPr>
             <a:r>
-              <a:rPr lang="en"/>
-              <a:t>Undertow is used specifically as the Web Server component in </a:t>
-            </a:r>
-            <a:r>
               <a:rPr b="1" lang="en"/>
-              <a:t>Wildfly</a:t>
-            </a:r>
-          </a:p>
-          <a:p>
-            <a:pPr lvl="0" rtl="0">
-              <a:spcBef>
-                <a:spcPts val="0"/>
-              </a:spcBef>
-              <a:buNone/>
-            </a:pPr>
-            <a:r>
-              <a:rPr b="1" lang="en"/>
-              <a:t>=&gt; We can use Tomcat Native in Undertow with some modifications</a:t>
-            </a:r>
+              <a:t>    	One solution for both </a:t>
+            </a:r>
+          </a:p>
+        </p:txBody>
+      </p:sp>
+      <p:sp>
+        <p:nvSpPr>
+          <p:cNvPr id="82" name="Shape 82"/>
+          <p:cNvSpPr/>
+          <p:nvPr/>
+        </p:nvSpPr>
+        <p:spPr>
+          <a:xfrm>
+            <a:off x="699900" y="3734675"/>
+            <a:ext cx="180000" cy="140100"/>
+          </a:xfrm>
+          <a:prstGeom prst="rightArrow">
+            <a:avLst>
+              <a:gd fmla="val 50000" name="adj1"/>
+              <a:gd fmla="val 50000" name="adj2"/>
+            </a:avLst>
+          </a:prstGeom>
+          <a:solidFill>
+            <a:schemeClr val="lt2"/>
+          </a:solidFill>
+          <a:ln>
+            <a:noFill/>
+          </a:ln>
+        </p:spPr>
+        <p:txBody>
+          <a:bodyPr anchorCtr="0" anchor="ctr" bIns="91425" lIns="91425" rIns="91425" tIns="91425">
+            <a:noAutofit/>
+          </a:bodyPr>
+          <a:lstStyle/>
+          <a:p>
+            <a:pPr lvl="0">
+              <a:spcBef>
+                <a:spcPts val="0"/>
+              </a:spcBef>
+              <a:buNone/>
+            </a:pPr>
+            <a:r>
+              <a:t/>
+            </a:r>
+            <a:endParaRPr/>
           </a:p>
         </p:txBody>
       </p:sp>
@@ -6753,7 +6780,7 @@
   <p:cSld>
     <p:spTree>
       <p:nvGrpSpPr>
-        <p:cNvPr id="85" name="Shape 85"/>
+        <p:cNvPr id="86" name="Shape 86"/>
         <p:cNvGrpSpPr/>
         <p:nvPr/>
       </p:nvGrpSpPr>
@@ -6767,7 +6794,7 @@
       </p:grpSpPr>
       <p:sp>
         <p:nvSpPr>
-          <p:cNvPr id="86" name="Shape 86"/>
+          <p:cNvPr id="87" name="Shape 87"/>
           <p:cNvSpPr txBox="1"/>
           <p:nvPr>
             <p:ph type="title"/>
@@ -6796,14 +6823,14 @@
             </a:pPr>
             <a:r>
               <a:rPr lang="en"/>
-              <a:t>SSL Encryption with Undertow</a:t>
-            </a:r>
-          </a:p>
-        </p:txBody>
-      </p:sp>
-      <p:sp>
-        <p:nvSpPr>
-          <p:cNvPr id="87" name="Shape 87"/>
+              <a:t>Tomcat Native</a:t>
+            </a:r>
+          </a:p>
+        </p:txBody>
+      </p:sp>
+      <p:sp>
+        <p:nvSpPr>
+          <p:cNvPr id="88" name="Shape 88"/>
           <p:cNvSpPr txBox="1"/>
           <p:nvPr>
             <p:ph idx="1" type="body"/>
@@ -6824,54 +6851,49 @@
           </a:bodyPr>
           <a:lstStyle/>
           <a:p>
-            <a:pPr indent="-228600" lvl="0" marL="457200" rtl="0">
-              <a:spcBef>
-                <a:spcPts val="0"/>
-              </a:spcBef>
+            <a:pPr lvl="0" rtl="0">
+              <a:spcBef>
+                <a:spcPts val="0"/>
+              </a:spcBef>
+              <a:buNone/>
             </a:pPr>
             <a:r>
               <a:rPr lang="en"/>
-              <a:t>Undertow is using </a:t>
-            </a:r>
-            <a:r>
-              <a:rPr b="1" lang="en"/>
-              <a:t>JSSE </a:t>
-            </a:r>
+              <a:t>“An optional component for use with Apache Tomcat“</a:t>
+            </a:r>
+          </a:p>
+          <a:p>
+            <a:pPr indent="-228600" lvl="0" marL="914400" rtl="0">
+              <a:spcBef>
+                <a:spcPts val="0"/>
+              </a:spcBef>
+            </a:pPr>
             <a:r>
               <a:rPr lang="en"/>
-              <a:t>SSL Engine for SSL/TLS  </a:t>
-            </a:r>
-          </a:p>
-          <a:p>
-            <a:pPr indent="-228600" lvl="0" marL="457200" rtl="0">
+              <a:t>Better performance and compatibility with OS</a:t>
+            </a:r>
+          </a:p>
+          <a:p>
+            <a:pPr indent="-228600" lvl="0" marL="914400" rtl="0">
               <a:spcBef>
                 <a:spcPts val="0"/>
               </a:spcBef>
             </a:pPr>
             <a:r>
               <a:rPr lang="en"/>
-              <a:t>Some work done to use OpenSSL Engine via </a:t>
-            </a:r>
-            <a:r>
-              <a:rPr b="1" lang="en"/>
-              <a:t>JSSE</a:t>
-            </a:r>
+              <a:t>Use encrypted sockets through Apache Portable Runtime (APR)</a:t>
+            </a:r>
+          </a:p>
+          <a:p>
+            <a:pPr indent="-228600" lvl="0" marL="914400" rtl="0">
+              <a:spcBef>
+                <a:spcPts val="0"/>
+              </a:spcBef>
+            </a:pPr>
             <a:r>
               <a:rPr lang="en"/>
-              <a:t> API (namely sockets)</a:t>
-            </a:r>
-          </a:p>
-          <a:p>
-            <a:pPr lvl="0" rtl="0">
-              <a:spcBef>
-                <a:spcPts val="0"/>
-              </a:spcBef>
-              <a:buNone/>
-            </a:pPr>
-            <a:r>
-              <a:t/>
-            </a:r>
-            <a:endParaRPr/>
+              <a:t>Use OpenSSL APIs through APR</a:t>
+            </a:r>
           </a:p>
         </p:txBody>
       </p:sp>
@@ -6891,7 +6913,7 @@
   <p:cSld>
     <p:spTree>
       <p:nvGrpSpPr>
-        <p:cNvPr id="91" name="Shape 91"/>
+        <p:cNvPr id="92" name="Shape 92"/>
         <p:cNvGrpSpPr/>
         <p:nvPr/>
       </p:nvGrpSpPr>
@@ -6905,7 +6927,7 @@
       </p:grpSpPr>
       <p:sp>
         <p:nvSpPr>
-          <p:cNvPr id="92" name="Shape 92"/>
+          <p:cNvPr id="93" name="Shape 93"/>
           <p:cNvSpPr txBox="1"/>
           <p:nvPr>
             <p:ph type="title"/>
@@ -6934,14 +6956,14 @@
             </a:pPr>
             <a:r>
               <a:rPr lang="en"/>
-              <a:t>Tomcat Native</a:t>
-            </a:r>
-          </a:p>
-        </p:txBody>
-      </p:sp>
-      <p:sp>
-        <p:nvSpPr>
-          <p:cNvPr id="93" name="Shape 93"/>
+              <a:t>Ways to use SSL (1)</a:t>
+            </a:r>
+          </a:p>
+        </p:txBody>
+      </p:sp>
+      <p:sp>
+        <p:nvSpPr>
+          <p:cNvPr id="94" name="Shape 94"/>
           <p:cNvSpPr txBox="1"/>
           <p:nvPr>
             <p:ph idx="1" type="body"/>
@@ -6950,7 +6972,7 @@
         <p:spPr>
           <a:xfrm>
             <a:off x="471900" y="1919075"/>
-            <a:ext cx="8222100" cy="2710200"/>
+            <a:ext cx="3999900" cy="2710199"/>
           </a:xfrm>
           <a:prstGeom prst="rect">
             <a:avLst/>
@@ -6969,52 +6991,146 @@
               <a:buNone/>
             </a:pPr>
             <a:r>
+              <a:rPr b="1" lang="en"/>
+              <a:t>Tomcat</a:t>
+            </a:r>
+          </a:p>
+          <a:p>
+            <a:pPr indent="-228600" lvl="0" marL="457200" rtl="0">
+              <a:spcBef>
+                <a:spcPts val="0"/>
+              </a:spcBef>
+            </a:pPr>
+            <a:r>
               <a:rPr lang="en"/>
-              <a:t>“An optional component for use with Apache Tomcat“</a:t>
-            </a:r>
-          </a:p>
-          <a:p>
-            <a:pPr indent="-228600" lvl="0" marL="914400" rtl="0">
+              <a:t>JSSE SSL Engine + Java sockets</a:t>
+            </a:r>
+          </a:p>
+          <a:p>
+            <a:pPr indent="-228600" lvl="0" marL="457200" rtl="0">
               <a:spcBef>
                 <a:spcPts val="0"/>
               </a:spcBef>
             </a:pPr>
             <a:r>
               <a:rPr lang="en"/>
-              <a:t>Better performance and compatibility with OS</a:t>
-            </a:r>
-          </a:p>
-          <a:p>
-            <a:pPr indent="-228600" lvl="0" marL="914400" rtl="0">
+              <a:t>OpenSSL Engine through APR sockets</a:t>
+            </a:r>
+          </a:p>
+          <a:p>
+            <a:pPr indent="-228600" lvl="1" marL="914400" rtl="0">
               <a:spcBef>
                 <a:spcPts val="0"/>
               </a:spcBef>
             </a:pPr>
             <a:r>
               <a:rPr lang="en"/>
-              <a:t>Access to encrypted sockets through Apache Portable Runtime (APR)</a:t>
-            </a:r>
-          </a:p>
-          <a:p>
-            <a:pPr indent="-228600" lvl="0" marL="914400" rtl="0">
+              <a:t>Old way</a:t>
+            </a:r>
+          </a:p>
+          <a:p>
+            <a:pPr indent="-228600" lvl="0" marL="457200" rtl="0">
               <a:spcBef>
                 <a:spcPts val="0"/>
               </a:spcBef>
             </a:pPr>
             <a:r>
               <a:rPr lang="en"/>
-              <a:t>Access to OpenSSL through APR</a:t>
-            </a:r>
-          </a:p>
-          <a:p>
-            <a:pPr indent="-228600" lvl="0" marL="914400" rtl="0">
+              <a:t>OpenSSL Engine + Java sockets</a:t>
+            </a:r>
+          </a:p>
+          <a:p>
+            <a:pPr indent="-228600" lvl="1" marL="914400" rtl="0">
               <a:spcBef>
                 <a:spcPts val="0"/>
               </a:spcBef>
             </a:pPr>
             <a:r>
               <a:rPr lang="en"/>
-              <a:t>Access to OpenSSL through JNI</a:t>
+              <a:t>Numa’s OpenSSL Engine</a:t>
+            </a:r>
+          </a:p>
+          <a:p>
+            <a:pPr lvl="0" rtl="0">
+              <a:spcBef>
+                <a:spcPts val="0"/>
+              </a:spcBef>
+              <a:buNone/>
+            </a:pPr>
+            <a:r>
+              <a:t/>
+            </a:r>
+            <a:endParaRPr/>
+          </a:p>
+          <a:p>
+            <a:pPr lvl="0" rtl="0">
+              <a:spcBef>
+                <a:spcPts val="0"/>
+              </a:spcBef>
+              <a:buNone/>
+            </a:pPr>
+            <a:r>
+              <a:t/>
+            </a:r>
+            <a:endParaRPr/>
+          </a:p>
+          <a:p>
+            <a:pPr lvl="0" rtl="0">
+              <a:spcBef>
+                <a:spcPts val="0"/>
+              </a:spcBef>
+              <a:buNone/>
+            </a:pPr>
+            <a:r>
+              <a:t/>
+            </a:r>
+            <a:endParaRPr sz="900"/>
+          </a:p>
+        </p:txBody>
+      </p:sp>
+      <p:sp>
+        <p:nvSpPr>
+          <p:cNvPr id="95" name="Shape 95"/>
+          <p:cNvSpPr txBox="1"/>
+          <p:nvPr>
+            <p:ph idx="2" type="body"/>
+          </p:nvPr>
+        </p:nvSpPr>
+        <p:spPr>
+          <a:xfrm>
+            <a:off x="4694250" y="1919075"/>
+            <a:ext cx="3999900" cy="2710199"/>
+          </a:xfrm>
+          <a:prstGeom prst="rect">
+            <a:avLst/>
+          </a:prstGeom>
+        </p:spPr>
+        <p:txBody>
+          <a:bodyPr anchorCtr="0" anchor="t" bIns="91425" lIns="91425" rIns="91425" tIns="91425">
+            <a:noAutofit/>
+          </a:bodyPr>
+          <a:lstStyle/>
+          <a:p>
+            <a:pPr lvl="0" rtl="0">
+              <a:spcBef>
+                <a:spcPts val="0"/>
+              </a:spcBef>
+              <a:buNone/>
+            </a:pPr>
+            <a:r>
+              <a:rPr b="1" lang="en"/>
+              <a:t>Undertow</a:t>
+            </a:r>
+          </a:p>
+          <a:p>
+            <a:pPr indent="-228600" lvl="0" marL="457200">
+              <a:spcBef>
+                <a:spcPts val="0"/>
+              </a:spcBef>
+            </a:pPr>
+            <a:r>
+              <a:rPr lang="en"/>
+              <a:t>JSSE SSL Engine + Java sockets</a:t>
             </a:r>
           </a:p>
         </p:txBody>
@@ -7035,7 +7151,7 @@
   <p:cSld>
     <p:spTree>
       <p:nvGrpSpPr>
-        <p:cNvPr id="97" name="Shape 97"/>
+        <p:cNvPr id="99" name="Shape 99"/>
         <p:cNvGrpSpPr/>
         <p:nvPr/>
       </p:nvGrpSpPr>
@@ -7049,7 +7165,7 @@
       </p:grpSpPr>
       <p:sp>
         <p:nvSpPr>
-          <p:cNvPr id="98" name="Shape 98"/>
+          <p:cNvPr id="100" name="Shape 100"/>
           <p:cNvSpPr txBox="1"/>
           <p:nvPr>
             <p:ph type="title"/>
@@ -7078,27 +7194,292 @@
             </a:pPr>
             <a:r>
               <a:rPr lang="en"/>
-              <a:t>Project Goals (1)</a:t>
-            </a:r>
-          </a:p>
-        </p:txBody>
-      </p:sp>
-      <p:sp>
-        <p:nvSpPr>
-          <p:cNvPr id="99" name="Shape 99"/>
+              <a:t>Ways to use SSL (2)</a:t>
+            </a:r>
+          </a:p>
+        </p:txBody>
+      </p:sp>
+      <p:sp>
+        <p:nvSpPr>
+          <p:cNvPr id="101" name="Shape 101"/>
+          <p:cNvSpPr/>
+          <p:nvPr/>
+        </p:nvSpPr>
+        <p:spPr>
+          <a:xfrm>
+            <a:off x="5021862" y="2505825"/>
+            <a:ext cx="1736400" cy="648300"/>
+          </a:xfrm>
+          <a:prstGeom prst="rect">
+            <a:avLst/>
+          </a:prstGeom>
+          <a:solidFill>
+            <a:schemeClr val="accent5"/>
+          </a:solidFill>
+          <a:ln>
+            <a:noFill/>
+          </a:ln>
+        </p:spPr>
+        <p:txBody>
+          <a:bodyPr anchorCtr="0" anchor="ctr" bIns="91425" lIns="91425" rIns="91425" tIns="91425">
+            <a:noAutofit/>
+          </a:bodyPr>
+          <a:lstStyle/>
+          <a:p>
+            <a:pPr lvl="0" rtl="0" algn="ctr">
+              <a:spcBef>
+                <a:spcPts val="0"/>
+              </a:spcBef>
+              <a:buNone/>
+            </a:pPr>
+            <a:r>
+              <a:rPr lang="en">
+                <a:solidFill>
+                  <a:schemeClr val="lt1"/>
+                </a:solidFill>
+              </a:rPr>
+              <a:t>Undertow</a:t>
+            </a:r>
+          </a:p>
+        </p:txBody>
+      </p:sp>
+      <p:sp>
+        <p:nvSpPr>
+          <p:cNvPr id="102" name="Shape 102"/>
+          <p:cNvSpPr/>
+          <p:nvPr/>
+        </p:nvSpPr>
+        <p:spPr>
+          <a:xfrm>
+            <a:off x="2407637" y="2505825"/>
+            <a:ext cx="1736400" cy="648300"/>
+          </a:xfrm>
+          <a:prstGeom prst="rect">
+            <a:avLst/>
+          </a:prstGeom>
+          <a:solidFill>
+            <a:schemeClr val="accent5"/>
+          </a:solidFill>
+          <a:ln>
+            <a:noFill/>
+          </a:ln>
+        </p:spPr>
+        <p:txBody>
+          <a:bodyPr anchorCtr="0" anchor="ctr" bIns="91425" lIns="91425" rIns="91425" tIns="91425">
+            <a:noAutofit/>
+          </a:bodyPr>
+          <a:lstStyle/>
+          <a:p>
+            <a:pPr lvl="0" rtl="0" algn="ctr">
+              <a:spcBef>
+                <a:spcPts val="0"/>
+              </a:spcBef>
+              <a:buNone/>
+            </a:pPr>
+            <a:r>
+              <a:rPr lang="en">
+                <a:solidFill>
+                  <a:schemeClr val="lt1"/>
+                </a:solidFill>
+              </a:rPr>
+              <a:t>Tomcat</a:t>
+            </a:r>
+          </a:p>
+        </p:txBody>
+      </p:sp>
+      <p:sp>
+        <p:nvSpPr>
+          <p:cNvPr id="103" name="Shape 103"/>
+          <p:cNvSpPr/>
+          <p:nvPr/>
+        </p:nvSpPr>
+        <p:spPr>
+          <a:xfrm>
+            <a:off x="2407637" y="3878750"/>
+            <a:ext cx="1736400" cy="648300"/>
+          </a:xfrm>
+          <a:prstGeom prst="rect">
+            <a:avLst/>
+          </a:prstGeom>
+          <a:solidFill>
+            <a:schemeClr val="accent1"/>
+          </a:solidFill>
+          <a:ln>
+            <a:noFill/>
+          </a:ln>
+        </p:spPr>
+        <p:txBody>
+          <a:bodyPr anchorCtr="0" anchor="ctr" bIns="91425" lIns="91425" rIns="91425" tIns="91425">
+            <a:noAutofit/>
+          </a:bodyPr>
+          <a:lstStyle/>
+          <a:p>
+            <a:pPr lvl="0" rtl="0" algn="ctr">
+              <a:spcBef>
+                <a:spcPts val="0"/>
+              </a:spcBef>
+              <a:buNone/>
+            </a:pPr>
+            <a:r>
+              <a:rPr lang="en">
+                <a:solidFill>
+                  <a:schemeClr val="lt1"/>
+                </a:solidFill>
+              </a:rPr>
+              <a:t>tc-native</a:t>
+            </a:r>
+          </a:p>
+        </p:txBody>
+      </p:sp>
+      <p:sp>
+        <p:nvSpPr>
+          <p:cNvPr id="104" name="Shape 104"/>
+          <p:cNvSpPr/>
+          <p:nvPr/>
+        </p:nvSpPr>
+        <p:spPr>
+          <a:xfrm>
+            <a:off x="5021862" y="3878750"/>
+            <a:ext cx="1736400" cy="648300"/>
+          </a:xfrm>
+          <a:prstGeom prst="rect">
+            <a:avLst/>
+          </a:prstGeom>
+          <a:solidFill>
+            <a:schemeClr val="accent1"/>
+          </a:solidFill>
+          <a:ln>
+            <a:noFill/>
+          </a:ln>
+        </p:spPr>
+        <p:txBody>
+          <a:bodyPr anchorCtr="0" anchor="ctr" bIns="91425" lIns="91425" rIns="91425" tIns="91425">
+            <a:noAutofit/>
+          </a:bodyPr>
+          <a:lstStyle/>
+          <a:p>
+            <a:pPr lvl="0" rtl="0" algn="ctr">
+              <a:spcBef>
+                <a:spcPts val="0"/>
+              </a:spcBef>
+              <a:buNone/>
+            </a:pPr>
+            <a:r>
+              <a:rPr lang="en">
+                <a:solidFill>
+                  <a:schemeClr val="lt1"/>
+                </a:solidFill>
+              </a:rPr>
+              <a:t>JSSE</a:t>
+            </a:r>
+          </a:p>
+        </p:txBody>
+      </p:sp>
+      <p:cxnSp>
+        <p:nvCxnSpPr>
+          <p:cNvPr id="105" name="Shape 105"/>
+          <p:cNvCxnSpPr>
+            <a:stCxn id="104" idx="0"/>
+            <a:endCxn id="101" idx="2"/>
+          </p:cNvCxnSpPr>
+          <p:nvPr/>
+        </p:nvCxnSpPr>
+        <p:spPr>
+          <a:xfrm rot="10800000">
+            <a:off x="5890062" y="3154250"/>
+            <a:ext cx="0" cy="724500"/>
+          </a:xfrm>
+          <a:prstGeom prst="straightConnector1">
+            <a:avLst/>
+          </a:prstGeom>
+          <a:noFill/>
+          <a:ln cap="flat" cmpd="sng" w="9525">
+            <a:solidFill>
+              <a:schemeClr val="dk2"/>
+            </a:solidFill>
+            <a:prstDash val="solid"/>
+            <a:round/>
+            <a:headEnd len="lg" w="lg" type="none"/>
+            <a:tailEnd len="lg" w="lg" type="triangle"/>
+          </a:ln>
+        </p:spPr>
+      </p:cxnSp>
+      <p:cxnSp>
+        <p:nvCxnSpPr>
+          <p:cNvPr id="106" name="Shape 106"/>
+          <p:cNvCxnSpPr>
+            <a:stCxn id="104" idx="0"/>
+            <a:endCxn id="102" idx="2"/>
+          </p:cNvCxnSpPr>
+          <p:nvPr/>
+        </p:nvCxnSpPr>
+        <p:spPr>
+          <a:xfrm rot="10800000">
+            <a:off x="3275862" y="3154250"/>
+            <a:ext cx="2614200" cy="724500"/>
+          </a:xfrm>
+          <a:prstGeom prst="straightConnector1">
+            <a:avLst/>
+          </a:prstGeom>
+          <a:noFill/>
+          <a:ln cap="flat" cmpd="sng" w="9525">
+            <a:solidFill>
+              <a:schemeClr val="dk2"/>
+            </a:solidFill>
+            <a:prstDash val="solid"/>
+            <a:round/>
+            <a:headEnd len="lg" w="lg" type="none"/>
+            <a:tailEnd len="lg" w="lg" type="triangle"/>
+          </a:ln>
+        </p:spPr>
+      </p:cxnSp>
+      <p:cxnSp>
+        <p:nvCxnSpPr>
+          <p:cNvPr id="107" name="Shape 107"/>
+          <p:cNvCxnSpPr>
+            <a:stCxn id="103" idx="0"/>
+            <a:endCxn id="102" idx="2"/>
+          </p:cNvCxnSpPr>
+          <p:nvPr/>
+        </p:nvCxnSpPr>
+        <p:spPr>
+          <a:xfrm rot="10800000">
+            <a:off x="3275837" y="3154250"/>
+            <a:ext cx="0" cy="724500"/>
+          </a:xfrm>
+          <a:prstGeom prst="straightConnector1">
+            <a:avLst/>
+          </a:prstGeom>
+          <a:noFill/>
+          <a:ln cap="flat" cmpd="sng" w="9525">
+            <a:solidFill>
+              <a:schemeClr val="dk2"/>
+            </a:solidFill>
+            <a:prstDash val="solid"/>
+            <a:round/>
+            <a:headEnd len="lg" w="lg" type="none"/>
+            <a:tailEnd len="lg" w="lg" type="triangle"/>
+          </a:ln>
+        </p:spPr>
+      </p:cxnSp>
+      <p:sp>
+        <p:nvSpPr>
+          <p:cNvPr id="108" name="Shape 108"/>
           <p:cNvSpPr txBox="1"/>
-          <p:nvPr>
-            <p:ph idx="1" type="body"/>
-          </p:nvPr>
-        </p:nvSpPr>
-        <p:spPr>
-          <a:xfrm>
-            <a:off x="471900" y="1919075"/>
-            <a:ext cx="8222100" cy="2710200"/>
-          </a:xfrm>
-          <a:prstGeom prst="rect">
-            <a:avLst/>
-          </a:prstGeom>
+          <p:nvPr/>
+        </p:nvSpPr>
+        <p:spPr>
+          <a:xfrm>
+            <a:off x="384675" y="1868375"/>
+            <a:ext cx="1538700" cy="738600"/>
+          </a:xfrm>
+          <a:prstGeom prst="rect">
+            <a:avLst/>
+          </a:prstGeom>
+          <a:noFill/>
+          <a:ln>
+            <a:noFill/>
+          </a:ln>
         </p:spPr>
         <p:txBody>
           <a:bodyPr anchorCtr="0" anchor="t" bIns="91425" lIns="91425" rIns="91425" tIns="91425">
@@ -7106,85 +7487,23 @@
           </a:bodyPr>
           <a:lstStyle/>
           <a:p>
-            <a:pPr indent="-228600" lvl="0" marL="457200" rtl="0">
-              <a:spcBef>
-                <a:spcPts val="0"/>
-              </a:spcBef>
-            </a:pPr>
-            <a:r>
-              <a:rPr lang="en"/>
-              <a:t>Study Tomcat Native, Undertow and the current OpenSSL experiments for Undertow</a:t>
-            </a:r>
-          </a:p>
-          <a:p>
-            <a:pPr indent="-228600" lvl="0" marL="457200" rtl="0">
-              <a:spcBef>
-                <a:spcPts val="0"/>
-              </a:spcBef>
-            </a:pPr>
-            <a:r>
-              <a:rPr lang="en"/>
-              <a:t>Subset Tomcat Native so that the JNI interfaces focus on OpenSSL</a:t>
-            </a:r>
-          </a:p>
-          <a:p>
-            <a:pPr indent="-228600" lvl="1" marL="914400" rtl="0">
-              <a:spcBef>
-                <a:spcPts val="0"/>
-              </a:spcBef>
-            </a:pPr>
-            <a:r>
-              <a:rPr lang="en"/>
-              <a:t>Remove APR completely</a:t>
-            </a:r>
-          </a:p>
-          <a:p>
-            <a:pPr indent="-228600" lvl="0" marL="457200" rtl="0">
-              <a:spcBef>
-                <a:spcPts val="0"/>
-              </a:spcBef>
-            </a:pPr>
-            <a:r>
-              <a:rPr lang="en"/>
-              <a:t>Abstracts Tomcat Native so that it can also be used in </a:t>
-            </a:r>
-            <a:r>
-              <a:rPr b="1" lang="en"/>
-              <a:t>Undertow</a:t>
-            </a:r>
-            <a:r>
-              <a:rPr lang="en"/>
-              <a:t> and </a:t>
-            </a:r>
-            <a:r>
-              <a:rPr b="1" lang="en"/>
-              <a:t>Tomcat</a:t>
-            </a:r>
-            <a:r>
-              <a:rPr lang="en"/>
-              <a:t> instead of JSSE</a:t>
-            </a:r>
-          </a:p>
-          <a:p>
-            <a:pPr indent="-228600" lvl="0" marL="457200" rtl="0">
-              <a:spcBef>
-                <a:spcPts val="0"/>
-              </a:spcBef>
-            </a:pPr>
-            <a:r>
-              <a:rPr lang="en"/>
-              <a:t>Run benchmarks to measure performance</a:t>
-            </a:r>
-          </a:p>
-          <a:p>
-            <a:pPr indent="-228600" lvl="0" marL="457200" rtl="0">
-              <a:spcBef>
-                <a:spcPts val="0"/>
-              </a:spcBef>
-            </a:pPr>
-            <a:r>
-              <a:rPr lang="en"/>
-              <a:t>Add JNI calls to access more OpenSSL features (depending on time)</a:t>
+            <a:pPr lvl="0" rtl="0">
+              <a:spcBef>
+                <a:spcPts val="0"/>
+              </a:spcBef>
+              <a:buNone/>
+            </a:pPr>
+            <a:r>
+              <a:rPr lang="en" sz="1800">
+                <a:solidFill>
+                  <a:schemeClr val="lt2"/>
+                </a:solidFill>
+                <a:latin typeface="Roboto"/>
+                <a:ea typeface="Roboto"/>
+                <a:cs typeface="Roboto"/>
+                <a:sym typeface="Roboto"/>
+              </a:rPr>
+              <a:t>Right Now :</a:t>
             </a:r>
           </a:p>
         </p:txBody>
@@ -7205,7 +7524,7 @@
   <p:cSld>
     <p:spTree>
       <p:nvGrpSpPr>
-        <p:cNvPr id="103" name="Shape 103"/>
+        <p:cNvPr id="112" name="Shape 112"/>
         <p:cNvGrpSpPr/>
         <p:nvPr/>
       </p:nvGrpSpPr>
@@ -7219,7 +7538,7 @@
       </p:grpSpPr>
       <p:sp>
         <p:nvSpPr>
-          <p:cNvPr id="104" name="Shape 104"/>
+          <p:cNvPr id="113" name="Shape 113"/>
           <p:cNvSpPr txBox="1"/>
           <p:nvPr>
             <p:ph type="title"/>
@@ -7248,292 +7567,27 @@
             </a:pPr>
             <a:r>
               <a:rPr lang="en"/>
-              <a:t>Tomcat Native</a:t>
-            </a:r>
-          </a:p>
-        </p:txBody>
-      </p:sp>
-      <p:sp>
-        <p:nvSpPr>
-          <p:cNvPr id="105" name="Shape 105"/>
-          <p:cNvSpPr/>
-          <p:nvPr/>
-        </p:nvSpPr>
-        <p:spPr>
-          <a:xfrm>
-            <a:off x="5021862" y="2505825"/>
-            <a:ext cx="1736400" cy="648300"/>
-          </a:xfrm>
-          <a:prstGeom prst="rect">
-            <a:avLst/>
-          </a:prstGeom>
-          <a:solidFill>
-            <a:schemeClr val="accent5"/>
-          </a:solidFill>
-          <a:ln>
-            <a:noFill/>
-          </a:ln>
-        </p:spPr>
-        <p:txBody>
-          <a:bodyPr anchorCtr="0" anchor="ctr" bIns="91425" lIns="91425" rIns="91425" tIns="91425">
-            <a:noAutofit/>
-          </a:bodyPr>
-          <a:lstStyle/>
-          <a:p>
-            <a:pPr lvl="0" rtl="0" algn="ctr">
-              <a:spcBef>
-                <a:spcPts val="0"/>
-              </a:spcBef>
-              <a:buNone/>
-            </a:pPr>
-            <a:r>
-              <a:rPr lang="en">
-                <a:solidFill>
-                  <a:schemeClr val="lt1"/>
-                </a:solidFill>
-              </a:rPr>
-              <a:t>Undertow</a:t>
-            </a:r>
-          </a:p>
-        </p:txBody>
-      </p:sp>
-      <p:sp>
-        <p:nvSpPr>
-          <p:cNvPr id="106" name="Shape 106"/>
-          <p:cNvSpPr/>
-          <p:nvPr/>
-        </p:nvSpPr>
-        <p:spPr>
-          <a:xfrm>
-            <a:off x="2407637" y="2505825"/>
-            <a:ext cx="1736400" cy="648300"/>
-          </a:xfrm>
-          <a:prstGeom prst="rect">
-            <a:avLst/>
-          </a:prstGeom>
-          <a:solidFill>
-            <a:schemeClr val="accent5"/>
-          </a:solidFill>
-          <a:ln>
-            <a:noFill/>
-          </a:ln>
-        </p:spPr>
-        <p:txBody>
-          <a:bodyPr anchorCtr="0" anchor="ctr" bIns="91425" lIns="91425" rIns="91425" tIns="91425">
-            <a:noAutofit/>
-          </a:bodyPr>
-          <a:lstStyle/>
-          <a:p>
-            <a:pPr lvl="0" rtl="0" algn="ctr">
-              <a:spcBef>
-                <a:spcPts val="0"/>
-              </a:spcBef>
-              <a:buNone/>
-            </a:pPr>
-            <a:r>
-              <a:rPr lang="en">
-                <a:solidFill>
-                  <a:schemeClr val="lt1"/>
-                </a:solidFill>
-              </a:rPr>
-              <a:t>Tomcat</a:t>
-            </a:r>
-          </a:p>
-        </p:txBody>
-      </p:sp>
-      <p:sp>
-        <p:nvSpPr>
-          <p:cNvPr id="107" name="Shape 107"/>
-          <p:cNvSpPr/>
-          <p:nvPr/>
-        </p:nvSpPr>
-        <p:spPr>
-          <a:xfrm>
-            <a:off x="2407637" y="3878750"/>
-            <a:ext cx="1736400" cy="648300"/>
-          </a:xfrm>
-          <a:prstGeom prst="rect">
-            <a:avLst/>
-          </a:prstGeom>
-          <a:solidFill>
-            <a:schemeClr val="accent1"/>
-          </a:solidFill>
-          <a:ln>
-            <a:noFill/>
-          </a:ln>
-        </p:spPr>
-        <p:txBody>
-          <a:bodyPr anchorCtr="0" anchor="ctr" bIns="91425" lIns="91425" rIns="91425" tIns="91425">
-            <a:noAutofit/>
-          </a:bodyPr>
-          <a:lstStyle/>
-          <a:p>
-            <a:pPr lvl="0" rtl="0" algn="ctr">
-              <a:spcBef>
-                <a:spcPts val="0"/>
-              </a:spcBef>
-              <a:buNone/>
-            </a:pPr>
-            <a:r>
-              <a:rPr lang="en">
-                <a:solidFill>
-                  <a:schemeClr val="lt1"/>
-                </a:solidFill>
-              </a:rPr>
-              <a:t>tc-native</a:t>
-            </a:r>
-          </a:p>
-        </p:txBody>
-      </p:sp>
-      <p:sp>
-        <p:nvSpPr>
-          <p:cNvPr id="108" name="Shape 108"/>
-          <p:cNvSpPr/>
-          <p:nvPr/>
-        </p:nvSpPr>
-        <p:spPr>
-          <a:xfrm>
-            <a:off x="5021862" y="3878750"/>
-            <a:ext cx="1736400" cy="648300"/>
-          </a:xfrm>
-          <a:prstGeom prst="rect">
-            <a:avLst/>
-          </a:prstGeom>
-          <a:solidFill>
-            <a:schemeClr val="accent1"/>
-          </a:solidFill>
-          <a:ln>
-            <a:noFill/>
-          </a:ln>
-        </p:spPr>
-        <p:txBody>
-          <a:bodyPr anchorCtr="0" anchor="ctr" bIns="91425" lIns="91425" rIns="91425" tIns="91425">
-            <a:noAutofit/>
-          </a:bodyPr>
-          <a:lstStyle/>
-          <a:p>
-            <a:pPr lvl="0" rtl="0" algn="ctr">
-              <a:spcBef>
-                <a:spcPts val="0"/>
-              </a:spcBef>
-              <a:buNone/>
-            </a:pPr>
-            <a:r>
-              <a:rPr lang="en">
-                <a:solidFill>
-                  <a:schemeClr val="lt1"/>
-                </a:solidFill>
-              </a:rPr>
-              <a:t>JSSE</a:t>
-            </a:r>
-          </a:p>
-        </p:txBody>
-      </p:sp>
-      <p:cxnSp>
-        <p:nvCxnSpPr>
-          <p:cNvPr id="109" name="Shape 109"/>
-          <p:cNvCxnSpPr>
-            <a:stCxn id="108" idx="0"/>
-            <a:endCxn id="105" idx="2"/>
-          </p:cNvCxnSpPr>
-          <p:nvPr/>
-        </p:nvCxnSpPr>
-        <p:spPr>
-          <a:xfrm rot="10800000">
-            <a:off x="5890062" y="3154250"/>
-            <a:ext cx="0" cy="724500"/>
-          </a:xfrm>
-          <a:prstGeom prst="straightConnector1">
-            <a:avLst/>
-          </a:prstGeom>
-          <a:noFill/>
-          <a:ln cap="flat" cmpd="sng" w="9525">
-            <a:solidFill>
-              <a:schemeClr val="dk2"/>
-            </a:solidFill>
-            <a:prstDash val="solid"/>
-            <a:round/>
-            <a:headEnd len="lg" w="lg" type="none"/>
-            <a:tailEnd len="lg" w="lg" type="triangle"/>
-          </a:ln>
-        </p:spPr>
-      </p:cxnSp>
-      <p:cxnSp>
-        <p:nvCxnSpPr>
-          <p:cNvPr id="110" name="Shape 110"/>
-          <p:cNvCxnSpPr>
-            <a:stCxn id="108" idx="0"/>
-            <a:endCxn id="106" idx="2"/>
-          </p:cNvCxnSpPr>
-          <p:nvPr/>
-        </p:nvCxnSpPr>
-        <p:spPr>
-          <a:xfrm rot="10800000">
-            <a:off x="3275862" y="3154250"/>
-            <a:ext cx="2614200" cy="724500"/>
-          </a:xfrm>
-          <a:prstGeom prst="straightConnector1">
-            <a:avLst/>
-          </a:prstGeom>
-          <a:noFill/>
-          <a:ln cap="flat" cmpd="sng" w="9525">
-            <a:solidFill>
-              <a:schemeClr val="dk2"/>
-            </a:solidFill>
-            <a:prstDash val="solid"/>
-            <a:round/>
-            <a:headEnd len="lg" w="lg" type="none"/>
-            <a:tailEnd len="lg" w="lg" type="triangle"/>
-          </a:ln>
-        </p:spPr>
-      </p:cxnSp>
-      <p:cxnSp>
-        <p:nvCxnSpPr>
-          <p:cNvPr id="111" name="Shape 111"/>
-          <p:cNvCxnSpPr>
-            <a:stCxn id="107" idx="0"/>
-            <a:endCxn id="106" idx="2"/>
-          </p:cNvCxnSpPr>
-          <p:nvPr/>
-        </p:nvCxnSpPr>
-        <p:spPr>
-          <a:xfrm rot="10800000">
-            <a:off x="3275837" y="3154250"/>
-            <a:ext cx="0" cy="724500"/>
-          </a:xfrm>
-          <a:prstGeom prst="straightConnector1">
-            <a:avLst/>
-          </a:prstGeom>
-          <a:noFill/>
-          <a:ln cap="flat" cmpd="sng" w="9525">
-            <a:solidFill>
-              <a:schemeClr val="dk2"/>
-            </a:solidFill>
-            <a:prstDash val="solid"/>
-            <a:round/>
-            <a:headEnd len="lg" w="lg" type="none"/>
-            <a:tailEnd len="lg" w="lg" type="triangle"/>
-          </a:ln>
-        </p:spPr>
-      </p:cxnSp>
-      <p:sp>
-        <p:nvSpPr>
-          <p:cNvPr id="112" name="Shape 112"/>
+              <a:t>Project Goals (1)</a:t>
+            </a:r>
+          </a:p>
+        </p:txBody>
+      </p:sp>
+      <p:sp>
+        <p:nvSpPr>
+          <p:cNvPr id="114" name="Shape 114"/>
           <p:cNvSpPr txBox="1"/>
-          <p:nvPr/>
-        </p:nvSpPr>
-        <p:spPr>
-          <a:xfrm>
-            <a:off x="384675" y="1868375"/>
-            <a:ext cx="1538700" cy="738600"/>
-          </a:xfrm>
-          <a:prstGeom prst="rect">
-            <a:avLst/>
-          </a:prstGeom>
-          <a:noFill/>
-          <a:ln>
-            <a:noFill/>
-          </a:ln>
+          <p:nvPr>
+            <p:ph idx="1" type="body"/>
+          </p:nvPr>
+        </p:nvSpPr>
+        <p:spPr>
+          <a:xfrm>
+            <a:off x="471900" y="1919075"/>
+            <a:ext cx="8222100" cy="2710200"/>
+          </a:xfrm>
+          <a:prstGeom prst="rect">
+            <a:avLst/>
+          </a:prstGeom>
         </p:spPr>
         <p:txBody>
           <a:bodyPr anchorCtr="0" anchor="t" bIns="91425" lIns="91425" rIns="91425" tIns="91425">
@@ -7541,23 +7595,85 @@
           </a:bodyPr>
           <a:lstStyle/>
           <a:p>
-            <a:pPr lvl="0" rtl="0">
-              <a:spcBef>
-                <a:spcPts val="0"/>
-              </a:spcBef>
-              <a:buNone/>
-            </a:pPr>
-            <a:r>
-              <a:rPr lang="en" sz="1800">
-                <a:solidFill>
-                  <a:schemeClr val="lt2"/>
-                </a:solidFill>
-                <a:latin typeface="Roboto"/>
-                <a:ea typeface="Roboto"/>
-                <a:cs typeface="Roboto"/>
-                <a:sym typeface="Roboto"/>
-              </a:rPr>
-              <a:t>Right Now :</a:t>
+            <a:pPr indent="-228600" lvl="0" marL="457200" rtl="0">
+              <a:spcBef>
+                <a:spcPts val="0"/>
+              </a:spcBef>
+            </a:pPr>
+            <a:r>
+              <a:rPr lang="en"/>
+              <a:t>Study Tomcat Native, Undertow and the current OpenSSL experiments for Undertow</a:t>
+            </a:r>
+          </a:p>
+          <a:p>
+            <a:pPr indent="-228600" lvl="0" marL="457200" rtl="0">
+              <a:spcBef>
+                <a:spcPts val="0"/>
+              </a:spcBef>
+            </a:pPr>
+            <a:r>
+              <a:rPr lang="en"/>
+              <a:t>Subset Tomcat Native so that the JNI interfaces focus on OpenSSL</a:t>
+            </a:r>
+          </a:p>
+          <a:p>
+            <a:pPr indent="-228600" lvl="1" marL="914400" rtl="0">
+              <a:spcBef>
+                <a:spcPts val="0"/>
+              </a:spcBef>
+            </a:pPr>
+            <a:r>
+              <a:rPr lang="en"/>
+              <a:t>Remove APR completely</a:t>
+            </a:r>
+          </a:p>
+          <a:p>
+            <a:pPr indent="-228600" lvl="0" marL="457200" rtl="0">
+              <a:spcBef>
+                <a:spcPts val="0"/>
+              </a:spcBef>
+            </a:pPr>
+            <a:r>
+              <a:rPr lang="en"/>
+              <a:t>Abstract Tomcat Native : usable in </a:t>
+            </a:r>
+            <a:r>
+              <a:rPr b="1" lang="en"/>
+              <a:t>Undertow</a:t>
+            </a:r>
+            <a:r>
+              <a:rPr lang="en"/>
+              <a:t> and </a:t>
+            </a:r>
+            <a:r>
+              <a:rPr b="1" lang="en"/>
+              <a:t>Tomcat</a:t>
+            </a:r>
+            <a:r>
+              <a:rPr lang="en"/>
+              <a:t> instead of JSSE</a:t>
+            </a:r>
+          </a:p>
+          <a:p>
+            <a:pPr indent="-228600" lvl="0" marL="457200" rtl="0">
+              <a:spcBef>
+                <a:spcPts val="0"/>
+              </a:spcBef>
+            </a:pPr>
+            <a:r>
+              <a:rPr lang="en"/>
+              <a:t>Run benchmarks to measure performance</a:t>
+            </a:r>
+          </a:p>
+          <a:p>
+            <a:pPr indent="-228600" lvl="0" marL="457200" rtl="0">
+              <a:spcBef>
+                <a:spcPts val="0"/>
+              </a:spcBef>
+            </a:pPr>
+            <a:r>
+              <a:rPr lang="en"/>
+              <a:t>Add JNI calls to access more OpenSSL features</a:t>
             </a:r>
           </a:p>
         </p:txBody>
@@ -7578,7 +7694,7 @@
   <p:cSld>
     <p:spTree>
       <p:nvGrpSpPr>
-        <p:cNvPr id="116" name="Shape 116"/>
+        <p:cNvPr id="118" name="Shape 118"/>
         <p:cNvGrpSpPr/>
         <p:nvPr/>
       </p:nvGrpSpPr>
@@ -7592,7 +7708,7 @@
       </p:grpSpPr>
       <p:sp>
         <p:nvSpPr>
-          <p:cNvPr id="117" name="Shape 117"/>
+          <p:cNvPr id="119" name="Shape 119"/>
           <p:cNvSpPr txBox="1"/>
           <p:nvPr>
             <p:ph type="title"/>
@@ -7628,7 +7744,7 @@
       </p:sp>
       <p:sp>
         <p:nvSpPr>
-          <p:cNvPr id="118" name="Shape 118"/>
+          <p:cNvPr id="120" name="Shape 120"/>
           <p:cNvSpPr/>
           <p:nvPr/>
         </p:nvSpPr>
@@ -7672,7 +7788,7 @@
       </p:sp>
       <p:sp>
         <p:nvSpPr>
-          <p:cNvPr id="119" name="Shape 119"/>
+          <p:cNvPr id="121" name="Shape 121"/>
           <p:cNvSpPr/>
           <p:nvPr/>
         </p:nvSpPr>
@@ -7716,7 +7832,7 @@
       </p:sp>
       <p:sp>
         <p:nvSpPr>
-          <p:cNvPr id="120" name="Shape 120"/>
+          <p:cNvPr id="122" name="Shape 122"/>
           <p:cNvSpPr/>
           <p:nvPr/>
         </p:nvSpPr>
@@ -7760,7 +7876,7 @@
       </p:sp>
       <p:sp>
         <p:nvSpPr>
-          <p:cNvPr id="121" name="Shape 121"/>
+          <p:cNvPr id="123" name="Shape 123"/>
           <p:cNvSpPr/>
           <p:nvPr/>
         </p:nvSpPr>
@@ -7804,10 +7920,10 @@
       </p:sp>
       <p:cxnSp>
         <p:nvCxnSpPr>
-          <p:cNvPr id="122" name="Shape 122"/>
+          <p:cNvPr id="124" name="Shape 124"/>
           <p:cNvCxnSpPr>
-            <a:stCxn id="121" idx="0"/>
-            <a:endCxn id="118" idx="2"/>
+            <a:stCxn id="123" idx="0"/>
+            <a:endCxn id="120" idx="2"/>
           </p:cNvCxnSpPr>
           <p:nvPr/>
         </p:nvCxnSpPr>
@@ -7833,10 +7949,10 @@
       </p:cxnSp>
       <p:cxnSp>
         <p:nvCxnSpPr>
-          <p:cNvPr id="123" name="Shape 123"/>
+          <p:cNvPr id="125" name="Shape 125"/>
           <p:cNvCxnSpPr>
-            <a:stCxn id="121" idx="0"/>
-            <a:endCxn id="119" idx="2"/>
+            <a:stCxn id="123" idx="0"/>
+            <a:endCxn id="121" idx="2"/>
           </p:cNvCxnSpPr>
           <p:nvPr/>
         </p:nvCxnSpPr>
@@ -7862,10 +7978,10 @@
       </p:cxnSp>
       <p:cxnSp>
         <p:nvCxnSpPr>
-          <p:cNvPr id="124" name="Shape 124"/>
+          <p:cNvPr id="126" name="Shape 126"/>
           <p:cNvCxnSpPr>
-            <a:stCxn id="120" idx="0"/>
-            <a:endCxn id="119" idx="2"/>
+            <a:stCxn id="122" idx="0"/>
+            <a:endCxn id="121" idx="2"/>
           </p:cNvCxnSpPr>
           <p:nvPr/>
         </p:nvCxnSpPr>
@@ -7891,10 +8007,10 @@
       </p:cxnSp>
       <p:cxnSp>
         <p:nvCxnSpPr>
-          <p:cNvPr id="125" name="Shape 125"/>
+          <p:cNvPr id="127" name="Shape 127"/>
           <p:cNvCxnSpPr>
-            <a:stCxn id="120" idx="0"/>
-            <a:endCxn id="118" idx="2"/>
+            <a:stCxn id="122" idx="0"/>
+            <a:endCxn id="120" idx="2"/>
           </p:cNvCxnSpPr>
           <p:nvPr/>
         </p:nvCxnSpPr>
@@ -7934,7 +8050,7 @@
   <p:cSld>
     <p:spTree>
       <p:nvGrpSpPr>
-        <p:cNvPr id="129" name="Shape 129"/>
+        <p:cNvPr id="131" name="Shape 131"/>
         <p:cNvGrpSpPr/>
         <p:nvPr/>
       </p:nvGrpSpPr>
@@ -7948,7 +8064,7 @@
       </p:grpSpPr>
       <p:sp>
         <p:nvSpPr>
-          <p:cNvPr id="130" name="Shape 130"/>
+          <p:cNvPr id="132" name="Shape 132"/>
           <p:cNvSpPr txBox="1"/>
           <p:nvPr>
             <p:ph type="title"/>
@@ -7977,14 +8093,14 @@
             </a:pPr>
             <a:r>
               <a:rPr lang="en"/>
-              <a:t>Motivations (1)</a:t>
-            </a:r>
-          </a:p>
-        </p:txBody>
-      </p:sp>
-      <p:sp>
-        <p:nvSpPr>
-          <p:cNvPr id="131" name="Shape 131"/>
+              <a:t>Motivations</a:t>
+            </a:r>
+          </a:p>
+        </p:txBody>
+      </p:sp>
+      <p:sp>
+        <p:nvSpPr>
+          <p:cNvPr id="133" name="Shape 133"/>
           <p:cNvSpPr txBox="1"/>
           <p:nvPr>
             <p:ph idx="1" type="body"/>
@@ -8094,7 +8210,7 @@
       </p:sp>
       <p:sp>
         <p:nvSpPr>
-          <p:cNvPr id="132" name="Shape 132"/>
+          <p:cNvPr id="134" name="Shape 134"/>
           <p:cNvSpPr/>
           <p:nvPr/>
         </p:nvSpPr>
